--- a/UC_Course_Sesion2/UCDatabrick - Sesion 2.pptx
+++ b/UC_Course_Sesion2/UCDatabrick - Sesion 2.pptx
@@ -5,10 +5,10 @@
     <p:sldMasterId id="2147483653" r:id="rId4"/>
   </p:sldMasterIdLst>
   <p:notesMasterIdLst>
-    <p:notesMasterId r:id="rId16"/>
+    <p:notesMasterId r:id="rId18"/>
   </p:notesMasterIdLst>
   <p:handoutMasterIdLst>
-    <p:handoutMasterId r:id="rId17"/>
+    <p:handoutMasterId r:id="rId19"/>
   </p:handoutMasterIdLst>
   <p:sldIdLst>
     <p:sldId id="295" r:id="rId5"/>
@@ -20,8 +20,10 @@
     <p:sldId id="2147474064" r:id="rId11"/>
     <p:sldId id="2147474060" r:id="rId12"/>
     <p:sldId id="2147474058" r:id="rId13"/>
-    <p:sldId id="2147474061" r:id="rId14"/>
-    <p:sldId id="257" r:id="rId15"/>
+    <p:sldId id="2147474069" r:id="rId14"/>
+    <p:sldId id="2147474068" r:id="rId15"/>
+    <p:sldId id="2147474061" r:id="rId16"/>
+    <p:sldId id="257" r:id="rId17"/>
   </p:sldIdLst>
   <p:sldSz cx="9144000" cy="6858000" type="screen4x3"/>
   <p:notesSz cx="6797675" cy="9926638"/>
@@ -134,6 +136,8 @@
             <p14:sldId id="2147474064"/>
             <p14:sldId id="2147474060"/>
             <p14:sldId id="2147474058"/>
+            <p14:sldId id="2147474069"/>
+            <p14:sldId id="2147474068"/>
             <p14:sldId id="2147474061"/>
           </p14:sldIdLst>
         </p14:section>
@@ -914,6 +918,693 @@
 </p:notes>
 </file>
 
+<file path=ppt/notesSlides/notesSlide10.xml><?xml version="1.0" encoding="utf-8"?>
+<p:notes xmlns:a="http://schemas.openxmlformats.org/drawingml/2006/main" xmlns:r="http://schemas.openxmlformats.org/officeDocument/2006/relationships" xmlns:p="http://schemas.openxmlformats.org/presentationml/2006/main">
+  <p:cSld>
+    <p:spTree>
+      <p:nvGrpSpPr>
+        <p:cNvPr id="1" name="">
+          <a:extLst>
+            <a:ext uri="{FF2B5EF4-FFF2-40B4-BE49-F238E27FC236}">
+              <a16:creationId xmlns:a16="http://schemas.microsoft.com/office/drawing/2014/main" id="{BEF459D4-BCCB-8569-076D-B85E13888DC4}"/>
+            </a:ext>
+          </a:extLst>
+        </p:cNvPr>
+        <p:cNvGrpSpPr/>
+        <p:nvPr/>
+      </p:nvGrpSpPr>
+      <p:grpSpPr>
+        <a:xfrm>
+          <a:off x="0" y="0"/>
+          <a:ext cx="0" cy="0"/>
+          <a:chOff x="0" y="0"/>
+          <a:chExt cx="0" cy="0"/>
+        </a:xfrm>
+      </p:grpSpPr>
+      <p:sp>
+        <p:nvSpPr>
+          <p:cNvPr id="2" name="Marcador de imagen de diapositiva 1">
+            <a:extLst>
+              <a:ext uri="{FF2B5EF4-FFF2-40B4-BE49-F238E27FC236}">
+                <a16:creationId xmlns:a16="http://schemas.microsoft.com/office/drawing/2014/main" id="{D0DDC960-57B5-6D75-B50C-B4FBB208518B}"/>
+              </a:ext>
+            </a:extLst>
+          </p:cNvPr>
+          <p:cNvSpPr>
+            <a:spLocks noGrp="1" noRot="1" noChangeAspect="1"/>
+          </p:cNvSpPr>
+          <p:nvPr>
+            <p:ph type="sldImg"/>
+          </p:nvPr>
+        </p:nvSpPr>
+        <p:spPr/>
+      </p:sp>
+      <p:sp>
+        <p:nvSpPr>
+          <p:cNvPr id="3" name="Marcador de notas 2">
+            <a:extLst>
+              <a:ext uri="{FF2B5EF4-FFF2-40B4-BE49-F238E27FC236}">
+                <a16:creationId xmlns:a16="http://schemas.microsoft.com/office/drawing/2014/main" id="{D27DDD42-0FA8-7342-9A30-B01825DD65E5}"/>
+              </a:ext>
+            </a:extLst>
+          </p:cNvPr>
+          <p:cNvSpPr>
+            <a:spLocks noGrp="1"/>
+          </p:cNvSpPr>
+          <p:nvPr>
+            <p:ph type="body" idx="1"/>
+          </p:nvPr>
+        </p:nvSpPr>
+        <p:spPr/>
+        <p:txBody>
+          <a:bodyPr/>
+          <a:lstStyle/>
+          <a:p>
+            <a:r>
+              <a:rPr lang="es-ES" dirty="0"/>
+              <a:t>Una estructura jerárquica de gobernanza de datos con </a:t>
+            </a:r>
+            <a:r>
+              <a:rPr lang="es-ES" b="1" dirty="0"/>
+              <a:t>un único </a:t>
+            </a:r>
+            <a:r>
+              <a:rPr lang="es-ES" b="1" dirty="0" err="1"/>
+              <a:t>metastorer</a:t>
+            </a:r>
+            <a:r>
+              <a:rPr lang="es-ES" b="1" dirty="0"/>
+              <a:t> </a:t>
+            </a:r>
+            <a:r>
+              <a:rPr lang="es-ES" b="0" dirty="0"/>
+              <a:t>pueden utilizarse varios enfo</a:t>
+            </a:r>
+            <a:r>
+              <a:rPr lang="es-ES" dirty="0"/>
+              <a:t>ques:</a:t>
+            </a:r>
+          </a:p>
+          <a:p>
+            <a:r>
+              <a:rPr lang="es-ES" b="1" dirty="0"/>
+              <a:t>Centralizados</a:t>
+            </a:r>
+            <a:r>
+              <a:rPr lang="es-ES" dirty="0"/>
+              <a:t> → todo lo controla el </a:t>
+            </a:r>
+            <a:r>
+              <a:rPr lang="es-ES" b="1" dirty="0" err="1"/>
+              <a:t>Metastore</a:t>
+            </a:r>
+            <a:r>
+              <a:rPr lang="es-ES" b="1" dirty="0"/>
+              <a:t> </a:t>
+            </a:r>
+            <a:r>
+              <a:rPr lang="es-ES" b="1" dirty="0" err="1"/>
+              <a:t>Admin</a:t>
+            </a:r>
+            <a:endParaRPr lang="es-ES" dirty="0"/>
+          </a:p>
+          <a:p>
+            <a:r>
+              <a:rPr lang="es-ES" b="1" dirty="0"/>
+              <a:t>Distribuidos</a:t>
+            </a:r>
+            <a:r>
+              <a:rPr lang="es-ES" dirty="0"/>
+              <a:t> → se delega la gobernanza a distintos </a:t>
+            </a:r>
+            <a:r>
+              <a:rPr lang="es-ES" b="1" dirty="0" err="1"/>
+              <a:t>Catalog</a:t>
+            </a:r>
+            <a:r>
+              <a:rPr lang="es-ES" b="1" dirty="0"/>
+              <a:t> </a:t>
+            </a:r>
+            <a:r>
+              <a:rPr lang="es-ES" b="1" dirty="0" err="1"/>
+              <a:t>Admins</a:t>
+            </a:r>
+            <a:endParaRPr lang="es-ES" dirty="0"/>
+          </a:p>
+          <a:p>
+            <a:br>
+              <a:rPr lang="es-ES" dirty="0"/>
+            </a:br>
+            <a:endParaRPr lang="es-ES" dirty="0"/>
+          </a:p>
+          <a:p>
+            <a:r>
+              <a:rPr lang="es-ES" b="1" dirty="0"/>
+              <a:t>🧩 Elementos clave explicados</a:t>
+            </a:r>
+          </a:p>
+          <a:p>
+            <a:r>
+              <a:rPr lang="es-ES" b="1" dirty="0"/>
+              <a:t>1. 🗂 Unity </a:t>
+            </a:r>
+            <a:r>
+              <a:rPr lang="es-ES" b="1" dirty="0" err="1"/>
+              <a:t>Catalog</a:t>
+            </a:r>
+            <a:endParaRPr lang="es-ES" b="1" dirty="0"/>
+          </a:p>
+          <a:p>
+            <a:r>
+              <a:rPr lang="es-ES" dirty="0"/>
+              <a:t>Es la capa lógica de gobernanza, que se gestiona desde un </a:t>
+            </a:r>
+            <a:r>
+              <a:rPr lang="es-ES" b="1" dirty="0" err="1"/>
+              <a:t>metastore</a:t>
+            </a:r>
+            <a:r>
+              <a:rPr lang="es-ES" dirty="0"/>
+              <a:t> centralizado.</a:t>
+            </a:r>
+          </a:p>
+          <a:p>
+            <a:br>
+              <a:rPr lang="es-ES" dirty="0"/>
+            </a:br>
+            <a:endParaRPr lang="es-ES" dirty="0"/>
+          </a:p>
+          <a:p>
+            <a:r>
+              <a:rPr lang="es-ES" b="1" dirty="0"/>
+              <a:t>2. 🧱 </a:t>
+            </a:r>
+            <a:r>
+              <a:rPr lang="es-ES" b="1" dirty="0" err="1"/>
+              <a:t>Metastore</a:t>
+            </a:r>
+            <a:endParaRPr lang="es-ES" b="1" dirty="0"/>
+          </a:p>
+          <a:p>
+            <a:r>
+              <a:rPr lang="es-ES" dirty="0"/>
+              <a:t>Es el </a:t>
+            </a:r>
+            <a:r>
+              <a:rPr lang="es-ES" b="1" dirty="0"/>
+              <a:t>núcleo</a:t>
+            </a:r>
+            <a:r>
+              <a:rPr lang="es-ES" dirty="0"/>
+              <a:t> donde se guardan todos los metadatos: catálogos, esquemas, tablas, funciones, permisos, etc.</a:t>
+            </a:r>
+          </a:p>
+          <a:p>
+            <a:r>
+              <a:rPr lang="es-ES" dirty="0"/>
+              <a:t>Tiene un rol especial: </a:t>
+            </a:r>
+            <a:r>
+              <a:rPr lang="es-ES" b="1" dirty="0" err="1"/>
+              <a:t>Metastore</a:t>
+            </a:r>
+            <a:r>
+              <a:rPr lang="es-ES" b="1" dirty="0"/>
+              <a:t> </a:t>
+            </a:r>
+            <a:r>
+              <a:rPr lang="es-ES" b="1" dirty="0" err="1"/>
+              <a:t>Admin</a:t>
+            </a:r>
+            <a:endParaRPr lang="es-ES" dirty="0"/>
+          </a:p>
+          <a:p>
+            <a:pPr lvl="1"/>
+            <a:r>
+              <a:rPr lang="es-ES" dirty="0"/>
+              <a:t>🛠 Puede gestionar el </a:t>
+            </a:r>
+            <a:r>
+              <a:rPr lang="es-ES" dirty="0" err="1"/>
+              <a:t>metastore</a:t>
+            </a:r>
+            <a:r>
+              <a:rPr lang="es-ES" dirty="0"/>
+              <a:t> por completo</a:t>
+            </a:r>
+          </a:p>
+          <a:p>
+            <a:pPr lvl="1"/>
+            <a:r>
+              <a:rPr lang="es-ES" dirty="0"/>
+              <a:t>❌ Pero </a:t>
+            </a:r>
+            <a:r>
+              <a:rPr lang="es-ES" b="1" dirty="0"/>
+              <a:t>no puede acceder a los datos</a:t>
+            </a:r>
+            <a:r>
+              <a:rPr lang="es-ES" dirty="0"/>
+              <a:t> a menos que se le otorgue explícitamente acceso</a:t>
+            </a:r>
+          </a:p>
+          <a:p>
+            <a:br>
+              <a:rPr lang="es-ES" dirty="0"/>
+            </a:br>
+            <a:endParaRPr lang="es-ES" dirty="0"/>
+          </a:p>
+          <a:p>
+            <a:r>
+              <a:rPr lang="es-ES" b="1" dirty="0"/>
+              <a:t>3. 📦 Catálogos (Catalog1, Catalog2)</a:t>
+            </a:r>
+          </a:p>
+          <a:p>
+            <a:r>
+              <a:rPr lang="es-ES" dirty="0"/>
+              <a:t>Agrupan esquemas y objetos (tablas, vistas, funciones…). Cada catálogo puede tener un </a:t>
+            </a:r>
+            <a:r>
+              <a:rPr lang="es-ES" b="1" dirty="0" err="1"/>
+              <a:t>Catalog</a:t>
+            </a:r>
+            <a:r>
+              <a:rPr lang="es-ES" b="1" dirty="0"/>
+              <a:t> </a:t>
+            </a:r>
+            <a:r>
+              <a:rPr lang="es-ES" b="1" dirty="0" err="1"/>
+              <a:t>Admin</a:t>
+            </a:r>
+            <a:r>
+              <a:rPr lang="es-ES" dirty="0"/>
+              <a:t> distinto.</a:t>
+            </a:r>
+          </a:p>
+          <a:p>
+            <a:r>
+              <a:rPr lang="es-ES" b="1" dirty="0" err="1"/>
+              <a:t>Catalog</a:t>
+            </a:r>
+            <a:r>
+              <a:rPr lang="es-ES" b="1" dirty="0"/>
+              <a:t> </a:t>
+            </a:r>
+            <a:r>
+              <a:rPr lang="es-ES" b="1" dirty="0" err="1"/>
+              <a:t>Admin</a:t>
+            </a:r>
+            <a:r>
+              <a:rPr lang="es-ES" dirty="0"/>
+              <a:t>:</a:t>
+            </a:r>
+          </a:p>
+          <a:p>
+            <a:pPr lvl="1"/>
+            <a:r>
+              <a:rPr lang="es-ES" dirty="0"/>
+              <a:t>✅ Puede crear esquemas dentro de su catálogo</a:t>
+            </a:r>
+          </a:p>
+          <a:p>
+            <a:pPr lvl="1"/>
+            <a:r>
+              <a:rPr lang="es-ES" dirty="0"/>
+              <a:t>✅ Puede gestionar accesos dentro de su catálogo</a:t>
+            </a:r>
+          </a:p>
+          <a:p>
+            <a:pPr lvl="1"/>
+            <a:r>
+              <a:rPr lang="es-ES" dirty="0"/>
+              <a:t>Esto permite </a:t>
+            </a:r>
+            <a:r>
+              <a:rPr lang="es-ES" b="1" dirty="0"/>
+              <a:t>delegar</a:t>
+            </a:r>
+            <a:r>
+              <a:rPr lang="es-ES" dirty="0"/>
+              <a:t> la gobernanza por dominio o unidad de negocio</a:t>
+            </a:r>
+          </a:p>
+          <a:p>
+            <a:br>
+              <a:rPr lang="es-ES" dirty="0"/>
+            </a:br>
+            <a:endParaRPr lang="es-ES" dirty="0"/>
+          </a:p>
+          <a:p>
+            <a:r>
+              <a:rPr lang="es-ES" b="1" dirty="0"/>
+              <a:t>4. 📁 Storage </a:t>
+            </a:r>
+            <a:r>
+              <a:rPr lang="es-ES" b="1" dirty="0" err="1"/>
+              <a:t>Credentials</a:t>
+            </a:r>
+            <a:r>
+              <a:rPr lang="es-ES" b="1" dirty="0"/>
+              <a:t>, Shares y </a:t>
+            </a:r>
+            <a:r>
+              <a:rPr lang="es-ES" b="1" dirty="0" err="1"/>
+              <a:t>External</a:t>
+            </a:r>
+            <a:r>
+              <a:rPr lang="es-ES" b="1" dirty="0"/>
+              <a:t> </a:t>
+            </a:r>
+            <a:r>
+              <a:rPr lang="es-ES" b="1" dirty="0" err="1"/>
+              <a:t>Locations</a:t>
+            </a:r>
+            <a:endParaRPr lang="es-ES" b="1" dirty="0"/>
+          </a:p>
+          <a:p>
+            <a:r>
+              <a:rPr lang="es-ES" dirty="0"/>
+              <a:t>Recursos críticos que también se gobiernan desde el </a:t>
+            </a:r>
+            <a:r>
+              <a:rPr lang="es-ES" dirty="0" err="1"/>
+              <a:t>metastore</a:t>
+            </a:r>
+            <a:r>
+              <a:rPr lang="es-ES" dirty="0"/>
+              <a:t>:</a:t>
+            </a:r>
+          </a:p>
+          <a:p>
+            <a:r>
+              <a:rPr lang="es-ES" dirty="0"/>
+              <a:t>🔐 </a:t>
+            </a:r>
+            <a:r>
+              <a:rPr lang="es-ES" b="1" dirty="0"/>
+              <a:t>Storage </a:t>
+            </a:r>
+            <a:r>
+              <a:rPr lang="es-ES" b="1" dirty="0" err="1"/>
+              <a:t>Credentials</a:t>
+            </a:r>
+            <a:r>
+              <a:rPr lang="es-ES" dirty="0"/>
+              <a:t> → credenciales para acceder a los </a:t>
+            </a:r>
+            <a:r>
+              <a:rPr lang="es-ES" dirty="0" err="1"/>
+              <a:t>buckets</a:t>
+            </a:r>
+            <a:r>
+              <a:rPr lang="es-ES" dirty="0"/>
+              <a:t> (S3, ADLS...)</a:t>
+            </a:r>
+          </a:p>
+          <a:p>
+            <a:r>
+              <a:rPr lang="es-ES" dirty="0"/>
+              <a:t>🔄 </a:t>
+            </a:r>
+            <a:r>
+              <a:rPr lang="es-ES" b="1" dirty="0"/>
+              <a:t>Shares</a:t>
+            </a:r>
+            <a:r>
+              <a:rPr lang="es-ES" dirty="0"/>
+              <a:t> → para compartir datos mediante </a:t>
+            </a:r>
+            <a:r>
+              <a:rPr lang="es-ES" b="1" dirty="0"/>
+              <a:t>Delta </a:t>
+            </a:r>
+            <a:r>
+              <a:rPr lang="es-ES" b="1" dirty="0" err="1"/>
+              <a:t>Sharing</a:t>
+            </a:r>
+            <a:endParaRPr lang="es-ES" dirty="0"/>
+          </a:p>
+          <a:p>
+            <a:r>
+              <a:rPr lang="es-ES" dirty="0"/>
+              <a:t>🌐 </a:t>
+            </a:r>
+            <a:r>
+              <a:rPr lang="es-ES" b="1" dirty="0" err="1"/>
+              <a:t>External</a:t>
+            </a:r>
+            <a:r>
+              <a:rPr lang="es-ES" b="1" dirty="0"/>
+              <a:t> </a:t>
+            </a:r>
+            <a:r>
+              <a:rPr lang="es-ES" b="1" dirty="0" err="1"/>
+              <a:t>Locations</a:t>
+            </a:r>
+            <a:r>
+              <a:rPr lang="es-ES" dirty="0"/>
+              <a:t> → definiciones de rutas externas para tablas/volúmenes</a:t>
+            </a:r>
+          </a:p>
+          <a:p>
+            <a:r>
+              <a:rPr lang="es-ES" dirty="0"/>
+              <a:t>Todos estos objetos </a:t>
+            </a:r>
+            <a:r>
+              <a:rPr lang="es-ES" b="1" dirty="0"/>
+              <a:t>pueden ser delegados también por </a:t>
+            </a:r>
+            <a:r>
+              <a:rPr lang="es-ES" b="1" dirty="0" err="1"/>
+              <a:t>scope</a:t>
+            </a:r>
+            <a:r>
+              <a:rPr lang="es-ES" dirty="0"/>
+              <a:t>, es decir, no todo debe gestionarse solo por el </a:t>
+            </a:r>
+            <a:r>
+              <a:rPr lang="es-ES" dirty="0" err="1"/>
+              <a:t>Metastore</a:t>
+            </a:r>
+            <a:r>
+              <a:rPr lang="es-ES" dirty="0"/>
+              <a:t> </a:t>
+            </a:r>
+            <a:r>
+              <a:rPr lang="es-ES" dirty="0" err="1"/>
+              <a:t>Admin</a:t>
+            </a:r>
+            <a:r>
+              <a:rPr lang="es-ES" dirty="0"/>
+              <a:t>.</a:t>
+            </a:r>
+          </a:p>
+          <a:p>
+            <a:br>
+              <a:rPr lang="es-ES" dirty="0"/>
+            </a:br>
+            <a:endParaRPr lang="es-ES" dirty="0"/>
+          </a:p>
+          <a:p>
+            <a:r>
+              <a:rPr lang="es-ES" b="1" dirty="0"/>
+              <a:t>🧭 Idea principal de la diapositiva</a:t>
+            </a:r>
+          </a:p>
+          <a:p>
+            <a:r>
+              <a:rPr lang="es-ES" dirty="0"/>
+              <a:t>Unity </a:t>
+            </a:r>
+            <a:r>
+              <a:rPr lang="es-ES" dirty="0" err="1"/>
+              <a:t>Catalog</a:t>
+            </a:r>
+            <a:r>
+              <a:rPr lang="es-ES" dirty="0"/>
+              <a:t> permite una </a:t>
+            </a:r>
+            <a:r>
+              <a:rPr lang="es-ES" b="1" dirty="0"/>
+              <a:t>gobernanza flexible</a:t>
+            </a:r>
+            <a:r>
+              <a:rPr lang="es-ES" dirty="0"/>
+              <a:t>:</a:t>
+            </a:r>
+            <a:br>
+              <a:rPr lang="es-ES" dirty="0"/>
+            </a:br>
+            <a:r>
+              <a:rPr lang="es-ES" dirty="0"/>
+              <a:t>puedes centralizar el control en el </a:t>
+            </a:r>
+            <a:r>
+              <a:rPr lang="es-ES" b="1" dirty="0" err="1"/>
+              <a:t>Metastore</a:t>
+            </a:r>
+            <a:r>
+              <a:rPr lang="es-ES" b="1" dirty="0"/>
+              <a:t> </a:t>
+            </a:r>
+            <a:r>
+              <a:rPr lang="es-ES" b="1" dirty="0" err="1"/>
+              <a:t>Admin</a:t>
+            </a:r>
+            <a:r>
+              <a:rPr lang="es-ES" dirty="0"/>
+              <a:t>, o delegar la responsabilidad por catálogo a diferentes </a:t>
+            </a:r>
+            <a:r>
+              <a:rPr lang="es-ES" b="1" dirty="0" err="1"/>
+              <a:t>Catalog</a:t>
+            </a:r>
+            <a:r>
+              <a:rPr lang="es-ES" b="1" dirty="0"/>
+              <a:t> </a:t>
+            </a:r>
+            <a:r>
+              <a:rPr lang="es-ES" b="1" dirty="0" err="1"/>
+              <a:t>Admins</a:t>
+            </a:r>
+            <a:r>
+              <a:rPr lang="es-ES" dirty="0"/>
+              <a:t>, según el modelo organizativo de tu empresa.</a:t>
+            </a:r>
+          </a:p>
+          <a:p>
+            <a:endParaRPr lang="es-ES" b="1" dirty="0"/>
+          </a:p>
+        </p:txBody>
+      </p:sp>
+      <p:sp>
+        <p:nvSpPr>
+          <p:cNvPr id="4" name="Marcador de número de diapositiva 3">
+            <a:extLst>
+              <a:ext uri="{FF2B5EF4-FFF2-40B4-BE49-F238E27FC236}">
+                <a16:creationId xmlns:a16="http://schemas.microsoft.com/office/drawing/2014/main" id="{20EAD584-116A-3AC2-2FE1-D5B4F14CD008}"/>
+              </a:ext>
+            </a:extLst>
+          </p:cNvPr>
+          <p:cNvSpPr>
+            <a:spLocks noGrp="1"/>
+          </p:cNvSpPr>
+          <p:nvPr>
+            <p:ph type="sldNum" sz="quarter" idx="5"/>
+          </p:nvPr>
+        </p:nvSpPr>
+        <p:spPr/>
+        <p:txBody>
+          <a:bodyPr/>
+          <a:lstStyle/>
+          <a:p>
+            <a:fld id="{AAF8B64C-EDD0-41C9-AB7F-26F0E93D38A9}" type="slidenum">
+              <a:rPr lang="en-US" smtClean="0"/>
+              <a:t>11</a:t>
+            </a:fld>
+            <a:endParaRPr lang="en-US"/>
+          </a:p>
+        </p:txBody>
+      </p:sp>
+    </p:spTree>
+    <p:extLst>
+      <p:ext uri="{BB962C8B-B14F-4D97-AF65-F5344CB8AC3E}">
+        <p14:creationId xmlns:p14="http://schemas.microsoft.com/office/powerpoint/2010/main" val="4276072290"/>
+      </p:ext>
+    </p:extLst>
+  </p:cSld>
+  <p:clrMapOvr>
+    <a:masterClrMapping/>
+  </p:clrMapOvr>
+</p:notes>
+</file>
+
+<file path=ppt/notesSlides/notesSlide11.xml><?xml version="1.0" encoding="utf-8"?>
+<p:notes xmlns:a="http://schemas.openxmlformats.org/drawingml/2006/main" xmlns:r="http://schemas.openxmlformats.org/officeDocument/2006/relationships" xmlns:p="http://schemas.openxmlformats.org/presentationml/2006/main">
+  <p:cSld>
+    <p:spTree>
+      <p:nvGrpSpPr>
+        <p:cNvPr id="1" name=""/>
+        <p:cNvGrpSpPr/>
+        <p:nvPr/>
+      </p:nvGrpSpPr>
+      <p:grpSpPr>
+        <a:xfrm>
+          <a:off x="0" y="0"/>
+          <a:ext cx="0" cy="0"/>
+          <a:chOff x="0" y="0"/>
+          <a:chExt cx="0" cy="0"/>
+        </a:xfrm>
+      </p:grpSpPr>
+      <p:sp>
+        <p:nvSpPr>
+          <p:cNvPr id="2" name="Marcador de imagen de diapositiva 1"/>
+          <p:cNvSpPr>
+            <a:spLocks noGrp="1" noRot="1" noChangeAspect="1"/>
+          </p:cNvSpPr>
+          <p:nvPr>
+            <p:ph type="sldImg"/>
+          </p:nvPr>
+        </p:nvSpPr>
+        <p:spPr/>
+      </p:sp>
+      <p:sp>
+        <p:nvSpPr>
+          <p:cNvPr id="3" name="Marcador de notas 2"/>
+          <p:cNvSpPr>
+            <a:spLocks noGrp="1"/>
+          </p:cNvSpPr>
+          <p:nvPr>
+            <p:ph type="body" idx="1"/>
+          </p:nvPr>
+        </p:nvSpPr>
+        <p:spPr/>
+        <p:txBody>
+          <a:bodyPr/>
+          <a:lstStyle/>
+          <a:p>
+            <a:endParaRPr lang="es-ES" dirty="0"/>
+          </a:p>
+        </p:txBody>
+      </p:sp>
+      <p:sp>
+        <p:nvSpPr>
+          <p:cNvPr id="4" name="Marcador de número de diapositiva 3"/>
+          <p:cNvSpPr>
+            <a:spLocks noGrp="1"/>
+          </p:cNvSpPr>
+          <p:nvPr>
+            <p:ph type="sldNum" sz="quarter" idx="5"/>
+          </p:nvPr>
+        </p:nvSpPr>
+        <p:spPr/>
+        <p:txBody>
+          <a:bodyPr/>
+          <a:lstStyle/>
+          <a:p>
+            <a:fld id="{AAF8B64C-EDD0-41C9-AB7F-26F0E93D38A9}" type="slidenum">
+              <a:rPr lang="en-US" smtClean="0"/>
+              <a:t>13</a:t>
+            </a:fld>
+            <a:endParaRPr lang="en-US"/>
+          </a:p>
+        </p:txBody>
+      </p:sp>
+    </p:spTree>
+    <p:extLst>
+      <p:ext uri="{BB962C8B-B14F-4D97-AF65-F5344CB8AC3E}">
+        <p14:creationId xmlns:p14="http://schemas.microsoft.com/office/powerpoint/2010/main" val="722179186"/>
+      </p:ext>
+    </p:extLst>
+  </p:cSld>
+  <p:clrMapOvr>
+    <a:masterClrMapping/>
+  </p:clrMapOvr>
+</p:notes>
+</file>
+
 <file path=ppt/notesSlides/notesSlide2.xml><?xml version="1.0" encoding="utf-8"?>
 <p:notes xmlns:a="http://schemas.openxmlformats.org/drawingml/2006/main" xmlns:r="http://schemas.openxmlformats.org/officeDocument/2006/relationships" xmlns:p="http://schemas.openxmlformats.org/presentationml/2006/main">
   <p:cSld>
@@ -2836,6 +3527,209 @@
           <a:p>
             <a:endParaRPr lang="es-ES" b="1" dirty="0"/>
           </a:p>
+          <a:p>
+            <a:endParaRPr lang="es-ES" b="1" dirty="0"/>
+          </a:p>
+          <a:p>
+            <a:r>
+              <a:rPr lang="es-ES" b="1" dirty="0"/>
+              <a:t>📝 ¿Cuándo usar varios </a:t>
+            </a:r>
+            <a:r>
+              <a:rPr lang="es-ES" b="1" dirty="0" err="1"/>
+              <a:t>metastores</a:t>
+            </a:r>
+            <a:r>
+              <a:rPr lang="es-ES" b="1" dirty="0"/>
+              <a:t> en una empresa?</a:t>
+            </a:r>
+          </a:p>
+          <a:p>
+            <a:r>
+              <a:rPr lang="es-ES" dirty="0"/>
+              <a:t>Aunque lo recomendable es gestionar todo desde un único </a:t>
+            </a:r>
+            <a:r>
+              <a:rPr lang="es-ES" dirty="0" err="1"/>
+              <a:t>metastore</a:t>
+            </a:r>
+            <a:r>
+              <a:rPr lang="es-ES" dirty="0"/>
+              <a:t> (Unity </a:t>
+            </a:r>
+            <a:r>
+              <a:rPr lang="es-ES" dirty="0" err="1"/>
+              <a:t>Catalog</a:t>
+            </a:r>
+            <a:r>
+              <a:rPr lang="es-ES" dirty="0"/>
+              <a:t>), hay </a:t>
+            </a:r>
+            <a:r>
+              <a:rPr lang="es-ES" b="1" dirty="0"/>
+              <a:t>casos justificados</a:t>
+            </a:r>
+            <a:r>
+              <a:rPr lang="es-ES" dirty="0"/>
+              <a:t> donde tener más de uno es necesario:</a:t>
+            </a:r>
+          </a:p>
+          <a:p>
+            <a:r>
+              <a:rPr lang="es-ES" b="1" dirty="0"/>
+              <a:t>🌍 Requisitos de residencia de datos</a:t>
+            </a:r>
+            <a:br>
+              <a:rPr lang="es-ES" dirty="0"/>
+            </a:br>
+            <a:r>
+              <a:rPr lang="es-ES" dirty="0"/>
+              <a:t>Cuando una empresa opera en varias regiones con leyes distintas (por ejemplo, GDPR en la UE), puede ser obligatorio mantener los datos en </a:t>
+            </a:r>
+            <a:r>
+              <a:rPr lang="es-ES" dirty="0" err="1"/>
+              <a:t>metastores</a:t>
+            </a:r>
+            <a:r>
+              <a:rPr lang="es-ES" dirty="0"/>
+              <a:t> separados por región.</a:t>
+            </a:r>
+          </a:p>
+          <a:p>
+            <a:r>
+              <a:rPr lang="es-ES" b="1" dirty="0"/>
+              <a:t>🔐 Necesidad de aislamiento total</a:t>
+            </a:r>
+            <a:br>
+              <a:rPr lang="es-ES" dirty="0"/>
+            </a:br>
+            <a:r>
+              <a:rPr lang="es-ES" dirty="0"/>
+              <a:t>En grandes organizaciones con unidades de negocio independientes o altamente reguladas, puede ser necesario que cada una tenga su propio </a:t>
+            </a:r>
+            <a:r>
+              <a:rPr lang="es-ES" dirty="0" err="1"/>
+              <a:t>metastore</a:t>
+            </a:r>
+            <a:r>
+              <a:rPr lang="es-ES" dirty="0"/>
+              <a:t> para garantizar separación de permisos, políticas y administración.</a:t>
+            </a:r>
+          </a:p>
+          <a:p>
+            <a:r>
+              <a:rPr lang="es-ES" b="1" dirty="0"/>
+              <a:t>☁️ Restricciones </a:t>
+            </a:r>
+            <a:r>
+              <a:rPr lang="es-ES" b="1" dirty="0" err="1"/>
+              <a:t>multicloud</a:t>
+            </a:r>
+            <a:br>
+              <a:rPr lang="es-ES" dirty="0"/>
+            </a:br>
+            <a:r>
+              <a:rPr lang="es-ES" dirty="0"/>
+              <a:t>Si la empresa opera en distintas nubes (AWS, Azure, GCP), y hay restricciones que impiden compartir un único </a:t>
+            </a:r>
+            <a:r>
+              <a:rPr lang="es-ES" dirty="0" err="1"/>
+              <a:t>metastore</a:t>
+            </a:r>
+            <a:r>
+              <a:rPr lang="es-ES" dirty="0"/>
+              <a:t> entre nubes, se puede asignar uno por proveedor </a:t>
+            </a:r>
+            <a:r>
+              <a:rPr lang="es-ES" dirty="0" err="1"/>
+              <a:t>cloud</a:t>
+            </a:r>
+            <a:r>
+              <a:rPr lang="es-ES" dirty="0"/>
+              <a:t>.</a:t>
+            </a:r>
+          </a:p>
+          <a:p>
+            <a:r>
+              <a:rPr lang="es-ES" b="1" dirty="0"/>
+              <a:t>🧪 Entornos críticos de prueba o seguridad</a:t>
+            </a:r>
+            <a:br>
+              <a:rPr lang="es-ES" dirty="0"/>
+            </a:br>
+            <a:r>
+              <a:rPr lang="es-ES" dirty="0"/>
+              <a:t>Para ciertos entornos de </a:t>
+            </a:r>
+            <a:r>
+              <a:rPr lang="es-ES" dirty="0" err="1"/>
+              <a:t>sandbox</a:t>
+            </a:r>
+            <a:r>
+              <a:rPr lang="es-ES" dirty="0"/>
+              <a:t>, pruebas sensibles o desarrollo aislado, puede tener sentido usar un </a:t>
+            </a:r>
+            <a:r>
+              <a:rPr lang="es-ES" dirty="0" err="1"/>
+              <a:t>metastore</a:t>
+            </a:r>
+            <a:r>
+              <a:rPr lang="es-ES" dirty="0"/>
+              <a:t> separado, aunque no es lo habitual.</a:t>
+            </a:r>
+          </a:p>
+          <a:p>
+            <a:r>
+              <a:rPr lang="es-ES" dirty="0"/>
+              <a:t>📌 </a:t>
+            </a:r>
+            <a:r>
+              <a:rPr lang="es-ES" b="1" dirty="0"/>
+              <a:t>Conclusión:</a:t>
+            </a:r>
+            <a:endParaRPr lang="es-ES" dirty="0"/>
+          </a:p>
+          <a:p>
+            <a:r>
+              <a:rPr lang="es-ES" dirty="0"/>
+              <a:t>Usar múltiples </a:t>
+            </a:r>
+            <a:r>
+              <a:rPr lang="es-ES" dirty="0" err="1"/>
+              <a:t>metastores</a:t>
+            </a:r>
+            <a:r>
+              <a:rPr lang="es-ES" dirty="0"/>
+              <a:t> es posible, pero debe ser una </a:t>
+            </a:r>
+            <a:r>
+              <a:rPr lang="es-ES" b="1" dirty="0"/>
+              <a:t>decisión estratégica bien justificada</a:t>
+            </a:r>
+            <a:r>
+              <a:rPr lang="es-ES" dirty="0"/>
+              <a:t>. Siempre que se pueda, se recomienda mantener un </a:t>
+            </a:r>
+            <a:r>
+              <a:rPr lang="es-ES" b="1" dirty="0"/>
+              <a:t>modelo centralizado</a:t>
+            </a:r>
+            <a:r>
+              <a:rPr lang="es-ES" dirty="0"/>
+              <a:t> con un único </a:t>
+            </a:r>
+            <a:r>
+              <a:rPr lang="es-ES" dirty="0" err="1"/>
+              <a:t>metastore</a:t>
+            </a:r>
+            <a:r>
+              <a:rPr lang="es-ES" dirty="0"/>
+              <a:t> para simplificar la gobernanza.</a:t>
+            </a:r>
+          </a:p>
+          <a:p>
+            <a:endParaRPr lang="es-ES" b="1" dirty="0"/>
+          </a:p>
         </p:txBody>
       </p:sp>
       <p:sp>
@@ -2918,6 +3812,417 @@
           <a:bodyPr/>
           <a:lstStyle/>
           <a:p>
+            <a:pPr rtl="0"/>
+            <a:r>
+              <a:rPr lang="es-ES" sz="1200" b="0" i="0" u="none" strike="noStrike" kern="1200" dirty="0">
+                <a:solidFill>
+                  <a:schemeClr val="tx1"/>
+                </a:solidFill>
+                <a:effectLst/>
+                <a:latin typeface="+mn-lt"/>
+                <a:ea typeface="+mn-ea"/>
+                <a:cs typeface="+mn-cs"/>
+              </a:rPr>
+              <a:t>Crear algo de debate</a:t>
+            </a:r>
+          </a:p>
+          <a:p>
+            <a:pPr rtl="0"/>
+            <a:endParaRPr lang="es-ES" sz="1200" b="0" i="0" u="none" strike="noStrike" kern="1200" dirty="0">
+              <a:solidFill>
+                <a:schemeClr val="tx1"/>
+              </a:solidFill>
+              <a:effectLst/>
+              <a:latin typeface="+mn-lt"/>
+              <a:ea typeface="+mn-ea"/>
+              <a:cs typeface="+mn-cs"/>
+            </a:endParaRPr>
+          </a:p>
+          <a:p>
+            <a:pPr rtl="0"/>
+            <a:r>
+              <a:rPr lang="es-ES" sz="1200" b="0" i="0" u="none" strike="noStrike" kern="1200" dirty="0">
+                <a:solidFill>
+                  <a:schemeClr val="tx1"/>
+                </a:solidFill>
+                <a:effectLst/>
+                <a:latin typeface="+mn-lt"/>
+                <a:ea typeface="+mn-ea"/>
+                <a:cs typeface="+mn-cs"/>
+              </a:rPr>
+              <a:t>ESPECTRO DE GOBERNANZA EN LAS ORGANIZACIONES</a:t>
+            </a:r>
+            <a:endParaRPr lang="es-ES" b="0" dirty="0">
+              <a:effectLst/>
+            </a:endParaRPr>
+          </a:p>
+          <a:p>
+            <a:pPr rtl="0"/>
+            <a:r>
+              <a:rPr lang="es-ES" sz="1200" b="0" i="0" u="none" strike="noStrike" kern="1200" dirty="0">
+                <a:solidFill>
+                  <a:schemeClr val="tx1"/>
+                </a:solidFill>
+                <a:effectLst/>
+                <a:latin typeface="+mn-lt"/>
+                <a:ea typeface="+mn-ea"/>
+                <a:cs typeface="+mn-cs"/>
+              </a:rPr>
+              <a:t>Hay empresas con enfoque centralizado, donde un equipo es responsable y realiza la gobernanza para toda la </a:t>
+            </a:r>
+            <a:r>
+              <a:rPr lang="es-ES" sz="1200" b="0" i="0" u="none" strike="noStrike" kern="1200" dirty="0" err="1">
+                <a:solidFill>
+                  <a:schemeClr val="tx1"/>
+                </a:solidFill>
+                <a:effectLst/>
+                <a:latin typeface="+mn-lt"/>
+                <a:ea typeface="+mn-ea"/>
+                <a:cs typeface="+mn-cs"/>
+              </a:rPr>
+              <a:t>compañia</a:t>
+            </a:r>
+            <a:r>
+              <a:rPr lang="es-ES" sz="1200" b="0" i="0" u="none" strike="noStrike" kern="1200" dirty="0">
+                <a:solidFill>
+                  <a:schemeClr val="tx1"/>
+                </a:solidFill>
+                <a:effectLst/>
+                <a:latin typeface="+mn-lt"/>
+                <a:ea typeface="+mn-ea"/>
+                <a:cs typeface="+mn-cs"/>
+              </a:rPr>
+              <a:t>.</a:t>
+            </a:r>
+          </a:p>
+          <a:p>
+            <a:pPr rtl="0"/>
+            <a:endParaRPr lang="es-ES" b="0" dirty="0">
+              <a:effectLst/>
+            </a:endParaRPr>
+          </a:p>
+          <a:p>
+            <a:pPr rtl="0"/>
+            <a:r>
+              <a:rPr lang="es-ES" sz="1200" b="0" i="0" u="none" strike="noStrike" kern="1200" dirty="0">
+                <a:solidFill>
+                  <a:schemeClr val="tx1"/>
+                </a:solidFill>
+                <a:effectLst/>
+                <a:latin typeface="+mn-lt"/>
+                <a:ea typeface="+mn-ea"/>
+                <a:cs typeface="+mn-cs"/>
+              </a:rPr>
+              <a:t>En el otro lado del espectro son los </a:t>
+            </a:r>
+            <a:r>
+              <a:rPr lang="es-ES" sz="1200" b="0" i="0" u="none" strike="noStrike" kern="1200" dirty="0" err="1">
+                <a:solidFill>
+                  <a:schemeClr val="tx1"/>
+                </a:solidFill>
+                <a:effectLst/>
+                <a:latin typeface="+mn-lt"/>
+                <a:ea typeface="+mn-ea"/>
+                <a:cs typeface="+mn-cs"/>
+              </a:rPr>
+              <a:t>domain</a:t>
+            </a:r>
+            <a:r>
+              <a:rPr lang="es-ES" sz="1200" b="0" i="0" u="none" strike="noStrike" kern="1200" dirty="0">
+                <a:solidFill>
+                  <a:schemeClr val="tx1"/>
+                </a:solidFill>
+                <a:effectLst/>
+                <a:latin typeface="+mn-lt"/>
+                <a:ea typeface="+mn-ea"/>
+                <a:cs typeface="+mn-cs"/>
+              </a:rPr>
+              <a:t> </a:t>
+            </a:r>
+            <a:r>
+              <a:rPr lang="es-ES" sz="1200" b="0" i="0" u="none" strike="noStrike" kern="1200" dirty="0" err="1">
+                <a:solidFill>
+                  <a:schemeClr val="tx1"/>
+                </a:solidFill>
+                <a:effectLst/>
+                <a:latin typeface="+mn-lt"/>
+                <a:ea typeface="+mn-ea"/>
+                <a:cs typeface="+mn-cs"/>
+              </a:rPr>
+              <a:t>experts</a:t>
+            </a:r>
+            <a:r>
+              <a:rPr lang="es-ES" sz="1200" b="0" i="0" u="none" strike="noStrike" kern="1200" dirty="0">
+                <a:solidFill>
+                  <a:schemeClr val="tx1"/>
+                </a:solidFill>
+                <a:effectLst/>
+                <a:latin typeface="+mn-lt"/>
+                <a:ea typeface="+mn-ea"/>
+                <a:cs typeface="+mn-cs"/>
+              </a:rPr>
+              <a:t> los que crean los </a:t>
+            </a:r>
+            <a:r>
+              <a:rPr lang="es-ES" sz="1200" b="0" i="0" u="none" strike="noStrike" kern="1200" dirty="0" err="1">
+                <a:solidFill>
+                  <a:schemeClr val="tx1"/>
+                </a:solidFill>
+                <a:effectLst/>
+                <a:latin typeface="+mn-lt"/>
+                <a:ea typeface="+mn-ea"/>
+                <a:cs typeface="+mn-cs"/>
+              </a:rPr>
+              <a:t>asstes</a:t>
+            </a:r>
+            <a:r>
+              <a:rPr lang="es-ES" sz="1200" b="0" i="0" u="none" strike="noStrike" kern="1200" dirty="0">
+                <a:solidFill>
+                  <a:schemeClr val="tx1"/>
+                </a:solidFill>
+                <a:effectLst/>
+                <a:latin typeface="+mn-lt"/>
+                <a:ea typeface="+mn-ea"/>
+                <a:cs typeface="+mn-cs"/>
+              </a:rPr>
+              <a:t> y </a:t>
+            </a:r>
+            <a:r>
+              <a:rPr lang="es-ES" sz="1200" b="0" i="0" u="none" strike="noStrike" kern="1200" dirty="0" err="1">
+                <a:solidFill>
+                  <a:schemeClr val="tx1"/>
+                </a:solidFill>
+                <a:effectLst/>
+                <a:latin typeface="+mn-lt"/>
+                <a:ea typeface="+mn-ea"/>
+                <a:cs typeface="+mn-cs"/>
+              </a:rPr>
+              <a:t>ademas</a:t>
+            </a:r>
+            <a:r>
+              <a:rPr lang="es-ES" sz="1200" b="0" i="0" u="none" strike="noStrike" kern="1200" dirty="0">
+                <a:solidFill>
+                  <a:schemeClr val="tx1"/>
+                </a:solidFill>
+                <a:effectLst/>
+                <a:latin typeface="+mn-lt"/>
+                <a:ea typeface="+mn-ea"/>
+                <a:cs typeface="+mn-cs"/>
+              </a:rPr>
+              <a:t> los gobiernan a nivel de gobernanza</a:t>
+            </a:r>
+            <a:endParaRPr lang="es-ES" b="0" dirty="0">
+              <a:effectLst/>
+            </a:endParaRPr>
+          </a:p>
+          <a:p>
+            <a:pPr rtl="0"/>
+            <a:r>
+              <a:rPr lang="es-ES" sz="1200" b="0" i="0" u="none" strike="noStrike" kern="1200" dirty="0">
+                <a:solidFill>
+                  <a:schemeClr val="tx1"/>
+                </a:solidFill>
+                <a:effectLst/>
+                <a:latin typeface="+mn-lt"/>
+                <a:ea typeface="+mn-ea"/>
+                <a:cs typeface="+mn-cs"/>
+              </a:rPr>
+              <a:t>Y por supuesto hay </a:t>
+            </a:r>
+            <a:r>
+              <a:rPr lang="es-ES" sz="1200" b="0" i="0" u="none" strike="noStrike" kern="1200" dirty="0" err="1">
+                <a:solidFill>
+                  <a:schemeClr val="tx1"/>
+                </a:solidFill>
+                <a:effectLst/>
+                <a:latin typeface="+mn-lt"/>
+                <a:ea typeface="+mn-ea"/>
+                <a:cs typeface="+mn-cs"/>
+              </a:rPr>
+              <a:t>compañias</a:t>
+            </a:r>
+            <a:r>
+              <a:rPr lang="es-ES" sz="1200" b="0" i="0" u="none" strike="noStrike" kern="1200" dirty="0">
+                <a:solidFill>
+                  <a:schemeClr val="tx1"/>
+                </a:solidFill>
+                <a:effectLst/>
+                <a:latin typeface="+mn-lt"/>
+                <a:ea typeface="+mn-ea"/>
+                <a:cs typeface="+mn-cs"/>
+              </a:rPr>
+              <a:t> que se colocan en el medio.</a:t>
+            </a:r>
+            <a:endParaRPr lang="es-ES" b="0" dirty="0">
+              <a:effectLst/>
+            </a:endParaRPr>
+          </a:p>
+          <a:p>
+            <a:pPr rtl="0"/>
+            <a:r>
+              <a:rPr lang="es-ES" sz="1200" b="0" i="0" u="none" strike="noStrike" kern="1200" dirty="0">
+                <a:solidFill>
+                  <a:schemeClr val="tx1"/>
+                </a:solidFill>
+                <a:effectLst/>
+                <a:latin typeface="+mn-lt"/>
+                <a:ea typeface="+mn-ea"/>
+                <a:cs typeface="+mn-cs"/>
+              </a:rPr>
+              <a:t>Este punto no pretende decir cual es bueno o malo sino entender donde se </a:t>
+            </a:r>
+            <a:r>
+              <a:rPr lang="es-ES" sz="1200" b="0" i="0" u="none" strike="noStrike" kern="1200" dirty="0" err="1">
+                <a:solidFill>
+                  <a:schemeClr val="tx1"/>
+                </a:solidFill>
+                <a:effectLst/>
+                <a:latin typeface="+mn-lt"/>
+                <a:ea typeface="+mn-ea"/>
+                <a:cs typeface="+mn-cs"/>
+              </a:rPr>
+              <a:t>situa</a:t>
+            </a:r>
+            <a:r>
+              <a:rPr lang="es-ES" sz="1200" b="0" i="0" u="none" strike="noStrike" kern="1200" dirty="0">
+                <a:solidFill>
+                  <a:schemeClr val="tx1"/>
+                </a:solidFill>
+                <a:effectLst/>
+                <a:latin typeface="+mn-lt"/>
+                <a:ea typeface="+mn-ea"/>
+                <a:cs typeface="+mn-cs"/>
+              </a:rPr>
+              <a:t> tu </a:t>
+            </a:r>
+            <a:r>
+              <a:rPr lang="es-ES" sz="1200" b="0" i="0" u="none" strike="noStrike" kern="1200" dirty="0" err="1">
+                <a:solidFill>
+                  <a:schemeClr val="tx1"/>
+                </a:solidFill>
+                <a:effectLst/>
+                <a:latin typeface="+mn-lt"/>
+                <a:ea typeface="+mn-ea"/>
+                <a:cs typeface="+mn-cs"/>
+              </a:rPr>
+              <a:t>compañia</a:t>
+            </a:r>
+            <a:r>
+              <a:rPr lang="es-ES" sz="1200" b="0" i="0" u="none" strike="noStrike" kern="1200" dirty="0">
+                <a:solidFill>
+                  <a:schemeClr val="tx1"/>
+                </a:solidFill>
+                <a:effectLst/>
+                <a:latin typeface="+mn-lt"/>
+                <a:ea typeface="+mn-ea"/>
+                <a:cs typeface="+mn-cs"/>
+              </a:rPr>
+              <a:t> para </a:t>
+            </a:r>
+            <a:r>
+              <a:rPr lang="es-ES" sz="1200" b="0" i="0" u="none" strike="noStrike" kern="1200" dirty="0" err="1">
+                <a:solidFill>
+                  <a:schemeClr val="tx1"/>
+                </a:solidFill>
+                <a:effectLst/>
+                <a:latin typeface="+mn-lt"/>
+                <a:ea typeface="+mn-ea"/>
+                <a:cs typeface="+mn-cs"/>
+              </a:rPr>
+              <a:t>asi</a:t>
+            </a:r>
+            <a:r>
+              <a:rPr lang="es-ES" sz="1200" b="0" i="0" u="none" strike="noStrike" kern="1200" dirty="0">
+                <a:solidFill>
+                  <a:schemeClr val="tx1"/>
+                </a:solidFill>
+                <a:effectLst/>
+                <a:latin typeface="+mn-lt"/>
+                <a:ea typeface="+mn-ea"/>
+                <a:cs typeface="+mn-cs"/>
+              </a:rPr>
+              <a:t> hacer uso correctamente de las herramientas que provee </a:t>
+            </a:r>
+            <a:r>
+              <a:rPr lang="es-ES" sz="1200" b="0" i="0" u="none" strike="noStrike" kern="1200" dirty="0" err="1">
+                <a:solidFill>
+                  <a:schemeClr val="tx1"/>
+                </a:solidFill>
+                <a:effectLst/>
+                <a:latin typeface="+mn-lt"/>
+                <a:ea typeface="+mn-ea"/>
+                <a:cs typeface="+mn-cs"/>
+              </a:rPr>
+              <a:t>databricks</a:t>
+            </a:r>
+            <a:r>
+              <a:rPr lang="es-ES" sz="1200" b="0" i="0" u="none" strike="noStrike" kern="1200" dirty="0">
+                <a:solidFill>
+                  <a:schemeClr val="tx1"/>
+                </a:solidFill>
+                <a:effectLst/>
+                <a:latin typeface="+mn-lt"/>
+                <a:ea typeface="+mn-ea"/>
+                <a:cs typeface="+mn-cs"/>
+              </a:rPr>
+              <a:t> para </a:t>
+            </a:r>
+            <a:r>
+              <a:rPr lang="es-ES" sz="1200" b="0" i="0" u="none" strike="noStrike" kern="1200" dirty="0" err="1">
+                <a:solidFill>
+                  <a:schemeClr val="tx1"/>
+                </a:solidFill>
+                <a:effectLst/>
+                <a:latin typeface="+mn-lt"/>
+                <a:ea typeface="+mn-ea"/>
+                <a:cs typeface="+mn-cs"/>
+              </a:rPr>
+              <a:t>eficientar</a:t>
+            </a:r>
+            <a:r>
+              <a:rPr lang="es-ES" sz="1200" b="0" i="0" u="none" strike="noStrike" kern="1200" dirty="0">
+                <a:solidFill>
+                  <a:schemeClr val="tx1"/>
+                </a:solidFill>
+                <a:effectLst/>
+                <a:latin typeface="+mn-lt"/>
+                <a:ea typeface="+mn-ea"/>
+                <a:cs typeface="+mn-cs"/>
+              </a:rPr>
+              <a:t> </a:t>
+            </a:r>
+            <a:r>
+              <a:rPr lang="es-ES" sz="1200" b="0" i="0" u="none" strike="noStrike" kern="1200" dirty="0" err="1">
+                <a:solidFill>
+                  <a:schemeClr val="tx1"/>
+                </a:solidFill>
+                <a:effectLst/>
+                <a:latin typeface="+mn-lt"/>
+                <a:ea typeface="+mn-ea"/>
+                <a:cs typeface="+mn-cs"/>
+              </a:rPr>
+              <a:t>segun</a:t>
+            </a:r>
+            <a:r>
+              <a:rPr lang="es-ES" sz="1200" b="0" i="0" u="none" strike="noStrike" kern="1200" dirty="0">
+                <a:solidFill>
+                  <a:schemeClr val="tx1"/>
+                </a:solidFill>
+                <a:effectLst/>
+                <a:latin typeface="+mn-lt"/>
+                <a:ea typeface="+mn-ea"/>
+                <a:cs typeface="+mn-cs"/>
+              </a:rPr>
+              <a:t> donde te encuentras en ese espectro.</a:t>
+            </a:r>
+            <a:endParaRPr lang="es-ES" b="0" dirty="0">
+              <a:effectLst/>
+            </a:endParaRPr>
+          </a:p>
+          <a:p>
+            <a:br>
+              <a:rPr lang="es-ES" dirty="0"/>
+            </a:br>
             <a:endParaRPr lang="es-ES" dirty="0"/>
           </a:p>
         </p:txBody>
@@ -2939,7 +4244,7 @@
           <a:p>
             <a:fld id="{AAF8B64C-EDD0-41C9-AB7F-26F0E93D38A9}" type="slidenum">
               <a:rPr lang="en-US" smtClean="0"/>
-              <a:t>11</a:t>
+              <a:t>10</a:t>
             </a:fld>
             <a:endParaRPr lang="en-US"/>
           </a:p>
@@ -2948,7 +4253,7 @@
     </p:spTree>
     <p:extLst>
       <p:ext uri="{BB962C8B-B14F-4D97-AF65-F5344CB8AC3E}">
-        <p14:creationId xmlns:p14="http://schemas.microsoft.com/office/powerpoint/2010/main" val="722179186"/>
+        <p14:creationId xmlns:p14="http://schemas.microsoft.com/office/powerpoint/2010/main" val="1628922072"/>
       </p:ext>
     </p:extLst>
   </p:cSld>
@@ -5141,6 +6446,4235 @@
           <a:chExt cx="0" cy="0"/>
         </a:xfrm>
       </p:grpSpPr>
+      <p:grpSp>
+        <p:nvGrpSpPr>
+          <p:cNvPr id="1073" name="Grupo 1072">
+            <a:extLst>
+              <a:ext uri="{FF2B5EF4-FFF2-40B4-BE49-F238E27FC236}">
+                <a16:creationId xmlns:a16="http://schemas.microsoft.com/office/drawing/2014/main" id="{42257D88-1940-E2B9-2937-6ED945CDE4A3}"/>
+              </a:ext>
+            </a:extLst>
+          </p:cNvPr>
+          <p:cNvGrpSpPr/>
+          <p:nvPr/>
+        </p:nvGrpSpPr>
+        <p:grpSpPr>
+          <a:xfrm>
+            <a:off x="911240" y="3008977"/>
+            <a:ext cx="6922684" cy="318585"/>
+            <a:chOff x="1187624" y="4797137"/>
+            <a:chExt cx="5721226" cy="289623"/>
+          </a:xfrm>
+        </p:grpSpPr>
+        <p:grpSp>
+          <p:nvGrpSpPr>
+            <p:cNvPr id="1064" name="Grupo 1063">
+              <a:extLst>
+                <a:ext uri="{FF2B5EF4-FFF2-40B4-BE49-F238E27FC236}">
+                  <a16:creationId xmlns:a16="http://schemas.microsoft.com/office/drawing/2014/main" id="{D1F08354-F90A-D263-2DE8-B8CCD01F11F6}"/>
+                </a:ext>
+              </a:extLst>
+            </p:cNvPr>
+            <p:cNvGrpSpPr/>
+            <p:nvPr/>
+          </p:nvGrpSpPr>
+          <p:grpSpPr>
+            <a:xfrm>
+              <a:off x="5393705" y="4803110"/>
+              <a:ext cx="1515145" cy="283650"/>
+              <a:chOff x="1555907" y="4801471"/>
+              <a:chExt cx="1515145" cy="283650"/>
+            </a:xfrm>
+          </p:grpSpPr>
+          <p:grpSp>
+            <p:nvGrpSpPr>
+              <p:cNvPr id="1065" name="Grupo 1064">
+                <a:extLst>
+                  <a:ext uri="{FF2B5EF4-FFF2-40B4-BE49-F238E27FC236}">
+                    <a16:creationId xmlns:a16="http://schemas.microsoft.com/office/drawing/2014/main" id="{58DBF9EF-EF00-B462-78BA-40AAD7F1DFB9}"/>
+                  </a:ext>
+                </a:extLst>
+              </p:cNvPr>
+              <p:cNvGrpSpPr/>
+              <p:nvPr/>
+            </p:nvGrpSpPr>
+            <p:grpSpPr>
+              <a:xfrm>
+                <a:off x="1555908" y="4949270"/>
+                <a:ext cx="1515143" cy="135851"/>
+                <a:chOff x="1555908" y="4949270"/>
+                <a:chExt cx="1515143" cy="135851"/>
+              </a:xfrm>
+            </p:grpSpPr>
+            <p:sp>
+              <p:nvSpPr>
+                <p:cNvPr id="1070" name="Rectángulo 1069">
+                  <a:extLst>
+                    <a:ext uri="{FF2B5EF4-FFF2-40B4-BE49-F238E27FC236}">
+                      <a16:creationId xmlns:a16="http://schemas.microsoft.com/office/drawing/2014/main" id="{ACF360B3-A3DA-7F2C-538D-8407EB51EB64}"/>
+                    </a:ext>
+                  </a:extLst>
+                </p:cNvPr>
+                <p:cNvSpPr/>
+                <p:nvPr/>
+              </p:nvSpPr>
+              <p:spPr>
+                <a:xfrm>
+                  <a:off x="1555910" y="4949290"/>
+                  <a:ext cx="1377596" cy="135831"/>
+                </a:xfrm>
+                <a:prstGeom prst="rect">
+                  <a:avLst/>
+                </a:prstGeom>
+                <a:solidFill>
+                  <a:schemeClr val="bg2">
+                    <a:lumMod val="25000"/>
+                  </a:schemeClr>
+                </a:solidFill>
+                <a:ln>
+                  <a:noFill/>
+                </a:ln>
+              </p:spPr>
+              <p:style>
+                <a:lnRef idx="2">
+                  <a:schemeClr val="accent1">
+                    <a:shade val="15000"/>
+                  </a:schemeClr>
+                </a:lnRef>
+                <a:fillRef idx="1">
+                  <a:schemeClr val="accent1"/>
+                </a:fillRef>
+                <a:effectRef idx="0">
+                  <a:schemeClr val="accent1"/>
+                </a:effectRef>
+                <a:fontRef idx="minor">
+                  <a:schemeClr val="lt1"/>
+                </a:fontRef>
+              </p:style>
+              <p:txBody>
+                <a:bodyPr rtlCol="0" anchor="ctr"/>
+                <a:lstStyle/>
+                <a:p>
+                  <a:pPr algn="ctr"/>
+                  <a:endParaRPr lang="es-ES" dirty="0"/>
+                </a:p>
+              </p:txBody>
+            </p:sp>
+            <p:sp>
+              <p:nvSpPr>
+                <p:cNvPr id="1071" name="Triángulo rectángulo 1070">
+                  <a:extLst>
+                    <a:ext uri="{FF2B5EF4-FFF2-40B4-BE49-F238E27FC236}">
+                      <a16:creationId xmlns:a16="http://schemas.microsoft.com/office/drawing/2014/main" id="{982ADDC5-72E7-103F-779C-E38A956F57AA}"/>
+                    </a:ext>
+                  </a:extLst>
+                </p:cNvPr>
+                <p:cNvSpPr/>
+                <p:nvPr/>
+              </p:nvSpPr>
+              <p:spPr>
+                <a:xfrm rot="5400000">
+                  <a:off x="1553255" y="4951923"/>
+                  <a:ext cx="135839" cy="130533"/>
+                </a:xfrm>
+                <a:prstGeom prst="rtTriangle">
+                  <a:avLst/>
+                </a:prstGeom>
+                <a:solidFill>
+                  <a:schemeClr val="bg1"/>
+                </a:solidFill>
+                <a:ln>
+                  <a:noFill/>
+                </a:ln>
+              </p:spPr>
+              <p:style>
+                <a:lnRef idx="2">
+                  <a:schemeClr val="accent1">
+                    <a:shade val="15000"/>
+                  </a:schemeClr>
+                </a:lnRef>
+                <a:fillRef idx="1">
+                  <a:schemeClr val="accent1"/>
+                </a:fillRef>
+                <a:effectRef idx="0">
+                  <a:schemeClr val="accent1"/>
+                </a:effectRef>
+                <a:fontRef idx="minor">
+                  <a:schemeClr val="lt1"/>
+                </a:fontRef>
+              </p:style>
+              <p:txBody>
+                <a:bodyPr rtlCol="0" anchor="ctr"/>
+                <a:lstStyle/>
+                <a:p>
+                  <a:pPr algn="ctr"/>
+                  <a:endParaRPr lang="es-ES"/>
+                </a:p>
+              </p:txBody>
+            </p:sp>
+            <p:sp>
+              <p:nvSpPr>
+                <p:cNvPr id="1072" name="Triángulo rectángulo 1071">
+                  <a:extLst>
+                    <a:ext uri="{FF2B5EF4-FFF2-40B4-BE49-F238E27FC236}">
+                      <a16:creationId xmlns:a16="http://schemas.microsoft.com/office/drawing/2014/main" id="{365E6C03-38F1-C84C-FC0D-D98AEB5EB35C}"/>
+                    </a:ext>
+                  </a:extLst>
+                </p:cNvPr>
+                <p:cNvSpPr/>
+                <p:nvPr/>
+              </p:nvSpPr>
+              <p:spPr>
+                <a:xfrm rot="5400000">
+                  <a:off x="2931496" y="4945544"/>
+                  <a:ext cx="135830" cy="143281"/>
+                </a:xfrm>
+                <a:prstGeom prst="rtTriangle">
+                  <a:avLst/>
+                </a:prstGeom>
+                <a:solidFill>
+                  <a:schemeClr val="bg2">
+                    <a:lumMod val="25000"/>
+                  </a:schemeClr>
+                </a:solidFill>
+                <a:ln>
+                  <a:noFill/>
+                </a:ln>
+              </p:spPr>
+              <p:style>
+                <a:lnRef idx="2">
+                  <a:schemeClr val="accent1">
+                    <a:shade val="15000"/>
+                  </a:schemeClr>
+                </a:lnRef>
+                <a:fillRef idx="1">
+                  <a:schemeClr val="accent1"/>
+                </a:fillRef>
+                <a:effectRef idx="0">
+                  <a:schemeClr val="accent1"/>
+                </a:effectRef>
+                <a:fontRef idx="minor">
+                  <a:schemeClr val="lt1"/>
+                </a:fontRef>
+              </p:style>
+              <p:txBody>
+                <a:bodyPr rtlCol="0" anchor="ctr"/>
+                <a:lstStyle/>
+                <a:p>
+                  <a:pPr algn="ctr"/>
+                  <a:endParaRPr lang="es-ES"/>
+                </a:p>
+              </p:txBody>
+            </p:sp>
+          </p:grpSp>
+          <p:grpSp>
+            <p:nvGrpSpPr>
+              <p:cNvPr id="1066" name="Grupo 1065">
+                <a:extLst>
+                  <a:ext uri="{FF2B5EF4-FFF2-40B4-BE49-F238E27FC236}">
+                    <a16:creationId xmlns:a16="http://schemas.microsoft.com/office/drawing/2014/main" id="{61925EC3-5EE0-1E93-178D-82A5D02F1EA8}"/>
+                  </a:ext>
+                </a:extLst>
+              </p:cNvPr>
+              <p:cNvGrpSpPr/>
+              <p:nvPr/>
+            </p:nvGrpSpPr>
+            <p:grpSpPr>
+              <a:xfrm>
+                <a:off x="1555907" y="4801471"/>
+                <a:ext cx="1515145" cy="135853"/>
+                <a:chOff x="2902201" y="5511801"/>
+                <a:chExt cx="1138351" cy="119219"/>
+              </a:xfrm>
+              <a:solidFill>
+                <a:schemeClr val="accent6"/>
+              </a:solidFill>
+            </p:grpSpPr>
+            <p:sp>
+              <p:nvSpPr>
+                <p:cNvPr id="1067" name="Triángulo rectángulo 1066">
+                  <a:extLst>
+                    <a:ext uri="{FF2B5EF4-FFF2-40B4-BE49-F238E27FC236}">
+                      <a16:creationId xmlns:a16="http://schemas.microsoft.com/office/drawing/2014/main" id="{C728D5D9-1FFC-5124-3C38-95D8EF355563}"/>
+                    </a:ext>
+                  </a:extLst>
+                </p:cNvPr>
+                <p:cNvSpPr/>
+                <p:nvPr/>
+              </p:nvSpPr>
+              <p:spPr>
+                <a:xfrm>
+                  <a:off x="3937211" y="5511801"/>
+                  <a:ext cx="103341" cy="119209"/>
+                </a:xfrm>
+                <a:prstGeom prst="rtTriangle">
+                  <a:avLst/>
+                </a:prstGeom>
+                <a:solidFill>
+                  <a:srgbClr val="BA6220"/>
+                </a:solidFill>
+                <a:ln>
+                  <a:noFill/>
+                </a:ln>
+              </p:spPr>
+              <p:style>
+                <a:lnRef idx="2">
+                  <a:schemeClr val="accent1">
+                    <a:shade val="15000"/>
+                  </a:schemeClr>
+                </a:lnRef>
+                <a:fillRef idx="1">
+                  <a:schemeClr val="accent1"/>
+                </a:fillRef>
+                <a:effectRef idx="0">
+                  <a:schemeClr val="accent1"/>
+                </a:effectRef>
+                <a:fontRef idx="minor">
+                  <a:schemeClr val="lt1"/>
+                </a:fontRef>
+              </p:style>
+              <p:txBody>
+                <a:bodyPr rtlCol="0" anchor="ctr"/>
+                <a:lstStyle/>
+                <a:p>
+                  <a:pPr algn="ctr"/>
+                  <a:endParaRPr lang="es-ES" dirty="0"/>
+                </a:p>
+              </p:txBody>
+            </p:sp>
+            <p:sp>
+              <p:nvSpPr>
+                <p:cNvPr id="1068" name="Rectángulo 1067">
+                  <a:extLst>
+                    <a:ext uri="{FF2B5EF4-FFF2-40B4-BE49-F238E27FC236}">
+                      <a16:creationId xmlns:a16="http://schemas.microsoft.com/office/drawing/2014/main" id="{DC769420-B49C-5866-7077-80AFE20ADC58}"/>
+                    </a:ext>
+                  </a:extLst>
+                </p:cNvPr>
+                <p:cNvSpPr/>
+                <p:nvPr/>
+              </p:nvSpPr>
+              <p:spPr>
+                <a:xfrm>
+                  <a:off x="2902201" y="5511810"/>
+                  <a:ext cx="1041199" cy="119209"/>
+                </a:xfrm>
+                <a:prstGeom prst="rect">
+                  <a:avLst/>
+                </a:prstGeom>
+                <a:solidFill>
+                  <a:srgbClr val="BA6220"/>
+                </a:solidFill>
+                <a:ln>
+                  <a:noFill/>
+                </a:ln>
+              </p:spPr>
+              <p:style>
+                <a:lnRef idx="2">
+                  <a:schemeClr val="accent1">
+                    <a:shade val="15000"/>
+                  </a:schemeClr>
+                </a:lnRef>
+                <a:fillRef idx="1">
+                  <a:schemeClr val="accent1"/>
+                </a:fillRef>
+                <a:effectRef idx="0">
+                  <a:schemeClr val="accent1"/>
+                </a:effectRef>
+                <a:fontRef idx="minor">
+                  <a:schemeClr val="lt1"/>
+                </a:fontRef>
+              </p:style>
+              <p:txBody>
+                <a:bodyPr rtlCol="0" anchor="ctr"/>
+                <a:lstStyle/>
+                <a:p>
+                  <a:pPr algn="ctr"/>
+                  <a:endParaRPr lang="es-ES" dirty="0"/>
+                </a:p>
+              </p:txBody>
+            </p:sp>
+            <p:sp>
+              <p:nvSpPr>
+                <p:cNvPr id="1069" name="Triángulo rectángulo 1068">
+                  <a:extLst>
+                    <a:ext uri="{FF2B5EF4-FFF2-40B4-BE49-F238E27FC236}">
+                      <a16:creationId xmlns:a16="http://schemas.microsoft.com/office/drawing/2014/main" id="{86668DDF-E351-0B10-EB5F-9724D231E350}"/>
+                    </a:ext>
+                  </a:extLst>
+                </p:cNvPr>
+                <p:cNvSpPr/>
+                <p:nvPr/>
+              </p:nvSpPr>
+              <p:spPr>
+                <a:xfrm>
+                  <a:off x="2902201" y="5511813"/>
+                  <a:ext cx="103341" cy="119207"/>
+                </a:xfrm>
+                <a:prstGeom prst="rtTriangle">
+                  <a:avLst/>
+                </a:prstGeom>
+                <a:solidFill>
+                  <a:schemeClr val="bg1"/>
+                </a:solidFill>
+                <a:ln>
+                  <a:noFill/>
+                </a:ln>
+              </p:spPr>
+              <p:style>
+                <a:lnRef idx="2">
+                  <a:schemeClr val="accent1">
+                    <a:shade val="15000"/>
+                  </a:schemeClr>
+                </a:lnRef>
+                <a:fillRef idx="1">
+                  <a:schemeClr val="accent1"/>
+                </a:fillRef>
+                <a:effectRef idx="0">
+                  <a:schemeClr val="accent1"/>
+                </a:effectRef>
+                <a:fontRef idx="minor">
+                  <a:schemeClr val="lt1"/>
+                </a:fontRef>
+              </p:style>
+              <p:txBody>
+                <a:bodyPr rtlCol="0" anchor="ctr"/>
+                <a:lstStyle/>
+                <a:p>
+                  <a:pPr algn="ctr"/>
+                  <a:endParaRPr lang="es-ES"/>
+                </a:p>
+              </p:txBody>
+            </p:sp>
+          </p:grpSp>
+        </p:grpSp>
+        <p:grpSp>
+          <p:nvGrpSpPr>
+            <p:cNvPr id="1055" name="Grupo 1054">
+              <a:extLst>
+                <a:ext uri="{FF2B5EF4-FFF2-40B4-BE49-F238E27FC236}">
+                  <a16:creationId xmlns:a16="http://schemas.microsoft.com/office/drawing/2014/main" id="{0D3650E4-C648-AF07-0752-35599B9A4A6B}"/>
+                </a:ext>
+              </a:extLst>
+            </p:cNvPr>
+            <p:cNvGrpSpPr/>
+            <p:nvPr/>
+          </p:nvGrpSpPr>
+          <p:grpSpPr>
+            <a:xfrm>
+              <a:off x="3984709" y="4803110"/>
+              <a:ext cx="1515145" cy="283650"/>
+              <a:chOff x="1555907" y="4801471"/>
+              <a:chExt cx="1515145" cy="283650"/>
+            </a:xfrm>
+          </p:grpSpPr>
+          <p:grpSp>
+            <p:nvGrpSpPr>
+              <p:cNvPr id="1056" name="Grupo 1055">
+                <a:extLst>
+                  <a:ext uri="{FF2B5EF4-FFF2-40B4-BE49-F238E27FC236}">
+                    <a16:creationId xmlns:a16="http://schemas.microsoft.com/office/drawing/2014/main" id="{7C647619-DC59-8E8F-D3F3-69C7FA7C4E6B}"/>
+                  </a:ext>
+                </a:extLst>
+              </p:cNvPr>
+              <p:cNvGrpSpPr/>
+              <p:nvPr/>
+            </p:nvGrpSpPr>
+            <p:grpSpPr>
+              <a:xfrm>
+                <a:off x="1555908" y="4949270"/>
+                <a:ext cx="1515143" cy="135851"/>
+                <a:chOff x="1555908" y="4949270"/>
+                <a:chExt cx="1515143" cy="135851"/>
+              </a:xfrm>
+            </p:grpSpPr>
+            <p:sp>
+              <p:nvSpPr>
+                <p:cNvPr id="1061" name="Rectángulo 1060">
+                  <a:extLst>
+                    <a:ext uri="{FF2B5EF4-FFF2-40B4-BE49-F238E27FC236}">
+                      <a16:creationId xmlns:a16="http://schemas.microsoft.com/office/drawing/2014/main" id="{E1332B3D-5C3F-8FDA-91C1-33CF309815F7}"/>
+                    </a:ext>
+                  </a:extLst>
+                </p:cNvPr>
+                <p:cNvSpPr/>
+                <p:nvPr/>
+              </p:nvSpPr>
+              <p:spPr>
+                <a:xfrm>
+                  <a:off x="1555910" y="4949290"/>
+                  <a:ext cx="1377596" cy="135831"/>
+                </a:xfrm>
+                <a:prstGeom prst="rect">
+                  <a:avLst/>
+                </a:prstGeom>
+                <a:solidFill>
+                  <a:schemeClr val="bg2">
+                    <a:lumMod val="25000"/>
+                  </a:schemeClr>
+                </a:solidFill>
+                <a:ln>
+                  <a:noFill/>
+                </a:ln>
+              </p:spPr>
+              <p:style>
+                <a:lnRef idx="2">
+                  <a:schemeClr val="accent1">
+                    <a:shade val="15000"/>
+                  </a:schemeClr>
+                </a:lnRef>
+                <a:fillRef idx="1">
+                  <a:schemeClr val="accent1"/>
+                </a:fillRef>
+                <a:effectRef idx="0">
+                  <a:schemeClr val="accent1"/>
+                </a:effectRef>
+                <a:fontRef idx="minor">
+                  <a:schemeClr val="lt1"/>
+                </a:fontRef>
+              </p:style>
+              <p:txBody>
+                <a:bodyPr rtlCol="0" anchor="ctr"/>
+                <a:lstStyle/>
+                <a:p>
+                  <a:pPr algn="ctr"/>
+                  <a:endParaRPr lang="es-ES" dirty="0"/>
+                </a:p>
+              </p:txBody>
+            </p:sp>
+            <p:sp>
+              <p:nvSpPr>
+                <p:cNvPr id="1062" name="Triángulo rectángulo 1061">
+                  <a:extLst>
+                    <a:ext uri="{FF2B5EF4-FFF2-40B4-BE49-F238E27FC236}">
+                      <a16:creationId xmlns:a16="http://schemas.microsoft.com/office/drawing/2014/main" id="{56EDF007-4D17-EA9F-758C-F467772B38EA}"/>
+                    </a:ext>
+                  </a:extLst>
+                </p:cNvPr>
+                <p:cNvSpPr/>
+                <p:nvPr/>
+              </p:nvSpPr>
+              <p:spPr>
+                <a:xfrm rot="5400000">
+                  <a:off x="1553255" y="4951923"/>
+                  <a:ext cx="135839" cy="130533"/>
+                </a:xfrm>
+                <a:prstGeom prst="rtTriangle">
+                  <a:avLst/>
+                </a:prstGeom>
+                <a:solidFill>
+                  <a:schemeClr val="bg1"/>
+                </a:solidFill>
+                <a:ln>
+                  <a:noFill/>
+                </a:ln>
+              </p:spPr>
+              <p:style>
+                <a:lnRef idx="2">
+                  <a:schemeClr val="accent1">
+                    <a:shade val="15000"/>
+                  </a:schemeClr>
+                </a:lnRef>
+                <a:fillRef idx="1">
+                  <a:schemeClr val="accent1"/>
+                </a:fillRef>
+                <a:effectRef idx="0">
+                  <a:schemeClr val="accent1"/>
+                </a:effectRef>
+                <a:fontRef idx="minor">
+                  <a:schemeClr val="lt1"/>
+                </a:fontRef>
+              </p:style>
+              <p:txBody>
+                <a:bodyPr rtlCol="0" anchor="ctr"/>
+                <a:lstStyle/>
+                <a:p>
+                  <a:pPr algn="ctr"/>
+                  <a:endParaRPr lang="es-ES"/>
+                </a:p>
+              </p:txBody>
+            </p:sp>
+            <p:sp>
+              <p:nvSpPr>
+                <p:cNvPr id="1063" name="Triángulo rectángulo 1062">
+                  <a:extLst>
+                    <a:ext uri="{FF2B5EF4-FFF2-40B4-BE49-F238E27FC236}">
+                      <a16:creationId xmlns:a16="http://schemas.microsoft.com/office/drawing/2014/main" id="{22957683-1D42-7137-9887-0C3F4E111949}"/>
+                    </a:ext>
+                  </a:extLst>
+                </p:cNvPr>
+                <p:cNvSpPr/>
+                <p:nvPr/>
+              </p:nvSpPr>
+              <p:spPr>
+                <a:xfrm rot="5400000">
+                  <a:off x="2931496" y="4945544"/>
+                  <a:ext cx="135830" cy="143281"/>
+                </a:xfrm>
+                <a:prstGeom prst="rtTriangle">
+                  <a:avLst/>
+                </a:prstGeom>
+                <a:solidFill>
+                  <a:schemeClr val="bg2">
+                    <a:lumMod val="25000"/>
+                  </a:schemeClr>
+                </a:solidFill>
+                <a:ln>
+                  <a:noFill/>
+                </a:ln>
+              </p:spPr>
+              <p:style>
+                <a:lnRef idx="2">
+                  <a:schemeClr val="accent1">
+                    <a:shade val="15000"/>
+                  </a:schemeClr>
+                </a:lnRef>
+                <a:fillRef idx="1">
+                  <a:schemeClr val="accent1"/>
+                </a:fillRef>
+                <a:effectRef idx="0">
+                  <a:schemeClr val="accent1"/>
+                </a:effectRef>
+                <a:fontRef idx="minor">
+                  <a:schemeClr val="lt1"/>
+                </a:fontRef>
+              </p:style>
+              <p:txBody>
+                <a:bodyPr rtlCol="0" anchor="ctr"/>
+                <a:lstStyle/>
+                <a:p>
+                  <a:pPr algn="ctr"/>
+                  <a:endParaRPr lang="es-ES"/>
+                </a:p>
+              </p:txBody>
+            </p:sp>
+          </p:grpSp>
+          <p:grpSp>
+            <p:nvGrpSpPr>
+              <p:cNvPr id="1057" name="Grupo 1056">
+                <a:extLst>
+                  <a:ext uri="{FF2B5EF4-FFF2-40B4-BE49-F238E27FC236}">
+                    <a16:creationId xmlns:a16="http://schemas.microsoft.com/office/drawing/2014/main" id="{FE13DED3-8EED-B7AC-6A61-DAF492CD9C43}"/>
+                  </a:ext>
+                </a:extLst>
+              </p:cNvPr>
+              <p:cNvGrpSpPr/>
+              <p:nvPr/>
+            </p:nvGrpSpPr>
+            <p:grpSpPr>
+              <a:xfrm>
+                <a:off x="1555907" y="4801471"/>
+                <a:ext cx="1515145" cy="135853"/>
+                <a:chOff x="2902201" y="5511801"/>
+                <a:chExt cx="1138351" cy="119219"/>
+              </a:xfrm>
+              <a:solidFill>
+                <a:schemeClr val="accent6"/>
+              </a:solidFill>
+            </p:grpSpPr>
+            <p:sp>
+              <p:nvSpPr>
+                <p:cNvPr id="1058" name="Triángulo rectángulo 1057">
+                  <a:extLst>
+                    <a:ext uri="{FF2B5EF4-FFF2-40B4-BE49-F238E27FC236}">
+                      <a16:creationId xmlns:a16="http://schemas.microsoft.com/office/drawing/2014/main" id="{AA1160F1-C589-234E-E26D-BF52F805F387}"/>
+                    </a:ext>
+                  </a:extLst>
+                </p:cNvPr>
+                <p:cNvSpPr/>
+                <p:nvPr/>
+              </p:nvSpPr>
+              <p:spPr>
+                <a:xfrm>
+                  <a:off x="3937211" y="5511801"/>
+                  <a:ext cx="103341" cy="119209"/>
+                </a:xfrm>
+                <a:prstGeom prst="rtTriangle">
+                  <a:avLst/>
+                </a:prstGeom>
+                <a:solidFill>
+                  <a:srgbClr val="BA6220"/>
+                </a:solidFill>
+                <a:ln>
+                  <a:noFill/>
+                </a:ln>
+              </p:spPr>
+              <p:style>
+                <a:lnRef idx="2">
+                  <a:schemeClr val="accent1">
+                    <a:shade val="15000"/>
+                  </a:schemeClr>
+                </a:lnRef>
+                <a:fillRef idx="1">
+                  <a:schemeClr val="accent1"/>
+                </a:fillRef>
+                <a:effectRef idx="0">
+                  <a:schemeClr val="accent1"/>
+                </a:effectRef>
+                <a:fontRef idx="minor">
+                  <a:schemeClr val="lt1"/>
+                </a:fontRef>
+              </p:style>
+              <p:txBody>
+                <a:bodyPr rtlCol="0" anchor="ctr"/>
+                <a:lstStyle/>
+                <a:p>
+                  <a:pPr algn="ctr"/>
+                  <a:endParaRPr lang="es-ES" dirty="0"/>
+                </a:p>
+              </p:txBody>
+            </p:sp>
+            <p:sp>
+              <p:nvSpPr>
+                <p:cNvPr id="1059" name="Rectángulo 1058">
+                  <a:extLst>
+                    <a:ext uri="{FF2B5EF4-FFF2-40B4-BE49-F238E27FC236}">
+                      <a16:creationId xmlns:a16="http://schemas.microsoft.com/office/drawing/2014/main" id="{CF7024BD-B49D-6A52-B6DA-8C73B7AF2E7A}"/>
+                    </a:ext>
+                  </a:extLst>
+                </p:cNvPr>
+                <p:cNvSpPr/>
+                <p:nvPr/>
+              </p:nvSpPr>
+              <p:spPr>
+                <a:xfrm>
+                  <a:off x="2902201" y="5511810"/>
+                  <a:ext cx="1041199" cy="119209"/>
+                </a:xfrm>
+                <a:prstGeom prst="rect">
+                  <a:avLst/>
+                </a:prstGeom>
+                <a:solidFill>
+                  <a:srgbClr val="BA6220"/>
+                </a:solidFill>
+                <a:ln>
+                  <a:noFill/>
+                </a:ln>
+              </p:spPr>
+              <p:style>
+                <a:lnRef idx="2">
+                  <a:schemeClr val="accent1">
+                    <a:shade val="15000"/>
+                  </a:schemeClr>
+                </a:lnRef>
+                <a:fillRef idx="1">
+                  <a:schemeClr val="accent1"/>
+                </a:fillRef>
+                <a:effectRef idx="0">
+                  <a:schemeClr val="accent1"/>
+                </a:effectRef>
+                <a:fontRef idx="minor">
+                  <a:schemeClr val="lt1"/>
+                </a:fontRef>
+              </p:style>
+              <p:txBody>
+                <a:bodyPr rtlCol="0" anchor="ctr"/>
+                <a:lstStyle/>
+                <a:p>
+                  <a:pPr algn="ctr"/>
+                  <a:endParaRPr lang="es-ES" dirty="0"/>
+                </a:p>
+              </p:txBody>
+            </p:sp>
+            <p:sp>
+              <p:nvSpPr>
+                <p:cNvPr id="1060" name="Triángulo rectángulo 1059">
+                  <a:extLst>
+                    <a:ext uri="{FF2B5EF4-FFF2-40B4-BE49-F238E27FC236}">
+                      <a16:creationId xmlns:a16="http://schemas.microsoft.com/office/drawing/2014/main" id="{8B801CCE-D123-83B9-085C-F66C1B4B573C}"/>
+                    </a:ext>
+                  </a:extLst>
+                </p:cNvPr>
+                <p:cNvSpPr/>
+                <p:nvPr/>
+              </p:nvSpPr>
+              <p:spPr>
+                <a:xfrm>
+                  <a:off x="2902201" y="5511813"/>
+                  <a:ext cx="103341" cy="119207"/>
+                </a:xfrm>
+                <a:prstGeom prst="rtTriangle">
+                  <a:avLst/>
+                </a:prstGeom>
+                <a:solidFill>
+                  <a:schemeClr val="bg1"/>
+                </a:solidFill>
+                <a:ln>
+                  <a:noFill/>
+                </a:ln>
+              </p:spPr>
+              <p:style>
+                <a:lnRef idx="2">
+                  <a:schemeClr val="accent1">
+                    <a:shade val="15000"/>
+                  </a:schemeClr>
+                </a:lnRef>
+                <a:fillRef idx="1">
+                  <a:schemeClr val="accent1"/>
+                </a:fillRef>
+                <a:effectRef idx="0">
+                  <a:schemeClr val="accent1"/>
+                </a:effectRef>
+                <a:fontRef idx="minor">
+                  <a:schemeClr val="lt1"/>
+                </a:fontRef>
+              </p:style>
+              <p:txBody>
+                <a:bodyPr rtlCol="0" anchor="ctr"/>
+                <a:lstStyle/>
+                <a:p>
+                  <a:pPr algn="ctr"/>
+                  <a:endParaRPr lang="es-ES"/>
+                </a:p>
+              </p:txBody>
+            </p:sp>
+          </p:grpSp>
+        </p:grpSp>
+        <p:grpSp>
+          <p:nvGrpSpPr>
+            <p:cNvPr id="1046" name="Grupo 1045">
+              <a:extLst>
+                <a:ext uri="{FF2B5EF4-FFF2-40B4-BE49-F238E27FC236}">
+                  <a16:creationId xmlns:a16="http://schemas.microsoft.com/office/drawing/2014/main" id="{1A78C8D9-6B8C-DBAE-F95B-CD33929E3FBC}"/>
+                </a:ext>
+              </a:extLst>
+            </p:cNvPr>
+            <p:cNvGrpSpPr/>
+            <p:nvPr/>
+          </p:nvGrpSpPr>
+          <p:grpSpPr>
+            <a:xfrm>
+              <a:off x="2583826" y="4803110"/>
+              <a:ext cx="1515145" cy="283650"/>
+              <a:chOff x="1555907" y="4801471"/>
+              <a:chExt cx="1515145" cy="283650"/>
+            </a:xfrm>
+          </p:grpSpPr>
+          <p:grpSp>
+            <p:nvGrpSpPr>
+              <p:cNvPr id="1047" name="Grupo 1046">
+                <a:extLst>
+                  <a:ext uri="{FF2B5EF4-FFF2-40B4-BE49-F238E27FC236}">
+                    <a16:creationId xmlns:a16="http://schemas.microsoft.com/office/drawing/2014/main" id="{D8C08813-8965-054D-20CE-135872F29555}"/>
+                  </a:ext>
+                </a:extLst>
+              </p:cNvPr>
+              <p:cNvGrpSpPr/>
+              <p:nvPr/>
+            </p:nvGrpSpPr>
+            <p:grpSpPr>
+              <a:xfrm>
+                <a:off x="1555908" y="4949270"/>
+                <a:ext cx="1515143" cy="135851"/>
+                <a:chOff x="1555908" y="4949270"/>
+                <a:chExt cx="1515143" cy="135851"/>
+              </a:xfrm>
+            </p:grpSpPr>
+            <p:sp>
+              <p:nvSpPr>
+                <p:cNvPr id="1052" name="Rectángulo 1051">
+                  <a:extLst>
+                    <a:ext uri="{FF2B5EF4-FFF2-40B4-BE49-F238E27FC236}">
+                      <a16:creationId xmlns:a16="http://schemas.microsoft.com/office/drawing/2014/main" id="{0E89AFEE-16CE-6521-E6E3-C6F901671B07}"/>
+                    </a:ext>
+                  </a:extLst>
+                </p:cNvPr>
+                <p:cNvSpPr/>
+                <p:nvPr/>
+              </p:nvSpPr>
+              <p:spPr>
+                <a:xfrm>
+                  <a:off x="1555910" y="4949290"/>
+                  <a:ext cx="1377596" cy="135831"/>
+                </a:xfrm>
+                <a:prstGeom prst="rect">
+                  <a:avLst/>
+                </a:prstGeom>
+                <a:solidFill>
+                  <a:schemeClr val="bg2">
+                    <a:lumMod val="25000"/>
+                  </a:schemeClr>
+                </a:solidFill>
+                <a:ln>
+                  <a:noFill/>
+                </a:ln>
+              </p:spPr>
+              <p:style>
+                <a:lnRef idx="2">
+                  <a:schemeClr val="accent1">
+                    <a:shade val="15000"/>
+                  </a:schemeClr>
+                </a:lnRef>
+                <a:fillRef idx="1">
+                  <a:schemeClr val="accent1"/>
+                </a:fillRef>
+                <a:effectRef idx="0">
+                  <a:schemeClr val="accent1"/>
+                </a:effectRef>
+                <a:fontRef idx="minor">
+                  <a:schemeClr val="lt1"/>
+                </a:fontRef>
+              </p:style>
+              <p:txBody>
+                <a:bodyPr rtlCol="0" anchor="ctr"/>
+                <a:lstStyle/>
+                <a:p>
+                  <a:pPr algn="ctr"/>
+                  <a:endParaRPr lang="es-ES" dirty="0"/>
+                </a:p>
+              </p:txBody>
+            </p:sp>
+            <p:sp>
+              <p:nvSpPr>
+                <p:cNvPr id="1053" name="Triángulo rectángulo 1052">
+                  <a:extLst>
+                    <a:ext uri="{FF2B5EF4-FFF2-40B4-BE49-F238E27FC236}">
+                      <a16:creationId xmlns:a16="http://schemas.microsoft.com/office/drawing/2014/main" id="{368A4D40-D386-7599-E21E-BE0B7A07A00F}"/>
+                    </a:ext>
+                  </a:extLst>
+                </p:cNvPr>
+                <p:cNvSpPr/>
+                <p:nvPr/>
+              </p:nvSpPr>
+              <p:spPr>
+                <a:xfrm rot="5400000">
+                  <a:off x="1553255" y="4951923"/>
+                  <a:ext cx="135839" cy="130533"/>
+                </a:xfrm>
+                <a:prstGeom prst="rtTriangle">
+                  <a:avLst/>
+                </a:prstGeom>
+                <a:solidFill>
+                  <a:schemeClr val="bg1"/>
+                </a:solidFill>
+                <a:ln>
+                  <a:noFill/>
+                </a:ln>
+              </p:spPr>
+              <p:style>
+                <a:lnRef idx="2">
+                  <a:schemeClr val="accent1">
+                    <a:shade val="15000"/>
+                  </a:schemeClr>
+                </a:lnRef>
+                <a:fillRef idx="1">
+                  <a:schemeClr val="accent1"/>
+                </a:fillRef>
+                <a:effectRef idx="0">
+                  <a:schemeClr val="accent1"/>
+                </a:effectRef>
+                <a:fontRef idx="minor">
+                  <a:schemeClr val="lt1"/>
+                </a:fontRef>
+              </p:style>
+              <p:txBody>
+                <a:bodyPr rtlCol="0" anchor="ctr"/>
+                <a:lstStyle/>
+                <a:p>
+                  <a:pPr algn="ctr"/>
+                  <a:endParaRPr lang="es-ES"/>
+                </a:p>
+              </p:txBody>
+            </p:sp>
+            <p:sp>
+              <p:nvSpPr>
+                <p:cNvPr id="1054" name="Triángulo rectángulo 1053">
+                  <a:extLst>
+                    <a:ext uri="{FF2B5EF4-FFF2-40B4-BE49-F238E27FC236}">
+                      <a16:creationId xmlns:a16="http://schemas.microsoft.com/office/drawing/2014/main" id="{254E6FFF-88B8-0CC8-F66E-65B3E14A094F}"/>
+                    </a:ext>
+                  </a:extLst>
+                </p:cNvPr>
+                <p:cNvSpPr/>
+                <p:nvPr/>
+              </p:nvSpPr>
+              <p:spPr>
+                <a:xfrm rot="5400000">
+                  <a:off x="2931496" y="4945544"/>
+                  <a:ext cx="135830" cy="143281"/>
+                </a:xfrm>
+                <a:prstGeom prst="rtTriangle">
+                  <a:avLst/>
+                </a:prstGeom>
+                <a:solidFill>
+                  <a:schemeClr val="bg2">
+                    <a:lumMod val="25000"/>
+                  </a:schemeClr>
+                </a:solidFill>
+                <a:ln>
+                  <a:noFill/>
+                </a:ln>
+              </p:spPr>
+              <p:style>
+                <a:lnRef idx="2">
+                  <a:schemeClr val="accent1">
+                    <a:shade val="15000"/>
+                  </a:schemeClr>
+                </a:lnRef>
+                <a:fillRef idx="1">
+                  <a:schemeClr val="accent1"/>
+                </a:fillRef>
+                <a:effectRef idx="0">
+                  <a:schemeClr val="accent1"/>
+                </a:effectRef>
+                <a:fontRef idx="minor">
+                  <a:schemeClr val="lt1"/>
+                </a:fontRef>
+              </p:style>
+              <p:txBody>
+                <a:bodyPr rtlCol="0" anchor="ctr"/>
+                <a:lstStyle/>
+                <a:p>
+                  <a:pPr algn="ctr"/>
+                  <a:endParaRPr lang="es-ES"/>
+                </a:p>
+              </p:txBody>
+            </p:sp>
+          </p:grpSp>
+          <p:grpSp>
+            <p:nvGrpSpPr>
+              <p:cNvPr id="1048" name="Grupo 1047">
+                <a:extLst>
+                  <a:ext uri="{FF2B5EF4-FFF2-40B4-BE49-F238E27FC236}">
+                    <a16:creationId xmlns:a16="http://schemas.microsoft.com/office/drawing/2014/main" id="{DBE592C9-2F7F-5020-8737-ADD9FB52986B}"/>
+                  </a:ext>
+                </a:extLst>
+              </p:cNvPr>
+              <p:cNvGrpSpPr/>
+              <p:nvPr/>
+            </p:nvGrpSpPr>
+            <p:grpSpPr>
+              <a:xfrm>
+                <a:off x="1555907" y="4801471"/>
+                <a:ext cx="1515145" cy="135853"/>
+                <a:chOff x="2902201" y="5511801"/>
+                <a:chExt cx="1138351" cy="119219"/>
+              </a:xfrm>
+              <a:solidFill>
+                <a:schemeClr val="accent6"/>
+              </a:solidFill>
+            </p:grpSpPr>
+            <p:sp>
+              <p:nvSpPr>
+                <p:cNvPr id="1049" name="Triángulo rectángulo 1048">
+                  <a:extLst>
+                    <a:ext uri="{FF2B5EF4-FFF2-40B4-BE49-F238E27FC236}">
+                      <a16:creationId xmlns:a16="http://schemas.microsoft.com/office/drawing/2014/main" id="{F7371293-B9AA-FC85-AD04-188E4E280187}"/>
+                    </a:ext>
+                  </a:extLst>
+                </p:cNvPr>
+                <p:cNvSpPr/>
+                <p:nvPr/>
+              </p:nvSpPr>
+              <p:spPr>
+                <a:xfrm>
+                  <a:off x="3937211" y="5511801"/>
+                  <a:ext cx="103341" cy="119209"/>
+                </a:xfrm>
+                <a:prstGeom prst="rtTriangle">
+                  <a:avLst/>
+                </a:prstGeom>
+                <a:solidFill>
+                  <a:srgbClr val="BA6220"/>
+                </a:solidFill>
+                <a:ln>
+                  <a:noFill/>
+                </a:ln>
+              </p:spPr>
+              <p:style>
+                <a:lnRef idx="2">
+                  <a:schemeClr val="accent1">
+                    <a:shade val="15000"/>
+                  </a:schemeClr>
+                </a:lnRef>
+                <a:fillRef idx="1">
+                  <a:schemeClr val="accent1"/>
+                </a:fillRef>
+                <a:effectRef idx="0">
+                  <a:schemeClr val="accent1"/>
+                </a:effectRef>
+                <a:fontRef idx="minor">
+                  <a:schemeClr val="lt1"/>
+                </a:fontRef>
+              </p:style>
+              <p:txBody>
+                <a:bodyPr rtlCol="0" anchor="ctr"/>
+                <a:lstStyle/>
+                <a:p>
+                  <a:pPr algn="ctr"/>
+                  <a:endParaRPr lang="es-ES" dirty="0"/>
+                </a:p>
+              </p:txBody>
+            </p:sp>
+            <p:sp>
+              <p:nvSpPr>
+                <p:cNvPr id="1050" name="Rectángulo 1049">
+                  <a:extLst>
+                    <a:ext uri="{FF2B5EF4-FFF2-40B4-BE49-F238E27FC236}">
+                      <a16:creationId xmlns:a16="http://schemas.microsoft.com/office/drawing/2014/main" id="{3FCD0D2E-302D-0B51-9393-90FF0E3AE942}"/>
+                    </a:ext>
+                  </a:extLst>
+                </p:cNvPr>
+                <p:cNvSpPr/>
+                <p:nvPr/>
+              </p:nvSpPr>
+              <p:spPr>
+                <a:xfrm>
+                  <a:off x="2902201" y="5511810"/>
+                  <a:ext cx="1041199" cy="119209"/>
+                </a:xfrm>
+                <a:prstGeom prst="rect">
+                  <a:avLst/>
+                </a:prstGeom>
+                <a:solidFill>
+                  <a:srgbClr val="BA6220"/>
+                </a:solidFill>
+                <a:ln>
+                  <a:noFill/>
+                </a:ln>
+              </p:spPr>
+              <p:style>
+                <a:lnRef idx="2">
+                  <a:schemeClr val="accent1">
+                    <a:shade val="15000"/>
+                  </a:schemeClr>
+                </a:lnRef>
+                <a:fillRef idx="1">
+                  <a:schemeClr val="accent1"/>
+                </a:fillRef>
+                <a:effectRef idx="0">
+                  <a:schemeClr val="accent1"/>
+                </a:effectRef>
+                <a:fontRef idx="minor">
+                  <a:schemeClr val="lt1"/>
+                </a:fontRef>
+              </p:style>
+              <p:txBody>
+                <a:bodyPr rtlCol="0" anchor="ctr"/>
+                <a:lstStyle/>
+                <a:p>
+                  <a:pPr algn="ctr"/>
+                  <a:endParaRPr lang="es-ES" dirty="0"/>
+                </a:p>
+              </p:txBody>
+            </p:sp>
+            <p:sp>
+              <p:nvSpPr>
+                <p:cNvPr id="1051" name="Triángulo rectángulo 1050">
+                  <a:extLst>
+                    <a:ext uri="{FF2B5EF4-FFF2-40B4-BE49-F238E27FC236}">
+                      <a16:creationId xmlns:a16="http://schemas.microsoft.com/office/drawing/2014/main" id="{3265A6A0-19EA-6D58-6D8C-0A953E42E295}"/>
+                    </a:ext>
+                  </a:extLst>
+                </p:cNvPr>
+                <p:cNvSpPr/>
+                <p:nvPr/>
+              </p:nvSpPr>
+              <p:spPr>
+                <a:xfrm>
+                  <a:off x="2902201" y="5511813"/>
+                  <a:ext cx="103341" cy="119207"/>
+                </a:xfrm>
+                <a:prstGeom prst="rtTriangle">
+                  <a:avLst/>
+                </a:prstGeom>
+                <a:solidFill>
+                  <a:schemeClr val="bg1"/>
+                </a:solidFill>
+                <a:ln>
+                  <a:noFill/>
+                </a:ln>
+              </p:spPr>
+              <p:style>
+                <a:lnRef idx="2">
+                  <a:schemeClr val="accent1">
+                    <a:shade val="15000"/>
+                  </a:schemeClr>
+                </a:lnRef>
+                <a:fillRef idx="1">
+                  <a:schemeClr val="accent1"/>
+                </a:fillRef>
+                <a:effectRef idx="0">
+                  <a:schemeClr val="accent1"/>
+                </a:effectRef>
+                <a:fontRef idx="minor">
+                  <a:schemeClr val="lt1"/>
+                </a:fontRef>
+              </p:style>
+              <p:txBody>
+                <a:bodyPr rtlCol="0" anchor="ctr"/>
+                <a:lstStyle/>
+                <a:p>
+                  <a:pPr algn="ctr"/>
+                  <a:endParaRPr lang="es-ES"/>
+                </a:p>
+              </p:txBody>
+            </p:sp>
+          </p:grpSp>
+        </p:grpSp>
+        <p:grpSp>
+          <p:nvGrpSpPr>
+            <p:cNvPr id="1027" name="Grupo 1026">
+              <a:extLst>
+                <a:ext uri="{FF2B5EF4-FFF2-40B4-BE49-F238E27FC236}">
+                  <a16:creationId xmlns:a16="http://schemas.microsoft.com/office/drawing/2014/main" id="{9773D946-8EB9-9097-8950-F01D4F5D1888}"/>
+                </a:ext>
+              </a:extLst>
+            </p:cNvPr>
+            <p:cNvGrpSpPr/>
+            <p:nvPr/>
+          </p:nvGrpSpPr>
+          <p:grpSpPr>
+            <a:xfrm>
+              <a:off x="1187624" y="4797137"/>
+              <a:ext cx="1515145" cy="283650"/>
+              <a:chOff x="1555907" y="4801471"/>
+              <a:chExt cx="1515145" cy="283650"/>
+            </a:xfrm>
+          </p:grpSpPr>
+          <p:grpSp>
+            <p:nvGrpSpPr>
+              <p:cNvPr id="1025" name="Grupo 1024">
+                <a:extLst>
+                  <a:ext uri="{FF2B5EF4-FFF2-40B4-BE49-F238E27FC236}">
+                    <a16:creationId xmlns:a16="http://schemas.microsoft.com/office/drawing/2014/main" id="{038294BA-5D89-2067-AB44-904578ED1816}"/>
+                  </a:ext>
+                </a:extLst>
+              </p:cNvPr>
+              <p:cNvGrpSpPr/>
+              <p:nvPr/>
+            </p:nvGrpSpPr>
+            <p:grpSpPr>
+              <a:xfrm>
+                <a:off x="1555908" y="4949270"/>
+                <a:ext cx="1515143" cy="135851"/>
+                <a:chOff x="1555908" y="4949270"/>
+                <a:chExt cx="1515143" cy="135851"/>
+              </a:xfrm>
+            </p:grpSpPr>
+            <p:sp>
+              <p:nvSpPr>
+                <p:cNvPr id="53" name="Rectángulo 52">
+                  <a:extLst>
+                    <a:ext uri="{FF2B5EF4-FFF2-40B4-BE49-F238E27FC236}">
+                      <a16:creationId xmlns:a16="http://schemas.microsoft.com/office/drawing/2014/main" id="{1B4EE9A3-D880-4606-66DA-53BDA64CD839}"/>
+                    </a:ext>
+                  </a:extLst>
+                </p:cNvPr>
+                <p:cNvSpPr/>
+                <p:nvPr/>
+              </p:nvSpPr>
+              <p:spPr>
+                <a:xfrm>
+                  <a:off x="1555910" y="4949290"/>
+                  <a:ext cx="1377596" cy="135831"/>
+                </a:xfrm>
+                <a:prstGeom prst="rect">
+                  <a:avLst/>
+                </a:prstGeom>
+                <a:solidFill>
+                  <a:schemeClr val="tx1">
+                    <a:lumMod val="75000"/>
+                    <a:lumOff val="25000"/>
+                  </a:schemeClr>
+                </a:solidFill>
+                <a:ln>
+                  <a:noFill/>
+                </a:ln>
+              </p:spPr>
+              <p:style>
+                <a:lnRef idx="2">
+                  <a:schemeClr val="accent1">
+                    <a:shade val="15000"/>
+                  </a:schemeClr>
+                </a:lnRef>
+                <a:fillRef idx="1">
+                  <a:schemeClr val="accent1"/>
+                </a:fillRef>
+                <a:effectRef idx="0">
+                  <a:schemeClr val="accent1"/>
+                </a:effectRef>
+                <a:fontRef idx="minor">
+                  <a:schemeClr val="lt1"/>
+                </a:fontRef>
+              </p:style>
+              <p:txBody>
+                <a:bodyPr rtlCol="0" anchor="ctr"/>
+                <a:lstStyle/>
+                <a:p>
+                  <a:pPr algn="ctr"/>
+                  <a:endParaRPr lang="es-ES" dirty="0"/>
+                </a:p>
+              </p:txBody>
+            </p:sp>
+            <p:sp>
+              <p:nvSpPr>
+                <p:cNvPr id="54" name="Triángulo rectángulo 53">
+                  <a:extLst>
+                    <a:ext uri="{FF2B5EF4-FFF2-40B4-BE49-F238E27FC236}">
+                      <a16:creationId xmlns:a16="http://schemas.microsoft.com/office/drawing/2014/main" id="{94D83BE0-F392-1CF0-D062-B250FA23AB59}"/>
+                    </a:ext>
+                  </a:extLst>
+                </p:cNvPr>
+                <p:cNvSpPr/>
+                <p:nvPr/>
+              </p:nvSpPr>
+              <p:spPr>
+                <a:xfrm rot="5400000">
+                  <a:off x="1553255" y="4951923"/>
+                  <a:ext cx="135839" cy="130533"/>
+                </a:xfrm>
+                <a:prstGeom prst="rtTriangle">
+                  <a:avLst/>
+                </a:prstGeom>
+                <a:solidFill>
+                  <a:schemeClr val="bg1"/>
+                </a:solidFill>
+                <a:ln>
+                  <a:noFill/>
+                </a:ln>
+              </p:spPr>
+              <p:style>
+                <a:lnRef idx="2">
+                  <a:schemeClr val="accent1">
+                    <a:shade val="15000"/>
+                  </a:schemeClr>
+                </a:lnRef>
+                <a:fillRef idx="1">
+                  <a:schemeClr val="accent1"/>
+                </a:fillRef>
+                <a:effectRef idx="0">
+                  <a:schemeClr val="accent1"/>
+                </a:effectRef>
+                <a:fontRef idx="minor">
+                  <a:schemeClr val="lt1"/>
+                </a:fontRef>
+              </p:style>
+              <p:txBody>
+                <a:bodyPr rtlCol="0" anchor="ctr"/>
+                <a:lstStyle/>
+                <a:p>
+                  <a:pPr algn="ctr"/>
+                  <a:endParaRPr lang="es-ES"/>
+                </a:p>
+              </p:txBody>
+            </p:sp>
+            <p:sp>
+              <p:nvSpPr>
+                <p:cNvPr id="56" name="Triángulo rectángulo 55">
+                  <a:extLst>
+                    <a:ext uri="{FF2B5EF4-FFF2-40B4-BE49-F238E27FC236}">
+                      <a16:creationId xmlns:a16="http://schemas.microsoft.com/office/drawing/2014/main" id="{0D88D665-9C63-F705-F90D-898E5BF6DD8B}"/>
+                    </a:ext>
+                  </a:extLst>
+                </p:cNvPr>
+                <p:cNvSpPr/>
+                <p:nvPr/>
+              </p:nvSpPr>
+              <p:spPr>
+                <a:xfrm rot="5400000">
+                  <a:off x="2931496" y="4945544"/>
+                  <a:ext cx="135830" cy="143281"/>
+                </a:xfrm>
+                <a:prstGeom prst="rtTriangle">
+                  <a:avLst/>
+                </a:prstGeom>
+                <a:solidFill>
+                  <a:schemeClr val="tx1">
+                    <a:lumMod val="75000"/>
+                    <a:lumOff val="25000"/>
+                  </a:schemeClr>
+                </a:solidFill>
+                <a:ln>
+                  <a:noFill/>
+                </a:ln>
+              </p:spPr>
+              <p:style>
+                <a:lnRef idx="2">
+                  <a:schemeClr val="accent1">
+                    <a:shade val="15000"/>
+                  </a:schemeClr>
+                </a:lnRef>
+                <a:fillRef idx="1">
+                  <a:schemeClr val="accent1"/>
+                </a:fillRef>
+                <a:effectRef idx="0">
+                  <a:schemeClr val="accent1"/>
+                </a:effectRef>
+                <a:fontRef idx="minor">
+                  <a:schemeClr val="lt1"/>
+                </a:fontRef>
+              </p:style>
+              <p:txBody>
+                <a:bodyPr rtlCol="0" anchor="ctr"/>
+                <a:lstStyle/>
+                <a:p>
+                  <a:pPr algn="ctr"/>
+                  <a:endParaRPr lang="es-ES"/>
+                </a:p>
+              </p:txBody>
+            </p:sp>
+          </p:grpSp>
+          <p:grpSp>
+            <p:nvGrpSpPr>
+              <p:cNvPr id="12" name="Grupo 11">
+                <a:extLst>
+                  <a:ext uri="{FF2B5EF4-FFF2-40B4-BE49-F238E27FC236}">
+                    <a16:creationId xmlns:a16="http://schemas.microsoft.com/office/drawing/2014/main" id="{BD1826C1-14D7-1627-E92E-26AB8A8263B5}"/>
+                  </a:ext>
+                </a:extLst>
+              </p:cNvPr>
+              <p:cNvGrpSpPr/>
+              <p:nvPr/>
+            </p:nvGrpSpPr>
+            <p:grpSpPr>
+              <a:xfrm>
+                <a:off x="1555907" y="4801471"/>
+                <a:ext cx="1515145" cy="135853"/>
+                <a:chOff x="2902201" y="5511801"/>
+                <a:chExt cx="1138351" cy="119219"/>
+              </a:xfrm>
+              <a:solidFill>
+                <a:schemeClr val="accent6"/>
+              </a:solidFill>
+            </p:grpSpPr>
+            <p:sp>
+              <p:nvSpPr>
+                <p:cNvPr id="9" name="Triángulo rectángulo 8">
+                  <a:extLst>
+                    <a:ext uri="{FF2B5EF4-FFF2-40B4-BE49-F238E27FC236}">
+                      <a16:creationId xmlns:a16="http://schemas.microsoft.com/office/drawing/2014/main" id="{ECF59EF0-F09F-F26F-7FB1-4852744E7801}"/>
+                    </a:ext>
+                  </a:extLst>
+                </p:cNvPr>
+                <p:cNvSpPr/>
+                <p:nvPr/>
+              </p:nvSpPr>
+              <p:spPr>
+                <a:xfrm>
+                  <a:off x="3937211" y="5511801"/>
+                  <a:ext cx="103341" cy="119209"/>
+                </a:xfrm>
+                <a:prstGeom prst="rtTriangle">
+                  <a:avLst/>
+                </a:prstGeom>
+                <a:solidFill>
+                  <a:srgbClr val="BA6220"/>
+                </a:solidFill>
+                <a:ln>
+                  <a:noFill/>
+                </a:ln>
+              </p:spPr>
+              <p:style>
+                <a:lnRef idx="2">
+                  <a:schemeClr val="accent1">
+                    <a:shade val="15000"/>
+                  </a:schemeClr>
+                </a:lnRef>
+                <a:fillRef idx="1">
+                  <a:schemeClr val="accent1"/>
+                </a:fillRef>
+                <a:effectRef idx="0">
+                  <a:schemeClr val="accent1"/>
+                </a:effectRef>
+                <a:fontRef idx="minor">
+                  <a:schemeClr val="lt1"/>
+                </a:fontRef>
+              </p:style>
+              <p:txBody>
+                <a:bodyPr rtlCol="0" anchor="ctr"/>
+                <a:lstStyle/>
+                <a:p>
+                  <a:pPr algn="ctr"/>
+                  <a:endParaRPr lang="es-ES" dirty="0"/>
+                </a:p>
+              </p:txBody>
+            </p:sp>
+            <p:sp>
+              <p:nvSpPr>
+                <p:cNvPr id="10" name="Rectángulo 9">
+                  <a:extLst>
+                    <a:ext uri="{FF2B5EF4-FFF2-40B4-BE49-F238E27FC236}">
+                      <a16:creationId xmlns:a16="http://schemas.microsoft.com/office/drawing/2014/main" id="{A83E334E-E458-FB32-4AF0-578838DF0FD5}"/>
+                    </a:ext>
+                  </a:extLst>
+                </p:cNvPr>
+                <p:cNvSpPr/>
+                <p:nvPr/>
+              </p:nvSpPr>
+              <p:spPr>
+                <a:xfrm>
+                  <a:off x="2902201" y="5511810"/>
+                  <a:ext cx="1041199" cy="119209"/>
+                </a:xfrm>
+                <a:prstGeom prst="rect">
+                  <a:avLst/>
+                </a:prstGeom>
+                <a:solidFill>
+                  <a:srgbClr val="BA6220"/>
+                </a:solidFill>
+                <a:ln>
+                  <a:noFill/>
+                </a:ln>
+              </p:spPr>
+              <p:style>
+                <a:lnRef idx="2">
+                  <a:schemeClr val="accent1">
+                    <a:shade val="15000"/>
+                  </a:schemeClr>
+                </a:lnRef>
+                <a:fillRef idx="1">
+                  <a:schemeClr val="accent1"/>
+                </a:fillRef>
+                <a:effectRef idx="0">
+                  <a:schemeClr val="accent1"/>
+                </a:effectRef>
+                <a:fontRef idx="minor">
+                  <a:schemeClr val="lt1"/>
+                </a:fontRef>
+              </p:style>
+              <p:txBody>
+                <a:bodyPr rtlCol="0" anchor="ctr"/>
+                <a:lstStyle/>
+                <a:p>
+                  <a:pPr algn="ctr"/>
+                  <a:endParaRPr lang="es-ES" dirty="0"/>
+                </a:p>
+              </p:txBody>
+            </p:sp>
+            <p:sp>
+              <p:nvSpPr>
+                <p:cNvPr id="11" name="Triángulo rectángulo 10">
+                  <a:extLst>
+                    <a:ext uri="{FF2B5EF4-FFF2-40B4-BE49-F238E27FC236}">
+                      <a16:creationId xmlns:a16="http://schemas.microsoft.com/office/drawing/2014/main" id="{6233F802-572B-8146-A15B-6BB534B22F1A}"/>
+                    </a:ext>
+                  </a:extLst>
+                </p:cNvPr>
+                <p:cNvSpPr/>
+                <p:nvPr/>
+              </p:nvSpPr>
+              <p:spPr>
+                <a:xfrm>
+                  <a:off x="2902201" y="5511813"/>
+                  <a:ext cx="103341" cy="119207"/>
+                </a:xfrm>
+                <a:prstGeom prst="rtTriangle">
+                  <a:avLst/>
+                </a:prstGeom>
+                <a:solidFill>
+                  <a:schemeClr val="bg1"/>
+                </a:solidFill>
+                <a:ln>
+                  <a:noFill/>
+                </a:ln>
+              </p:spPr>
+              <p:style>
+                <a:lnRef idx="2">
+                  <a:schemeClr val="accent1">
+                    <a:shade val="15000"/>
+                  </a:schemeClr>
+                </a:lnRef>
+                <a:fillRef idx="1">
+                  <a:schemeClr val="accent1"/>
+                </a:fillRef>
+                <a:effectRef idx="0">
+                  <a:schemeClr val="accent1"/>
+                </a:effectRef>
+                <a:fontRef idx="minor">
+                  <a:schemeClr val="lt1"/>
+                </a:fontRef>
+              </p:style>
+              <p:txBody>
+                <a:bodyPr rtlCol="0" anchor="ctr"/>
+                <a:lstStyle/>
+                <a:p>
+                  <a:pPr algn="ctr"/>
+                  <a:endParaRPr lang="es-ES"/>
+                </a:p>
+              </p:txBody>
+            </p:sp>
+          </p:grpSp>
+        </p:grpSp>
+      </p:grpSp>
+      <p:sp>
+        <p:nvSpPr>
+          <p:cNvPr id="1074" name="CuadroTexto 1073">
+            <a:extLst>
+              <a:ext uri="{FF2B5EF4-FFF2-40B4-BE49-F238E27FC236}">
+                <a16:creationId xmlns:a16="http://schemas.microsoft.com/office/drawing/2014/main" id="{EAB50B3A-0EF4-2B8D-A09C-C794CC3E27C6}"/>
+              </a:ext>
+            </a:extLst>
+          </p:cNvPr>
+          <p:cNvSpPr txBox="1"/>
+          <p:nvPr/>
+        </p:nvSpPr>
+        <p:spPr>
+          <a:xfrm>
+            <a:off x="1115616" y="3368025"/>
+            <a:ext cx="1195248" cy="276999"/>
+          </a:xfrm>
+          <a:prstGeom prst="rect">
+            <a:avLst/>
+          </a:prstGeom>
+          <a:noFill/>
+        </p:spPr>
+        <p:txBody>
+          <a:bodyPr wrap="square" rtlCol="0">
+            <a:spAutoFit/>
+          </a:bodyPr>
+          <a:lstStyle/>
+          <a:p>
+            <a:r>
+              <a:rPr lang="es-ES" sz="1200" dirty="0">
+                <a:latin typeface="Montserrat SemiBold" panose="00000700000000000000" pitchFamily="2" charset="0"/>
+              </a:rPr>
+              <a:t>Centralizado</a:t>
+            </a:r>
+          </a:p>
+        </p:txBody>
+      </p:sp>
+      <p:sp>
+        <p:nvSpPr>
+          <p:cNvPr id="1075" name="CuadroTexto 1074">
+            <a:extLst>
+              <a:ext uri="{FF2B5EF4-FFF2-40B4-BE49-F238E27FC236}">
+                <a16:creationId xmlns:a16="http://schemas.microsoft.com/office/drawing/2014/main" id="{4733AE14-C6D1-1F79-E475-329C9FB06AD2}"/>
+              </a:ext>
+            </a:extLst>
+          </p:cNvPr>
+          <p:cNvSpPr txBox="1"/>
+          <p:nvPr/>
+        </p:nvSpPr>
+        <p:spPr>
+          <a:xfrm>
+            <a:off x="6545104" y="2708920"/>
+            <a:ext cx="1195248" cy="276999"/>
+          </a:xfrm>
+          <a:prstGeom prst="rect">
+            <a:avLst/>
+          </a:prstGeom>
+          <a:noFill/>
+        </p:spPr>
+        <p:txBody>
+          <a:bodyPr wrap="square" rtlCol="0">
+            <a:spAutoFit/>
+          </a:bodyPr>
+          <a:lstStyle/>
+          <a:p>
+            <a:r>
+              <a:rPr lang="es-ES" sz="1200" dirty="0">
+                <a:latin typeface="Montserrat SemiBold" panose="00000700000000000000" pitchFamily="2" charset="0"/>
+              </a:rPr>
+              <a:t>Distribuido</a:t>
+            </a:r>
+          </a:p>
+        </p:txBody>
+      </p:sp>
+      <p:sp>
+        <p:nvSpPr>
+          <p:cNvPr id="1076" name="CuadroTexto 1075">
+            <a:extLst>
+              <a:ext uri="{FF2B5EF4-FFF2-40B4-BE49-F238E27FC236}">
+                <a16:creationId xmlns:a16="http://schemas.microsoft.com/office/drawing/2014/main" id="{8DAC0153-9F92-B94F-6BC8-0C7AFF653443}"/>
+              </a:ext>
+            </a:extLst>
+          </p:cNvPr>
+          <p:cNvSpPr txBox="1"/>
+          <p:nvPr/>
+        </p:nvSpPr>
+        <p:spPr>
+          <a:xfrm>
+            <a:off x="683568" y="1713876"/>
+            <a:ext cx="2480425" cy="372409"/>
+          </a:xfrm>
+          <a:prstGeom prst="rect">
+            <a:avLst/>
+          </a:prstGeom>
+          <a:noFill/>
+        </p:spPr>
+        <p:txBody>
+          <a:bodyPr wrap="square" rtlCol="0">
+            <a:spAutoFit/>
+          </a:bodyPr>
+          <a:lstStyle/>
+          <a:p>
+            <a:r>
+              <a:rPr lang="es-ES" sz="900" dirty="0">
+                <a:latin typeface="Montserrat" panose="00000500000000000000" pitchFamily="2" charset="0"/>
+              </a:rPr>
+              <a:t>Producción de artefactos de datos manejados por un equipo central</a:t>
+            </a:r>
+          </a:p>
+        </p:txBody>
+      </p:sp>
+      <p:cxnSp>
+        <p:nvCxnSpPr>
+          <p:cNvPr id="1078" name="Conector recto 1077">
+            <a:extLst>
+              <a:ext uri="{FF2B5EF4-FFF2-40B4-BE49-F238E27FC236}">
+                <a16:creationId xmlns:a16="http://schemas.microsoft.com/office/drawing/2014/main" id="{2127515C-7562-B1B4-97F9-D18E3060CA1B}"/>
+              </a:ext>
+            </a:extLst>
+          </p:cNvPr>
+          <p:cNvCxnSpPr>
+            <a:cxnSpLocks/>
+          </p:cNvCxnSpPr>
+          <p:nvPr/>
+        </p:nvCxnSpPr>
+        <p:spPr>
+          <a:xfrm>
+            <a:off x="1547476" y="2157611"/>
+            <a:ext cx="911812" cy="845248"/>
+          </a:xfrm>
+          <a:prstGeom prst="line">
+            <a:avLst/>
+          </a:prstGeom>
+          <a:ln>
+            <a:solidFill>
+              <a:schemeClr val="bg1">
+                <a:lumMod val="50000"/>
+              </a:schemeClr>
+            </a:solidFill>
+          </a:ln>
+        </p:spPr>
+        <p:style>
+          <a:lnRef idx="1">
+            <a:schemeClr val="accent1"/>
+          </a:lnRef>
+          <a:fillRef idx="0">
+            <a:schemeClr val="accent1"/>
+          </a:fillRef>
+          <a:effectRef idx="0">
+            <a:schemeClr val="accent1"/>
+          </a:effectRef>
+          <a:fontRef idx="minor">
+            <a:schemeClr val="tx1"/>
+          </a:fontRef>
+        </p:style>
+      </p:cxnSp>
+      <p:sp>
+        <p:nvSpPr>
+          <p:cNvPr id="1079" name="CuadroTexto 1078">
+            <a:extLst>
+              <a:ext uri="{FF2B5EF4-FFF2-40B4-BE49-F238E27FC236}">
+                <a16:creationId xmlns:a16="http://schemas.microsoft.com/office/drawing/2014/main" id="{51858926-A8AE-FDA5-B81F-C3A005C64126}"/>
+              </a:ext>
+            </a:extLst>
+          </p:cNvPr>
+          <p:cNvSpPr txBox="1"/>
+          <p:nvPr/>
+        </p:nvSpPr>
+        <p:spPr>
+          <a:xfrm>
+            <a:off x="1822431" y="4402785"/>
+            <a:ext cx="1749257" cy="507832"/>
+          </a:xfrm>
+          <a:prstGeom prst="rect">
+            <a:avLst/>
+          </a:prstGeom>
+          <a:noFill/>
+        </p:spPr>
+        <p:txBody>
+          <a:bodyPr wrap="square" rtlCol="0">
+            <a:spAutoFit/>
+          </a:bodyPr>
+          <a:lstStyle/>
+          <a:p>
+            <a:r>
+              <a:rPr lang="es-ES" sz="900" dirty="0" err="1">
+                <a:latin typeface="Montserrat" panose="00000500000000000000" pitchFamily="2" charset="0"/>
+              </a:rPr>
+              <a:t>Politicas</a:t>
+            </a:r>
+            <a:r>
+              <a:rPr lang="es-ES" sz="900" dirty="0">
+                <a:latin typeface="Montserrat" panose="00000500000000000000" pitchFamily="2" charset="0"/>
+              </a:rPr>
+              <a:t> de gobernanza aplicadas y forzadas por un equipo central</a:t>
+            </a:r>
+          </a:p>
+        </p:txBody>
+      </p:sp>
+      <p:cxnSp>
+        <p:nvCxnSpPr>
+          <p:cNvPr id="1080" name="Conector recto 1079">
+            <a:extLst>
+              <a:ext uri="{FF2B5EF4-FFF2-40B4-BE49-F238E27FC236}">
+                <a16:creationId xmlns:a16="http://schemas.microsoft.com/office/drawing/2014/main" id="{13335B42-93C1-7315-6022-1BC84EA9504E}"/>
+              </a:ext>
+            </a:extLst>
+          </p:cNvPr>
+          <p:cNvCxnSpPr>
+            <a:cxnSpLocks/>
+          </p:cNvCxnSpPr>
+          <p:nvPr/>
+        </p:nvCxnSpPr>
+        <p:spPr>
+          <a:xfrm flipV="1">
+            <a:off x="2644866" y="3473764"/>
+            <a:ext cx="654882" cy="819328"/>
+          </a:xfrm>
+          <a:prstGeom prst="line">
+            <a:avLst/>
+          </a:prstGeom>
+          <a:ln>
+            <a:solidFill>
+              <a:schemeClr val="bg1">
+                <a:lumMod val="50000"/>
+              </a:schemeClr>
+            </a:solidFill>
+          </a:ln>
+        </p:spPr>
+        <p:style>
+          <a:lnRef idx="1">
+            <a:schemeClr val="accent1"/>
+          </a:lnRef>
+          <a:fillRef idx="0">
+            <a:schemeClr val="accent1"/>
+          </a:fillRef>
+          <a:effectRef idx="0">
+            <a:schemeClr val="accent1"/>
+          </a:effectRef>
+          <a:fontRef idx="minor">
+            <a:schemeClr val="tx1"/>
+          </a:fontRef>
+        </p:style>
+      </p:cxnSp>
+      <p:sp>
+        <p:nvSpPr>
+          <p:cNvPr id="1083" name="CuadroTexto 1082">
+            <a:extLst>
+              <a:ext uri="{FF2B5EF4-FFF2-40B4-BE49-F238E27FC236}">
+                <a16:creationId xmlns:a16="http://schemas.microsoft.com/office/drawing/2014/main" id="{6BDA3B09-E6A4-AEB7-0A8F-132CD953E961}"/>
+              </a:ext>
+            </a:extLst>
+          </p:cNvPr>
+          <p:cNvSpPr txBox="1"/>
+          <p:nvPr/>
+        </p:nvSpPr>
+        <p:spPr>
+          <a:xfrm>
+            <a:off x="5382681" y="1594191"/>
+            <a:ext cx="2480425" cy="372409"/>
+          </a:xfrm>
+          <a:prstGeom prst="rect">
+            <a:avLst/>
+          </a:prstGeom>
+          <a:noFill/>
+        </p:spPr>
+        <p:txBody>
+          <a:bodyPr wrap="square" rtlCol="0">
+            <a:spAutoFit/>
+          </a:bodyPr>
+          <a:lstStyle/>
+          <a:p>
+            <a:r>
+              <a:rPr lang="es-ES" sz="900" dirty="0">
+                <a:latin typeface="Montserrat" panose="00000500000000000000" pitchFamily="2" charset="0"/>
+              </a:rPr>
+              <a:t>Producción de artefactos de datos impulsada por el dominio</a:t>
+            </a:r>
+          </a:p>
+        </p:txBody>
+      </p:sp>
+      <p:cxnSp>
+        <p:nvCxnSpPr>
+          <p:cNvPr id="1084" name="Conector recto 1083">
+            <a:extLst>
+              <a:ext uri="{FF2B5EF4-FFF2-40B4-BE49-F238E27FC236}">
+                <a16:creationId xmlns:a16="http://schemas.microsoft.com/office/drawing/2014/main" id="{046AE3E4-2380-A15E-B85D-CDE6359F4825}"/>
+              </a:ext>
+            </a:extLst>
+          </p:cNvPr>
+          <p:cNvCxnSpPr>
+            <a:cxnSpLocks/>
+          </p:cNvCxnSpPr>
+          <p:nvPr/>
+        </p:nvCxnSpPr>
+        <p:spPr>
+          <a:xfrm flipH="1">
+            <a:off x="5615285" y="2059385"/>
+            <a:ext cx="543259" cy="799209"/>
+          </a:xfrm>
+          <a:prstGeom prst="line">
+            <a:avLst/>
+          </a:prstGeom>
+          <a:ln>
+            <a:solidFill>
+              <a:schemeClr val="bg1">
+                <a:lumMod val="50000"/>
+              </a:schemeClr>
+            </a:solidFill>
+          </a:ln>
+        </p:spPr>
+        <p:style>
+          <a:lnRef idx="1">
+            <a:schemeClr val="accent1"/>
+          </a:lnRef>
+          <a:fillRef idx="0">
+            <a:schemeClr val="accent1"/>
+          </a:fillRef>
+          <a:effectRef idx="0">
+            <a:schemeClr val="accent1"/>
+          </a:effectRef>
+          <a:fontRef idx="minor">
+            <a:schemeClr val="tx1"/>
+          </a:fontRef>
+        </p:style>
+      </p:cxnSp>
+      <p:sp>
+        <p:nvSpPr>
+          <p:cNvPr id="1087" name="CuadroTexto 1086">
+            <a:extLst>
+              <a:ext uri="{FF2B5EF4-FFF2-40B4-BE49-F238E27FC236}">
+                <a16:creationId xmlns:a16="http://schemas.microsoft.com/office/drawing/2014/main" id="{F4AA6F1F-F222-5A6E-8422-B4DA6F07A9E8}"/>
+              </a:ext>
+            </a:extLst>
+          </p:cNvPr>
+          <p:cNvSpPr txBox="1"/>
+          <p:nvPr/>
+        </p:nvSpPr>
+        <p:spPr>
+          <a:xfrm>
+            <a:off x="5115910" y="4401378"/>
+            <a:ext cx="2480425" cy="372409"/>
+          </a:xfrm>
+          <a:prstGeom prst="rect">
+            <a:avLst/>
+          </a:prstGeom>
+          <a:noFill/>
+        </p:spPr>
+        <p:txBody>
+          <a:bodyPr wrap="square" rtlCol="0">
+            <a:spAutoFit/>
+          </a:bodyPr>
+          <a:lstStyle/>
+          <a:p>
+            <a:r>
+              <a:rPr lang="es-ES" sz="900" dirty="0">
+                <a:latin typeface="Montserrat" panose="00000500000000000000" pitchFamily="2" charset="0"/>
+              </a:rPr>
+              <a:t>derechos sobre los datos propiedad de los equipos de dominio</a:t>
+            </a:r>
+          </a:p>
+        </p:txBody>
+      </p:sp>
+      <p:cxnSp>
+        <p:nvCxnSpPr>
+          <p:cNvPr id="1088" name="Conector recto 1087">
+            <a:extLst>
+              <a:ext uri="{FF2B5EF4-FFF2-40B4-BE49-F238E27FC236}">
+                <a16:creationId xmlns:a16="http://schemas.microsoft.com/office/drawing/2014/main" id="{76B29CCE-33F0-0245-09E6-F6B8311CDD62}"/>
+              </a:ext>
+            </a:extLst>
+          </p:cNvPr>
+          <p:cNvCxnSpPr>
+            <a:cxnSpLocks/>
+          </p:cNvCxnSpPr>
+          <p:nvPr/>
+        </p:nvCxnSpPr>
+        <p:spPr>
+          <a:xfrm flipH="1" flipV="1">
+            <a:off x="5382681" y="3479127"/>
+            <a:ext cx="816546" cy="906565"/>
+          </a:xfrm>
+          <a:prstGeom prst="line">
+            <a:avLst/>
+          </a:prstGeom>
+          <a:ln>
+            <a:solidFill>
+              <a:schemeClr val="bg1">
+                <a:lumMod val="50000"/>
+              </a:schemeClr>
+            </a:solidFill>
+          </a:ln>
+        </p:spPr>
+        <p:style>
+          <a:lnRef idx="1">
+            <a:schemeClr val="accent1"/>
+          </a:lnRef>
+          <a:fillRef idx="0">
+            <a:schemeClr val="accent1"/>
+          </a:fillRef>
+          <a:effectRef idx="0">
+            <a:schemeClr val="accent1"/>
+          </a:effectRef>
+          <a:fontRef idx="minor">
+            <a:schemeClr val="tx1"/>
+          </a:fontRef>
+        </p:style>
+      </p:cxnSp>
+      <p:sp>
+        <p:nvSpPr>
+          <p:cNvPr id="1091" name="Elipse 1090">
+            <a:extLst>
+              <a:ext uri="{FF2B5EF4-FFF2-40B4-BE49-F238E27FC236}">
+                <a16:creationId xmlns:a16="http://schemas.microsoft.com/office/drawing/2014/main" id="{F0CC7DBB-CE0F-C2C6-C79F-C7744A32E425}"/>
+              </a:ext>
+            </a:extLst>
+          </p:cNvPr>
+          <p:cNvSpPr/>
+          <p:nvPr/>
+        </p:nvSpPr>
+        <p:spPr>
+          <a:xfrm>
+            <a:off x="3571688" y="2489815"/>
+            <a:ext cx="1406169" cy="1406169"/>
+          </a:xfrm>
+          <a:prstGeom prst="ellipse">
+            <a:avLst/>
+          </a:prstGeom>
+          <a:solidFill>
+            <a:schemeClr val="bg1">
+              <a:lumMod val="50000"/>
+              <a:alpha val="46000"/>
+            </a:schemeClr>
+          </a:solidFill>
+          <a:ln>
+            <a:noFill/>
+          </a:ln>
+        </p:spPr>
+        <p:style>
+          <a:lnRef idx="2">
+            <a:schemeClr val="accent1">
+              <a:shade val="15000"/>
+            </a:schemeClr>
+          </a:lnRef>
+          <a:fillRef idx="1">
+            <a:schemeClr val="accent1"/>
+          </a:fillRef>
+          <a:effectRef idx="0">
+            <a:schemeClr val="accent1"/>
+          </a:effectRef>
+          <a:fontRef idx="minor">
+            <a:schemeClr val="lt1"/>
+          </a:fontRef>
+        </p:style>
+        <p:txBody>
+          <a:bodyPr rtlCol="0" anchor="ctr"/>
+          <a:lstStyle/>
+          <a:p>
+            <a:pPr algn="ctr"/>
+            <a:endParaRPr lang="es-ES"/>
+          </a:p>
+        </p:txBody>
+      </p:sp>
+      <p:sp>
+        <p:nvSpPr>
+          <p:cNvPr id="1092" name="Google Shape;303;g35ee5cc475b_0_63">
+            <a:extLst>
+              <a:ext uri="{FF2B5EF4-FFF2-40B4-BE49-F238E27FC236}">
+                <a16:creationId xmlns:a16="http://schemas.microsoft.com/office/drawing/2014/main" id="{BA55E5FA-9FC1-124E-5E8E-C8755F81FAB7}"/>
+              </a:ext>
+            </a:extLst>
+          </p:cNvPr>
+          <p:cNvSpPr txBox="1">
+            <a:spLocks noGrp="1"/>
+          </p:cNvSpPr>
+          <p:nvPr>
+            <p:ph type="title"/>
+          </p:nvPr>
+        </p:nvSpPr>
+        <p:spPr>
+          <a:xfrm>
+            <a:off x="637369" y="233041"/>
+            <a:ext cx="7886700" cy="543600"/>
+          </a:xfrm>
+          <a:prstGeom prst="rect">
+            <a:avLst/>
+          </a:prstGeom>
+          <a:noFill/>
+          <a:ln>
+            <a:noFill/>
+          </a:ln>
+        </p:spPr>
+        <p:txBody>
+          <a:bodyPr spcFirstLastPara="1" wrap="square" lIns="91425" tIns="45700" rIns="91425" bIns="45700" anchor="ctr" anchorCtr="0">
+            <a:normAutofit fontScale="90000"/>
+          </a:bodyPr>
+          <a:lstStyle/>
+          <a:p>
+            <a:pPr marL="0" lvl="0" indent="0" algn="l" rtl="0">
+              <a:lnSpc>
+                <a:spcPct val="90000"/>
+              </a:lnSpc>
+              <a:spcBef>
+                <a:spcPts val="0"/>
+              </a:spcBef>
+              <a:spcAft>
+                <a:spcPts val="0"/>
+              </a:spcAft>
+              <a:buClr>
+                <a:schemeClr val="dk1"/>
+              </a:buClr>
+              <a:buSzPts val="2400"/>
+              <a:buFont typeface="Calibri"/>
+              <a:buNone/>
+            </a:pPr>
+            <a:r>
+              <a:rPr lang="es-ES" dirty="0">
+                <a:latin typeface="Montserrat" panose="00000500000000000000" pitchFamily="2" charset="0"/>
+              </a:rPr>
+              <a:t>2 Introducción a UC </a:t>
+            </a:r>
+            <a:r>
+              <a:rPr lang="es-ES" dirty="0">
+                <a:solidFill>
+                  <a:schemeClr val="accent1"/>
+                </a:solidFill>
+                <a:latin typeface="Montserrat" panose="00000500000000000000" pitchFamily="2" charset="0"/>
+              </a:rPr>
+              <a:t>|Espectro de Gobernanza en las empresas</a:t>
+            </a:r>
+            <a:endParaRPr dirty="0">
+              <a:solidFill>
+                <a:schemeClr val="accent1"/>
+              </a:solidFill>
+              <a:latin typeface="Montserrat" panose="00000500000000000000" pitchFamily="2" charset="0"/>
+            </a:endParaRPr>
+          </a:p>
+        </p:txBody>
+      </p:sp>
+    </p:spTree>
+    <p:extLst>
+      <p:ext uri="{BB962C8B-B14F-4D97-AF65-F5344CB8AC3E}">
+        <p14:creationId xmlns:p14="http://schemas.microsoft.com/office/powerpoint/2010/main" val="960191759"/>
+      </p:ext>
+    </p:extLst>
+  </p:cSld>
+  <p:clrMapOvr>
+    <a:masterClrMapping/>
+  </p:clrMapOvr>
+</p:sld>
+</file>
+
+<file path=ppt/slides/slide11.xml><?xml version="1.0" encoding="utf-8"?>
+<p:sld xmlns:a="http://schemas.openxmlformats.org/drawingml/2006/main" xmlns:r="http://schemas.openxmlformats.org/officeDocument/2006/relationships" xmlns:p="http://schemas.openxmlformats.org/presentationml/2006/main">
+  <p:cSld>
+    <p:spTree>
+      <p:nvGrpSpPr>
+        <p:cNvPr id="1" name="">
+          <a:extLst>
+            <a:ext uri="{FF2B5EF4-FFF2-40B4-BE49-F238E27FC236}">
+              <a16:creationId xmlns:a16="http://schemas.microsoft.com/office/drawing/2014/main" id="{80B5ECF3-BB85-ABD3-7D2C-B7C1ADD8AC56}"/>
+            </a:ext>
+          </a:extLst>
+        </p:cNvPr>
+        <p:cNvGrpSpPr/>
+        <p:nvPr/>
+      </p:nvGrpSpPr>
+      <p:grpSpPr>
+        <a:xfrm>
+          <a:off x="0" y="0"/>
+          <a:ext cx="0" cy="0"/>
+          <a:chOff x="0" y="0"/>
+          <a:chExt cx="0" cy="0"/>
+        </a:xfrm>
+      </p:grpSpPr>
+      <p:sp>
+        <p:nvSpPr>
+          <p:cNvPr id="45" name="Google Shape;303;g35ee5cc475b_0_63">
+            <a:extLst>
+              <a:ext uri="{FF2B5EF4-FFF2-40B4-BE49-F238E27FC236}">
+                <a16:creationId xmlns:a16="http://schemas.microsoft.com/office/drawing/2014/main" id="{0FF7534F-182D-A349-33EB-70B098DB26C2}"/>
+              </a:ext>
+            </a:extLst>
+          </p:cNvPr>
+          <p:cNvSpPr txBox="1">
+            <a:spLocks noGrp="1"/>
+          </p:cNvSpPr>
+          <p:nvPr>
+            <p:ph type="title"/>
+          </p:nvPr>
+        </p:nvSpPr>
+        <p:spPr>
+          <a:xfrm>
+            <a:off x="637369" y="233041"/>
+            <a:ext cx="7886700" cy="543600"/>
+          </a:xfrm>
+          <a:prstGeom prst="rect">
+            <a:avLst/>
+          </a:prstGeom>
+          <a:noFill/>
+          <a:ln>
+            <a:noFill/>
+          </a:ln>
+        </p:spPr>
+        <p:txBody>
+          <a:bodyPr spcFirstLastPara="1" wrap="square" lIns="91425" tIns="45700" rIns="91425" bIns="45700" anchor="ctr" anchorCtr="0">
+            <a:normAutofit/>
+          </a:bodyPr>
+          <a:lstStyle/>
+          <a:p>
+            <a:pPr marL="0" lvl="0" indent="0" algn="l" rtl="0">
+              <a:lnSpc>
+                <a:spcPct val="90000"/>
+              </a:lnSpc>
+              <a:spcBef>
+                <a:spcPts val="0"/>
+              </a:spcBef>
+              <a:spcAft>
+                <a:spcPts val="0"/>
+              </a:spcAft>
+              <a:buClr>
+                <a:schemeClr val="dk1"/>
+              </a:buClr>
+              <a:buSzPts val="2400"/>
+              <a:buFont typeface="Calibri"/>
+              <a:buNone/>
+            </a:pPr>
+            <a:r>
+              <a:rPr lang="es-ES" dirty="0">
+                <a:latin typeface="Montserrat" panose="00000500000000000000" pitchFamily="2" charset="0"/>
+              </a:rPr>
+              <a:t>2 Introducción a UC </a:t>
+            </a:r>
+            <a:r>
+              <a:rPr lang="es-ES" dirty="0">
+                <a:solidFill>
+                  <a:schemeClr val="accent1"/>
+                </a:solidFill>
+                <a:latin typeface="Montserrat" panose="00000500000000000000" pitchFamily="2" charset="0"/>
+              </a:rPr>
+              <a:t>| </a:t>
+            </a:r>
+            <a:r>
+              <a:rPr lang="es-ES" dirty="0" err="1">
+                <a:solidFill>
+                  <a:schemeClr val="accent1"/>
+                </a:solidFill>
+                <a:latin typeface="Montserrat" panose="00000500000000000000" pitchFamily="2" charset="0"/>
+              </a:rPr>
+              <a:t>Intro</a:t>
+            </a:r>
+            <a:r>
+              <a:rPr lang="es-ES" dirty="0">
+                <a:solidFill>
+                  <a:schemeClr val="accent1"/>
+                </a:solidFill>
+                <a:latin typeface="Montserrat" panose="00000500000000000000" pitchFamily="2" charset="0"/>
+              </a:rPr>
+              <a:t> Control de Accesos</a:t>
+            </a:r>
+            <a:endParaRPr dirty="0">
+              <a:solidFill>
+                <a:schemeClr val="accent1"/>
+              </a:solidFill>
+              <a:latin typeface="Montserrat" panose="00000500000000000000" pitchFamily="2" charset="0"/>
+            </a:endParaRPr>
+          </a:p>
+        </p:txBody>
+      </p:sp>
+      <p:grpSp>
+        <p:nvGrpSpPr>
+          <p:cNvPr id="88" name="Grupo 87">
+            <a:extLst>
+              <a:ext uri="{FF2B5EF4-FFF2-40B4-BE49-F238E27FC236}">
+                <a16:creationId xmlns:a16="http://schemas.microsoft.com/office/drawing/2014/main" id="{253E5A63-410F-AAF0-DE5B-19D0ADDD21A1}"/>
+              </a:ext>
+            </a:extLst>
+          </p:cNvPr>
+          <p:cNvGrpSpPr/>
+          <p:nvPr/>
+        </p:nvGrpSpPr>
+        <p:grpSpPr>
+          <a:xfrm>
+            <a:off x="1835696" y="1772816"/>
+            <a:ext cx="6336704" cy="3830727"/>
+            <a:chOff x="899592" y="1830521"/>
+            <a:chExt cx="6336704" cy="3830727"/>
+          </a:xfrm>
+        </p:grpSpPr>
+        <p:sp>
+          <p:nvSpPr>
+            <p:cNvPr id="72" name="Rectángulo 71">
+              <a:extLst>
+                <a:ext uri="{FF2B5EF4-FFF2-40B4-BE49-F238E27FC236}">
+                  <a16:creationId xmlns:a16="http://schemas.microsoft.com/office/drawing/2014/main" id="{834C366A-96FC-DF21-01BE-2406A8B9ED09}"/>
+                </a:ext>
+              </a:extLst>
+            </p:cNvPr>
+            <p:cNvSpPr/>
+            <p:nvPr/>
+          </p:nvSpPr>
+          <p:spPr>
+            <a:xfrm>
+              <a:off x="899592" y="2417551"/>
+              <a:ext cx="6336704" cy="3243697"/>
+            </a:xfrm>
+            <a:prstGeom prst="rect">
+              <a:avLst/>
+            </a:prstGeom>
+            <a:solidFill>
+              <a:schemeClr val="tx2">
+                <a:lumMod val="40000"/>
+                <a:lumOff val="60000"/>
+              </a:schemeClr>
+            </a:solidFill>
+            <a:ln>
+              <a:solidFill>
+                <a:schemeClr val="bg1"/>
+              </a:solidFill>
+              <a:prstDash val="dash"/>
+            </a:ln>
+          </p:spPr>
+          <p:style>
+            <a:lnRef idx="2">
+              <a:schemeClr val="accent1">
+                <a:shade val="15000"/>
+              </a:schemeClr>
+            </a:lnRef>
+            <a:fillRef idx="1">
+              <a:schemeClr val="accent1"/>
+            </a:fillRef>
+            <a:effectRef idx="0">
+              <a:schemeClr val="accent1"/>
+            </a:effectRef>
+            <a:fontRef idx="minor">
+              <a:schemeClr val="lt1"/>
+            </a:fontRef>
+          </p:style>
+          <p:txBody>
+            <a:bodyPr rtlCol="0" anchor="ctr"/>
+            <a:lstStyle/>
+            <a:p>
+              <a:pPr algn="ctr"/>
+              <a:endParaRPr lang="es-ES"/>
+            </a:p>
+          </p:txBody>
+        </p:sp>
+        <p:grpSp>
+          <p:nvGrpSpPr>
+            <p:cNvPr id="31" name="Grupo 30">
+              <a:extLst>
+                <a:ext uri="{FF2B5EF4-FFF2-40B4-BE49-F238E27FC236}">
+                  <a16:creationId xmlns:a16="http://schemas.microsoft.com/office/drawing/2014/main" id="{FD62C77D-0FB6-FD89-D41F-766A8016EEF5}"/>
+                </a:ext>
+              </a:extLst>
+            </p:cNvPr>
+            <p:cNvGrpSpPr/>
+            <p:nvPr/>
+          </p:nvGrpSpPr>
+          <p:grpSpPr>
+            <a:xfrm>
+              <a:off x="2915816" y="2669588"/>
+              <a:ext cx="896578" cy="360040"/>
+              <a:chOff x="2953967" y="1988840"/>
+              <a:chExt cx="896578" cy="507668"/>
+            </a:xfrm>
+          </p:grpSpPr>
+          <p:sp>
+            <p:nvSpPr>
+              <p:cNvPr id="5" name="Google Shape;2204;p106">
+                <a:extLst>
+                  <a:ext uri="{FF2B5EF4-FFF2-40B4-BE49-F238E27FC236}">
+                    <a16:creationId xmlns:a16="http://schemas.microsoft.com/office/drawing/2014/main" id="{F82120AF-EE5C-8AFA-C4E2-6FAEB746E59F}"/>
+                  </a:ext>
+                </a:extLst>
+              </p:cNvPr>
+              <p:cNvSpPr/>
+              <p:nvPr/>
+            </p:nvSpPr>
+            <p:spPr>
+              <a:xfrm>
+                <a:off x="2974636" y="1988840"/>
+                <a:ext cx="821863" cy="507668"/>
+              </a:xfrm>
+              <a:prstGeom prst="rect">
+                <a:avLst/>
+              </a:prstGeom>
+              <a:solidFill>
+                <a:srgbClr val="203864"/>
+              </a:solidFill>
+              <a:ln>
+                <a:noFill/>
+              </a:ln>
+            </p:spPr>
+            <p:txBody>
+              <a:bodyPr spcFirstLastPara="1" wrap="square" lIns="91425" tIns="38100" rIns="1097275" bIns="38100" anchor="ctr" anchorCtr="0">
+                <a:noAutofit/>
+              </a:bodyPr>
+              <a:lstStyle/>
+              <a:p>
+                <a:pPr marL="0" marR="0" lvl="0" indent="0" algn="ctr" rtl="0">
+                  <a:spcBef>
+                    <a:spcPts val="0"/>
+                  </a:spcBef>
+                  <a:spcAft>
+                    <a:spcPts val="0"/>
+                  </a:spcAft>
+                  <a:buNone/>
+                </a:pPr>
+                <a:endParaRPr sz="800" dirty="0">
+                  <a:latin typeface="Montserrat"/>
+                  <a:ea typeface="Montserrat"/>
+                  <a:cs typeface="Montserrat"/>
+                  <a:sym typeface="Montserrat"/>
+                </a:endParaRPr>
+              </a:p>
+            </p:txBody>
+          </p:sp>
+          <p:sp>
+            <p:nvSpPr>
+              <p:cNvPr id="6" name="CuadroTexto 5">
+                <a:extLst>
+                  <a:ext uri="{FF2B5EF4-FFF2-40B4-BE49-F238E27FC236}">
+                    <a16:creationId xmlns:a16="http://schemas.microsoft.com/office/drawing/2014/main" id="{5C38F02C-749C-6C2F-A5C1-C80B8C3E6C05}"/>
+                  </a:ext>
+                </a:extLst>
+              </p:cNvPr>
+              <p:cNvSpPr txBox="1"/>
+              <p:nvPr/>
+            </p:nvSpPr>
+            <p:spPr>
+              <a:xfrm>
+                <a:off x="2953967" y="2085668"/>
+                <a:ext cx="896578" cy="215444"/>
+              </a:xfrm>
+              <a:prstGeom prst="rect">
+                <a:avLst/>
+              </a:prstGeom>
+              <a:noFill/>
+            </p:spPr>
+            <p:txBody>
+              <a:bodyPr wrap="square">
+                <a:spAutoFit/>
+              </a:bodyPr>
+              <a:lstStyle/>
+              <a:p>
+                <a:pPr algn="ctr"/>
+                <a:r>
+                  <a:rPr lang="es-ES" sz="800" b="1" i="0" dirty="0" err="1">
+                    <a:solidFill>
+                      <a:schemeClr val="bg1"/>
+                    </a:solidFill>
+                    <a:effectLst/>
+                    <a:latin typeface="Montserrat" panose="00000500000000000000" pitchFamily="2" charset="0"/>
+                  </a:rPr>
+                  <a:t>Metastore</a:t>
+                </a:r>
+                <a:endParaRPr lang="es-ES" sz="800" b="1" dirty="0">
+                  <a:solidFill>
+                    <a:schemeClr val="bg1"/>
+                  </a:solidFill>
+                  <a:latin typeface="Montserrat" panose="00000500000000000000" pitchFamily="2" charset="0"/>
+                </a:endParaRPr>
+              </a:p>
+            </p:txBody>
+          </p:sp>
+        </p:grpSp>
+        <p:grpSp>
+          <p:nvGrpSpPr>
+            <p:cNvPr id="38" name="Grupo 37">
+              <a:extLst>
+                <a:ext uri="{FF2B5EF4-FFF2-40B4-BE49-F238E27FC236}">
+                  <a16:creationId xmlns:a16="http://schemas.microsoft.com/office/drawing/2014/main" id="{174CB108-30A0-CA43-B642-5DCFE911ABD2}"/>
+                </a:ext>
+              </a:extLst>
+            </p:cNvPr>
+            <p:cNvGrpSpPr/>
+            <p:nvPr/>
+          </p:nvGrpSpPr>
+          <p:grpSpPr>
+            <a:xfrm>
+              <a:off x="1475655" y="3352482"/>
+              <a:ext cx="821864" cy="360040"/>
+              <a:chOff x="1903619" y="3362586"/>
+              <a:chExt cx="821864" cy="507668"/>
+            </a:xfrm>
+          </p:grpSpPr>
+          <p:sp>
+            <p:nvSpPr>
+              <p:cNvPr id="7" name="Google Shape;2204;p106">
+                <a:extLst>
+                  <a:ext uri="{FF2B5EF4-FFF2-40B4-BE49-F238E27FC236}">
+                    <a16:creationId xmlns:a16="http://schemas.microsoft.com/office/drawing/2014/main" id="{F01B8B74-F35E-C70F-06DD-1E9D25125CDA}"/>
+                  </a:ext>
+                </a:extLst>
+              </p:cNvPr>
+              <p:cNvSpPr/>
+              <p:nvPr/>
+            </p:nvSpPr>
+            <p:spPr>
+              <a:xfrm>
+                <a:off x="1903620" y="3362586"/>
+                <a:ext cx="821863" cy="507668"/>
+              </a:xfrm>
+              <a:prstGeom prst="rect">
+                <a:avLst/>
+              </a:prstGeom>
+              <a:solidFill>
+                <a:srgbClr val="203864"/>
+              </a:solidFill>
+              <a:ln>
+                <a:noFill/>
+              </a:ln>
+            </p:spPr>
+            <p:txBody>
+              <a:bodyPr spcFirstLastPara="1" wrap="square" lIns="91425" tIns="38100" rIns="1097275" bIns="38100" anchor="ctr" anchorCtr="0">
+                <a:noAutofit/>
+              </a:bodyPr>
+              <a:lstStyle/>
+              <a:p>
+                <a:pPr marL="0" marR="0" lvl="0" indent="0" algn="ctr" rtl="0">
+                  <a:spcBef>
+                    <a:spcPts val="0"/>
+                  </a:spcBef>
+                  <a:spcAft>
+                    <a:spcPts val="0"/>
+                  </a:spcAft>
+                  <a:buNone/>
+                </a:pPr>
+                <a:endParaRPr sz="800" dirty="0">
+                  <a:latin typeface="Montserrat"/>
+                  <a:ea typeface="Montserrat"/>
+                  <a:cs typeface="Montserrat"/>
+                  <a:sym typeface="Montserrat"/>
+                </a:endParaRPr>
+              </a:p>
+            </p:txBody>
+          </p:sp>
+          <p:sp>
+            <p:nvSpPr>
+              <p:cNvPr id="8" name="CuadroTexto 7">
+                <a:extLst>
+                  <a:ext uri="{FF2B5EF4-FFF2-40B4-BE49-F238E27FC236}">
+                    <a16:creationId xmlns:a16="http://schemas.microsoft.com/office/drawing/2014/main" id="{7D3A22BA-DAAB-8E5F-44B7-67188A167A13}"/>
+                  </a:ext>
+                </a:extLst>
+              </p:cNvPr>
+              <p:cNvSpPr txBox="1"/>
+              <p:nvPr/>
+            </p:nvSpPr>
+            <p:spPr>
+              <a:xfrm>
+                <a:off x="1903619" y="3451989"/>
+                <a:ext cx="821863" cy="215444"/>
+              </a:xfrm>
+              <a:prstGeom prst="rect">
+                <a:avLst/>
+              </a:prstGeom>
+              <a:noFill/>
+            </p:spPr>
+            <p:txBody>
+              <a:bodyPr wrap="square">
+                <a:spAutoFit/>
+              </a:bodyPr>
+              <a:lstStyle/>
+              <a:p>
+                <a:pPr algn="ctr"/>
+                <a:r>
+                  <a:rPr lang="es-ES" sz="800" b="1" i="0" dirty="0">
+                    <a:solidFill>
+                      <a:schemeClr val="bg1"/>
+                    </a:solidFill>
+                    <a:effectLst/>
+                    <a:latin typeface="Montserrat" panose="00000500000000000000" pitchFamily="2" charset="0"/>
+                  </a:rPr>
+                  <a:t>Catalog1</a:t>
+                </a:r>
+                <a:endParaRPr lang="es-ES" sz="800" b="1" dirty="0">
+                  <a:solidFill>
+                    <a:schemeClr val="bg1"/>
+                  </a:solidFill>
+                  <a:latin typeface="Montserrat" panose="00000500000000000000" pitchFamily="2" charset="0"/>
+                </a:endParaRPr>
+              </a:p>
+            </p:txBody>
+          </p:sp>
+        </p:grpSp>
+        <p:grpSp>
+          <p:nvGrpSpPr>
+            <p:cNvPr id="40" name="Grupo 39">
+              <a:extLst>
+                <a:ext uri="{FF2B5EF4-FFF2-40B4-BE49-F238E27FC236}">
+                  <a16:creationId xmlns:a16="http://schemas.microsoft.com/office/drawing/2014/main" id="{ED166383-94B5-0620-77E6-4E0DA12DE9E9}"/>
+                </a:ext>
+              </a:extLst>
+            </p:cNvPr>
+            <p:cNvGrpSpPr/>
+            <p:nvPr/>
+          </p:nvGrpSpPr>
+          <p:grpSpPr>
+            <a:xfrm>
+              <a:off x="2297518" y="4105338"/>
+              <a:ext cx="821863" cy="360040"/>
+              <a:chOff x="3402256" y="4040930"/>
+              <a:chExt cx="821863" cy="507668"/>
+            </a:xfrm>
+          </p:grpSpPr>
+          <p:sp>
+            <p:nvSpPr>
+              <p:cNvPr id="9" name="Google Shape;2204;p106">
+                <a:extLst>
+                  <a:ext uri="{FF2B5EF4-FFF2-40B4-BE49-F238E27FC236}">
+                    <a16:creationId xmlns:a16="http://schemas.microsoft.com/office/drawing/2014/main" id="{8AB2180A-4012-3C9F-5294-0D0EA964358A}"/>
+                  </a:ext>
+                </a:extLst>
+              </p:cNvPr>
+              <p:cNvSpPr/>
+              <p:nvPr/>
+            </p:nvSpPr>
+            <p:spPr>
+              <a:xfrm>
+                <a:off x="3402256" y="4040930"/>
+                <a:ext cx="821863" cy="507668"/>
+              </a:xfrm>
+              <a:prstGeom prst="rect">
+                <a:avLst/>
+              </a:prstGeom>
+              <a:solidFill>
+                <a:srgbClr val="203864"/>
+              </a:solidFill>
+              <a:ln>
+                <a:noFill/>
+              </a:ln>
+            </p:spPr>
+            <p:txBody>
+              <a:bodyPr spcFirstLastPara="1" wrap="square" lIns="91425" tIns="38100" rIns="1097275" bIns="38100" anchor="ctr" anchorCtr="0">
+                <a:noAutofit/>
+              </a:bodyPr>
+              <a:lstStyle/>
+              <a:p>
+                <a:pPr marL="0" marR="0" lvl="0" indent="0" algn="ctr" rtl="0">
+                  <a:spcBef>
+                    <a:spcPts val="0"/>
+                  </a:spcBef>
+                  <a:spcAft>
+                    <a:spcPts val="0"/>
+                  </a:spcAft>
+                  <a:buNone/>
+                </a:pPr>
+                <a:endParaRPr sz="800" dirty="0">
+                  <a:latin typeface="Montserrat"/>
+                  <a:ea typeface="Montserrat"/>
+                  <a:cs typeface="Montserrat"/>
+                  <a:sym typeface="Montserrat"/>
+                </a:endParaRPr>
+              </a:p>
+            </p:txBody>
+          </p:sp>
+          <p:sp>
+            <p:nvSpPr>
+              <p:cNvPr id="10" name="CuadroTexto 9">
+                <a:extLst>
+                  <a:ext uri="{FF2B5EF4-FFF2-40B4-BE49-F238E27FC236}">
+                    <a16:creationId xmlns:a16="http://schemas.microsoft.com/office/drawing/2014/main" id="{953DA60F-464A-4AC0-A776-27E2FFDFAFDD}"/>
+                  </a:ext>
+                </a:extLst>
+              </p:cNvPr>
+              <p:cNvSpPr txBox="1"/>
+              <p:nvPr/>
+            </p:nvSpPr>
+            <p:spPr>
+              <a:xfrm>
+                <a:off x="3402256" y="4158067"/>
+                <a:ext cx="821863" cy="215444"/>
+              </a:xfrm>
+              <a:prstGeom prst="rect">
+                <a:avLst/>
+              </a:prstGeom>
+              <a:noFill/>
+            </p:spPr>
+            <p:txBody>
+              <a:bodyPr wrap="square">
+                <a:spAutoFit/>
+              </a:bodyPr>
+              <a:lstStyle/>
+              <a:p>
+                <a:pPr algn="ctr"/>
+                <a:r>
+                  <a:rPr lang="es-ES" sz="800" b="1" i="0" dirty="0">
+                    <a:solidFill>
+                      <a:schemeClr val="bg1"/>
+                    </a:solidFill>
+                    <a:effectLst/>
+                    <a:latin typeface="Montserrat" panose="00000500000000000000" pitchFamily="2" charset="0"/>
+                  </a:rPr>
+                  <a:t>Schema1</a:t>
+                </a:r>
+                <a:endParaRPr lang="es-ES" sz="800" b="1" dirty="0">
+                  <a:solidFill>
+                    <a:schemeClr val="bg1"/>
+                  </a:solidFill>
+                  <a:latin typeface="Montserrat" panose="00000500000000000000" pitchFamily="2" charset="0"/>
+                </a:endParaRPr>
+              </a:p>
+            </p:txBody>
+          </p:sp>
+        </p:grpSp>
+        <p:cxnSp>
+          <p:nvCxnSpPr>
+            <p:cNvPr id="28" name="Conector recto de flecha 27">
+              <a:extLst>
+                <a:ext uri="{FF2B5EF4-FFF2-40B4-BE49-F238E27FC236}">
+                  <a16:creationId xmlns:a16="http://schemas.microsoft.com/office/drawing/2014/main" id="{61E0EA9A-7EE7-F173-CA21-054CE2423076}"/>
+                </a:ext>
+              </a:extLst>
+            </p:cNvPr>
+            <p:cNvCxnSpPr>
+              <a:cxnSpLocks/>
+              <a:stCxn id="5" idx="2"/>
+              <a:endCxn id="7" idx="0"/>
+            </p:cNvCxnSpPr>
+            <p:nvPr/>
+          </p:nvCxnSpPr>
+          <p:spPr>
+            <a:xfrm rot="5400000">
+              <a:off x="2455576" y="2460641"/>
+              <a:ext cx="322854" cy="1460829"/>
+            </a:xfrm>
+            <a:prstGeom prst="bentConnector3">
+              <a:avLst>
+                <a:gd name="adj1" fmla="val 50000"/>
+              </a:avLst>
+            </a:prstGeom>
+            <a:ln>
+              <a:solidFill>
+                <a:schemeClr val="tx1">
+                  <a:lumMod val="95000"/>
+                  <a:lumOff val="5000"/>
+                </a:schemeClr>
+              </a:solidFill>
+              <a:tailEnd type="triangle"/>
+            </a:ln>
+          </p:spPr>
+          <p:style>
+            <a:lnRef idx="1">
+              <a:schemeClr val="accent1"/>
+            </a:lnRef>
+            <a:fillRef idx="0">
+              <a:schemeClr val="accent1"/>
+            </a:fillRef>
+            <a:effectRef idx="0">
+              <a:schemeClr val="accent1"/>
+            </a:effectRef>
+            <a:fontRef idx="minor">
+              <a:schemeClr val="tx1"/>
+            </a:fontRef>
+          </p:style>
+        </p:cxnSp>
+        <p:cxnSp>
+          <p:nvCxnSpPr>
+            <p:cNvPr id="29" name="Conector recto de flecha 28">
+              <a:extLst>
+                <a:ext uri="{FF2B5EF4-FFF2-40B4-BE49-F238E27FC236}">
+                  <a16:creationId xmlns:a16="http://schemas.microsoft.com/office/drawing/2014/main" id="{E392CA7B-4E19-1275-C326-AB268B1C893B}"/>
+                </a:ext>
+              </a:extLst>
+            </p:cNvPr>
+            <p:cNvCxnSpPr>
+              <a:cxnSpLocks/>
+              <a:stCxn id="7" idx="2"/>
+              <a:endCxn id="10" idx="1"/>
+            </p:cNvCxnSpPr>
+            <p:nvPr/>
+          </p:nvCxnSpPr>
+          <p:spPr>
+            <a:xfrm rot="16200000" flipH="1">
+              <a:off x="1815910" y="3783200"/>
+              <a:ext cx="552287" cy="410930"/>
+            </a:xfrm>
+            <a:prstGeom prst="bentConnector2">
+              <a:avLst/>
+            </a:prstGeom>
+            <a:ln>
+              <a:solidFill>
+                <a:schemeClr val="tx1">
+                  <a:lumMod val="95000"/>
+                  <a:lumOff val="5000"/>
+                </a:schemeClr>
+              </a:solidFill>
+              <a:tailEnd type="triangle"/>
+            </a:ln>
+          </p:spPr>
+          <p:style>
+            <a:lnRef idx="1">
+              <a:schemeClr val="accent1"/>
+            </a:lnRef>
+            <a:fillRef idx="0">
+              <a:schemeClr val="accent1"/>
+            </a:fillRef>
+            <a:effectRef idx="0">
+              <a:schemeClr val="accent1"/>
+            </a:effectRef>
+            <a:fontRef idx="minor">
+              <a:schemeClr val="tx1"/>
+            </a:fontRef>
+          </p:style>
+        </p:cxnSp>
+        <p:grpSp>
+          <p:nvGrpSpPr>
+            <p:cNvPr id="43" name="Grupo 42">
+              <a:extLst>
+                <a:ext uri="{FF2B5EF4-FFF2-40B4-BE49-F238E27FC236}">
+                  <a16:creationId xmlns:a16="http://schemas.microsoft.com/office/drawing/2014/main" id="{41EC6628-DDDA-CFBF-9080-DE6839004597}"/>
+                </a:ext>
+              </a:extLst>
+            </p:cNvPr>
+            <p:cNvGrpSpPr/>
+            <p:nvPr/>
+          </p:nvGrpSpPr>
+          <p:grpSpPr>
+            <a:xfrm>
+              <a:off x="2297518" y="4858194"/>
+              <a:ext cx="821863" cy="360040"/>
+              <a:chOff x="3402256" y="4040930"/>
+              <a:chExt cx="821863" cy="507668"/>
+            </a:xfrm>
+          </p:grpSpPr>
+          <p:sp>
+            <p:nvSpPr>
+              <p:cNvPr id="44" name="Google Shape;2204;p106">
+                <a:extLst>
+                  <a:ext uri="{FF2B5EF4-FFF2-40B4-BE49-F238E27FC236}">
+                    <a16:creationId xmlns:a16="http://schemas.microsoft.com/office/drawing/2014/main" id="{D97A3181-94EB-480A-45DA-16BEB3A657BA}"/>
+                  </a:ext>
+                </a:extLst>
+              </p:cNvPr>
+              <p:cNvSpPr/>
+              <p:nvPr/>
+            </p:nvSpPr>
+            <p:spPr>
+              <a:xfrm>
+                <a:off x="3402256" y="4040930"/>
+                <a:ext cx="821863" cy="507668"/>
+              </a:xfrm>
+              <a:prstGeom prst="rect">
+                <a:avLst/>
+              </a:prstGeom>
+              <a:solidFill>
+                <a:srgbClr val="203864"/>
+              </a:solidFill>
+              <a:ln>
+                <a:noFill/>
+              </a:ln>
+            </p:spPr>
+            <p:txBody>
+              <a:bodyPr spcFirstLastPara="1" wrap="square" lIns="91425" tIns="38100" rIns="1097275" bIns="38100" anchor="ctr" anchorCtr="0">
+                <a:noAutofit/>
+              </a:bodyPr>
+              <a:lstStyle/>
+              <a:p>
+                <a:pPr marL="0" marR="0" lvl="0" indent="0" algn="ctr" rtl="0">
+                  <a:spcBef>
+                    <a:spcPts val="0"/>
+                  </a:spcBef>
+                  <a:spcAft>
+                    <a:spcPts val="0"/>
+                  </a:spcAft>
+                  <a:buNone/>
+                </a:pPr>
+                <a:endParaRPr sz="800" dirty="0">
+                  <a:latin typeface="Montserrat"/>
+                  <a:ea typeface="Montserrat"/>
+                  <a:cs typeface="Montserrat"/>
+                  <a:sym typeface="Montserrat"/>
+                </a:endParaRPr>
+              </a:p>
+            </p:txBody>
+          </p:sp>
+          <p:sp>
+            <p:nvSpPr>
+              <p:cNvPr id="46" name="CuadroTexto 45">
+                <a:extLst>
+                  <a:ext uri="{FF2B5EF4-FFF2-40B4-BE49-F238E27FC236}">
+                    <a16:creationId xmlns:a16="http://schemas.microsoft.com/office/drawing/2014/main" id="{245813C1-3331-E8DA-D60D-3BCA99F79209}"/>
+                  </a:ext>
+                </a:extLst>
+              </p:cNvPr>
+              <p:cNvSpPr txBox="1"/>
+              <p:nvPr/>
+            </p:nvSpPr>
+            <p:spPr>
+              <a:xfrm>
+                <a:off x="3402256" y="4158067"/>
+                <a:ext cx="821863" cy="215444"/>
+              </a:xfrm>
+              <a:prstGeom prst="rect">
+                <a:avLst/>
+              </a:prstGeom>
+              <a:noFill/>
+            </p:spPr>
+            <p:txBody>
+              <a:bodyPr wrap="square">
+                <a:spAutoFit/>
+              </a:bodyPr>
+              <a:lstStyle/>
+              <a:p>
+                <a:pPr algn="ctr"/>
+                <a:r>
+                  <a:rPr lang="es-ES" sz="800" b="1" i="0" dirty="0">
+                    <a:solidFill>
+                      <a:schemeClr val="bg1"/>
+                    </a:solidFill>
+                    <a:effectLst/>
+                    <a:latin typeface="Montserrat" panose="00000500000000000000" pitchFamily="2" charset="0"/>
+                  </a:rPr>
+                  <a:t>Schema2</a:t>
+                </a:r>
+                <a:endParaRPr lang="es-ES" sz="800" b="1" dirty="0">
+                  <a:solidFill>
+                    <a:schemeClr val="bg1"/>
+                  </a:solidFill>
+                  <a:latin typeface="Montserrat" panose="00000500000000000000" pitchFamily="2" charset="0"/>
+                </a:endParaRPr>
+              </a:p>
+            </p:txBody>
+          </p:sp>
+        </p:grpSp>
+        <p:cxnSp>
+          <p:nvCxnSpPr>
+            <p:cNvPr id="51" name="Conector recto de flecha 28">
+              <a:extLst>
+                <a:ext uri="{FF2B5EF4-FFF2-40B4-BE49-F238E27FC236}">
+                  <a16:creationId xmlns:a16="http://schemas.microsoft.com/office/drawing/2014/main" id="{4B7ED5FF-B042-16EA-61FB-BB82428458C7}"/>
+                </a:ext>
+              </a:extLst>
+            </p:cNvPr>
+            <p:cNvCxnSpPr>
+              <a:cxnSpLocks/>
+              <a:stCxn id="7" idx="2"/>
+              <a:endCxn id="46" idx="1"/>
+            </p:cNvCxnSpPr>
+            <p:nvPr/>
+          </p:nvCxnSpPr>
+          <p:spPr>
+            <a:xfrm rot="16200000" flipH="1">
+              <a:off x="1439482" y="4159628"/>
+              <a:ext cx="1305143" cy="410930"/>
+            </a:xfrm>
+            <a:prstGeom prst="bentConnector2">
+              <a:avLst/>
+            </a:prstGeom>
+            <a:ln>
+              <a:solidFill>
+                <a:schemeClr val="tx1">
+                  <a:lumMod val="95000"/>
+                  <a:lumOff val="5000"/>
+                </a:schemeClr>
+              </a:solidFill>
+              <a:tailEnd type="triangle"/>
+            </a:ln>
+          </p:spPr>
+          <p:style>
+            <a:lnRef idx="1">
+              <a:schemeClr val="accent1"/>
+            </a:lnRef>
+            <a:fillRef idx="0">
+              <a:schemeClr val="accent1"/>
+            </a:fillRef>
+            <a:effectRef idx="0">
+              <a:schemeClr val="accent1"/>
+            </a:effectRef>
+            <a:fontRef idx="minor">
+              <a:schemeClr val="tx1"/>
+            </a:fontRef>
+          </p:style>
+        </p:cxnSp>
+        <p:grpSp>
+          <p:nvGrpSpPr>
+            <p:cNvPr id="54" name="Grupo 53">
+              <a:extLst>
+                <a:ext uri="{FF2B5EF4-FFF2-40B4-BE49-F238E27FC236}">
+                  <a16:creationId xmlns:a16="http://schemas.microsoft.com/office/drawing/2014/main" id="{39C7AF64-FC9C-1299-6973-514EEB206CCA}"/>
+                </a:ext>
+              </a:extLst>
+            </p:cNvPr>
+            <p:cNvGrpSpPr/>
+            <p:nvPr/>
+          </p:nvGrpSpPr>
+          <p:grpSpPr>
+            <a:xfrm>
+              <a:off x="3995936" y="3352482"/>
+              <a:ext cx="821864" cy="360040"/>
+              <a:chOff x="1903619" y="3362586"/>
+              <a:chExt cx="821864" cy="507668"/>
+            </a:xfrm>
+          </p:grpSpPr>
+          <p:sp>
+            <p:nvSpPr>
+              <p:cNvPr id="55" name="Google Shape;2204;p106">
+                <a:extLst>
+                  <a:ext uri="{FF2B5EF4-FFF2-40B4-BE49-F238E27FC236}">
+                    <a16:creationId xmlns:a16="http://schemas.microsoft.com/office/drawing/2014/main" id="{55ECE0D4-5659-9C3E-EB05-9BE754E2A4DB}"/>
+                  </a:ext>
+                </a:extLst>
+              </p:cNvPr>
+              <p:cNvSpPr/>
+              <p:nvPr/>
+            </p:nvSpPr>
+            <p:spPr>
+              <a:xfrm>
+                <a:off x="1903620" y="3362586"/>
+                <a:ext cx="821863" cy="507668"/>
+              </a:xfrm>
+              <a:prstGeom prst="rect">
+                <a:avLst/>
+              </a:prstGeom>
+              <a:solidFill>
+                <a:srgbClr val="203864"/>
+              </a:solidFill>
+              <a:ln>
+                <a:noFill/>
+              </a:ln>
+            </p:spPr>
+            <p:txBody>
+              <a:bodyPr spcFirstLastPara="1" wrap="square" lIns="91425" tIns="38100" rIns="1097275" bIns="38100" anchor="ctr" anchorCtr="0">
+                <a:noAutofit/>
+              </a:bodyPr>
+              <a:lstStyle/>
+              <a:p>
+                <a:pPr marL="0" marR="0" lvl="0" indent="0" algn="ctr" rtl="0">
+                  <a:spcBef>
+                    <a:spcPts val="0"/>
+                  </a:spcBef>
+                  <a:spcAft>
+                    <a:spcPts val="0"/>
+                  </a:spcAft>
+                  <a:buNone/>
+                </a:pPr>
+                <a:endParaRPr sz="800" dirty="0">
+                  <a:latin typeface="Montserrat"/>
+                  <a:ea typeface="Montserrat"/>
+                  <a:cs typeface="Montserrat"/>
+                  <a:sym typeface="Montserrat"/>
+                </a:endParaRPr>
+              </a:p>
+            </p:txBody>
+          </p:sp>
+          <p:sp>
+            <p:nvSpPr>
+              <p:cNvPr id="56" name="CuadroTexto 55">
+                <a:extLst>
+                  <a:ext uri="{FF2B5EF4-FFF2-40B4-BE49-F238E27FC236}">
+                    <a16:creationId xmlns:a16="http://schemas.microsoft.com/office/drawing/2014/main" id="{319C501D-6471-B097-8C43-47A19363682C}"/>
+                  </a:ext>
+                </a:extLst>
+              </p:cNvPr>
+              <p:cNvSpPr txBox="1"/>
+              <p:nvPr/>
+            </p:nvSpPr>
+            <p:spPr>
+              <a:xfrm>
+                <a:off x="1903619" y="3451989"/>
+                <a:ext cx="821863" cy="303783"/>
+              </a:xfrm>
+              <a:prstGeom prst="rect">
+                <a:avLst/>
+              </a:prstGeom>
+              <a:noFill/>
+            </p:spPr>
+            <p:txBody>
+              <a:bodyPr wrap="square">
+                <a:spAutoFit/>
+              </a:bodyPr>
+              <a:lstStyle/>
+              <a:p>
+                <a:pPr algn="ctr"/>
+                <a:r>
+                  <a:rPr lang="es-ES" sz="800" b="1" i="0" dirty="0">
+                    <a:solidFill>
+                      <a:schemeClr val="bg1"/>
+                    </a:solidFill>
+                    <a:effectLst/>
+                    <a:latin typeface="Montserrat" panose="00000500000000000000" pitchFamily="2" charset="0"/>
+                  </a:rPr>
+                  <a:t>Catalog2</a:t>
+                </a:r>
+                <a:endParaRPr lang="es-ES" sz="800" b="1" dirty="0">
+                  <a:solidFill>
+                    <a:schemeClr val="bg1"/>
+                  </a:solidFill>
+                  <a:latin typeface="Montserrat" panose="00000500000000000000" pitchFamily="2" charset="0"/>
+                </a:endParaRPr>
+              </a:p>
+            </p:txBody>
+          </p:sp>
+        </p:grpSp>
+        <p:grpSp>
+          <p:nvGrpSpPr>
+            <p:cNvPr id="57" name="Grupo 56">
+              <a:extLst>
+                <a:ext uri="{FF2B5EF4-FFF2-40B4-BE49-F238E27FC236}">
+                  <a16:creationId xmlns:a16="http://schemas.microsoft.com/office/drawing/2014/main" id="{CAA5BE8B-F6BF-AF28-E43E-43DF58BB18BB}"/>
+                </a:ext>
+              </a:extLst>
+            </p:cNvPr>
+            <p:cNvGrpSpPr/>
+            <p:nvPr/>
+          </p:nvGrpSpPr>
+          <p:grpSpPr>
+            <a:xfrm>
+              <a:off x="4817799" y="4105338"/>
+              <a:ext cx="834321" cy="360040"/>
+              <a:chOff x="3402256" y="4040930"/>
+              <a:chExt cx="834321" cy="507668"/>
+            </a:xfrm>
+          </p:grpSpPr>
+          <p:sp>
+            <p:nvSpPr>
+              <p:cNvPr id="58" name="Google Shape;2204;p106">
+                <a:extLst>
+                  <a:ext uri="{FF2B5EF4-FFF2-40B4-BE49-F238E27FC236}">
+                    <a16:creationId xmlns:a16="http://schemas.microsoft.com/office/drawing/2014/main" id="{AE10E7FC-E732-2BD9-6BC4-CF1A44FA8B07}"/>
+                  </a:ext>
+                </a:extLst>
+              </p:cNvPr>
+              <p:cNvSpPr/>
+              <p:nvPr/>
+            </p:nvSpPr>
+            <p:spPr>
+              <a:xfrm>
+                <a:off x="3402256" y="4040930"/>
+                <a:ext cx="821863" cy="507668"/>
+              </a:xfrm>
+              <a:prstGeom prst="rect">
+                <a:avLst/>
+              </a:prstGeom>
+              <a:solidFill>
+                <a:srgbClr val="203864"/>
+              </a:solidFill>
+              <a:ln>
+                <a:noFill/>
+              </a:ln>
+            </p:spPr>
+            <p:txBody>
+              <a:bodyPr spcFirstLastPara="1" wrap="square" lIns="91425" tIns="38100" rIns="1097275" bIns="38100" anchor="ctr" anchorCtr="0">
+                <a:noAutofit/>
+              </a:bodyPr>
+              <a:lstStyle/>
+              <a:p>
+                <a:pPr marL="0" marR="0" lvl="0" indent="0" algn="ctr" rtl="0">
+                  <a:spcBef>
+                    <a:spcPts val="0"/>
+                  </a:spcBef>
+                  <a:spcAft>
+                    <a:spcPts val="0"/>
+                  </a:spcAft>
+                  <a:buNone/>
+                </a:pPr>
+                <a:endParaRPr sz="800" dirty="0">
+                  <a:latin typeface="Montserrat"/>
+                  <a:ea typeface="Montserrat"/>
+                  <a:cs typeface="Montserrat"/>
+                  <a:sym typeface="Montserrat"/>
+                </a:endParaRPr>
+              </a:p>
+            </p:txBody>
+          </p:sp>
+          <p:sp>
+            <p:nvSpPr>
+              <p:cNvPr id="59" name="CuadroTexto 58">
+                <a:extLst>
+                  <a:ext uri="{FF2B5EF4-FFF2-40B4-BE49-F238E27FC236}">
+                    <a16:creationId xmlns:a16="http://schemas.microsoft.com/office/drawing/2014/main" id="{0C317623-6AF1-B510-248A-985344B7F960}"/>
+                  </a:ext>
+                </a:extLst>
+              </p:cNvPr>
+              <p:cNvSpPr txBox="1"/>
+              <p:nvPr/>
+            </p:nvSpPr>
+            <p:spPr>
+              <a:xfrm>
+                <a:off x="3414714" y="4158067"/>
+                <a:ext cx="821863" cy="303783"/>
+              </a:xfrm>
+              <a:prstGeom prst="rect">
+                <a:avLst/>
+              </a:prstGeom>
+              <a:noFill/>
+            </p:spPr>
+            <p:txBody>
+              <a:bodyPr wrap="square">
+                <a:spAutoFit/>
+              </a:bodyPr>
+              <a:lstStyle/>
+              <a:p>
+                <a:pPr algn="ctr"/>
+                <a:r>
+                  <a:rPr lang="es-ES" sz="800" b="1" i="0" dirty="0">
+                    <a:solidFill>
+                      <a:schemeClr val="bg1"/>
+                    </a:solidFill>
+                    <a:effectLst/>
+                    <a:latin typeface="Montserrat" panose="00000500000000000000" pitchFamily="2" charset="0"/>
+                  </a:rPr>
+                  <a:t>Schema3</a:t>
+                </a:r>
+                <a:endParaRPr lang="es-ES" sz="800" b="1" dirty="0">
+                  <a:solidFill>
+                    <a:schemeClr val="bg1"/>
+                  </a:solidFill>
+                  <a:latin typeface="Montserrat" panose="00000500000000000000" pitchFamily="2" charset="0"/>
+                </a:endParaRPr>
+              </a:p>
+            </p:txBody>
+          </p:sp>
+        </p:grpSp>
+        <p:grpSp>
+          <p:nvGrpSpPr>
+            <p:cNvPr id="60" name="Grupo 59">
+              <a:extLst>
+                <a:ext uri="{FF2B5EF4-FFF2-40B4-BE49-F238E27FC236}">
+                  <a16:creationId xmlns:a16="http://schemas.microsoft.com/office/drawing/2014/main" id="{B951725C-5896-6FCB-F0B1-A54637B0924A}"/>
+                </a:ext>
+              </a:extLst>
+            </p:cNvPr>
+            <p:cNvGrpSpPr/>
+            <p:nvPr/>
+          </p:nvGrpSpPr>
+          <p:grpSpPr>
+            <a:xfrm>
+              <a:off x="4817799" y="4858194"/>
+              <a:ext cx="821863" cy="360040"/>
+              <a:chOff x="3402256" y="4040930"/>
+              <a:chExt cx="821863" cy="507668"/>
+            </a:xfrm>
+          </p:grpSpPr>
+          <p:sp>
+            <p:nvSpPr>
+              <p:cNvPr id="61" name="Google Shape;2204;p106">
+                <a:extLst>
+                  <a:ext uri="{FF2B5EF4-FFF2-40B4-BE49-F238E27FC236}">
+                    <a16:creationId xmlns:a16="http://schemas.microsoft.com/office/drawing/2014/main" id="{B1F926F1-1060-A264-9553-DB9291165355}"/>
+                  </a:ext>
+                </a:extLst>
+              </p:cNvPr>
+              <p:cNvSpPr/>
+              <p:nvPr/>
+            </p:nvSpPr>
+            <p:spPr>
+              <a:xfrm>
+                <a:off x="3402256" y="4040930"/>
+                <a:ext cx="821863" cy="507668"/>
+              </a:xfrm>
+              <a:prstGeom prst="rect">
+                <a:avLst/>
+              </a:prstGeom>
+              <a:solidFill>
+                <a:srgbClr val="203864"/>
+              </a:solidFill>
+              <a:ln>
+                <a:noFill/>
+              </a:ln>
+            </p:spPr>
+            <p:txBody>
+              <a:bodyPr spcFirstLastPara="1" wrap="square" lIns="91425" tIns="38100" rIns="1097275" bIns="38100" anchor="ctr" anchorCtr="0">
+                <a:noAutofit/>
+              </a:bodyPr>
+              <a:lstStyle/>
+              <a:p>
+                <a:pPr marL="0" marR="0" lvl="0" indent="0" algn="ctr" rtl="0">
+                  <a:spcBef>
+                    <a:spcPts val="0"/>
+                  </a:spcBef>
+                  <a:spcAft>
+                    <a:spcPts val="0"/>
+                  </a:spcAft>
+                  <a:buNone/>
+                </a:pPr>
+                <a:endParaRPr sz="800" dirty="0">
+                  <a:latin typeface="Montserrat"/>
+                  <a:ea typeface="Montserrat"/>
+                  <a:cs typeface="Montserrat"/>
+                  <a:sym typeface="Montserrat"/>
+                </a:endParaRPr>
+              </a:p>
+            </p:txBody>
+          </p:sp>
+          <p:sp>
+            <p:nvSpPr>
+              <p:cNvPr id="62" name="CuadroTexto 61">
+                <a:extLst>
+                  <a:ext uri="{FF2B5EF4-FFF2-40B4-BE49-F238E27FC236}">
+                    <a16:creationId xmlns:a16="http://schemas.microsoft.com/office/drawing/2014/main" id="{29386564-C314-74CA-21D1-DCA7A14D4068}"/>
+                  </a:ext>
+                </a:extLst>
+              </p:cNvPr>
+              <p:cNvSpPr txBox="1"/>
+              <p:nvPr/>
+            </p:nvSpPr>
+            <p:spPr>
+              <a:xfrm>
+                <a:off x="3402256" y="4158067"/>
+                <a:ext cx="821863" cy="303783"/>
+              </a:xfrm>
+              <a:prstGeom prst="rect">
+                <a:avLst/>
+              </a:prstGeom>
+              <a:noFill/>
+            </p:spPr>
+            <p:txBody>
+              <a:bodyPr wrap="square">
+                <a:spAutoFit/>
+              </a:bodyPr>
+              <a:lstStyle/>
+              <a:p>
+                <a:pPr algn="ctr"/>
+                <a:r>
+                  <a:rPr lang="es-ES" sz="800" b="1" i="0" dirty="0">
+                    <a:solidFill>
+                      <a:schemeClr val="bg1"/>
+                    </a:solidFill>
+                    <a:effectLst/>
+                    <a:latin typeface="Montserrat" panose="00000500000000000000" pitchFamily="2" charset="0"/>
+                  </a:rPr>
+                  <a:t>Schema4</a:t>
+                </a:r>
+                <a:endParaRPr lang="es-ES" sz="800" b="1" dirty="0">
+                  <a:solidFill>
+                    <a:schemeClr val="bg1"/>
+                  </a:solidFill>
+                  <a:latin typeface="Montserrat" panose="00000500000000000000" pitchFamily="2" charset="0"/>
+                </a:endParaRPr>
+              </a:p>
+            </p:txBody>
+          </p:sp>
+        </p:grpSp>
+        <p:cxnSp>
+          <p:nvCxnSpPr>
+            <p:cNvPr id="63" name="Conector recto de flecha 27">
+              <a:extLst>
+                <a:ext uri="{FF2B5EF4-FFF2-40B4-BE49-F238E27FC236}">
+                  <a16:creationId xmlns:a16="http://schemas.microsoft.com/office/drawing/2014/main" id="{4E0452A6-9121-5750-F883-98436C6DE686}"/>
+                </a:ext>
+              </a:extLst>
+            </p:cNvPr>
+            <p:cNvCxnSpPr>
+              <a:cxnSpLocks/>
+              <a:stCxn id="5" idx="2"/>
+              <a:endCxn id="55" idx="0"/>
+            </p:cNvCxnSpPr>
+            <p:nvPr/>
+          </p:nvCxnSpPr>
+          <p:spPr>
+            <a:xfrm rot="16200000" flipH="1">
+              <a:off x="3715716" y="2661329"/>
+              <a:ext cx="322854" cy="1059452"/>
+            </a:xfrm>
+            <a:prstGeom prst="bentConnector3">
+              <a:avLst>
+                <a:gd name="adj1" fmla="val 50000"/>
+              </a:avLst>
+            </a:prstGeom>
+            <a:ln>
+              <a:solidFill>
+                <a:schemeClr val="tx1">
+                  <a:lumMod val="95000"/>
+                  <a:lumOff val="5000"/>
+                </a:schemeClr>
+              </a:solidFill>
+              <a:tailEnd type="triangle"/>
+            </a:ln>
+          </p:spPr>
+          <p:style>
+            <a:lnRef idx="1">
+              <a:schemeClr val="accent1"/>
+            </a:lnRef>
+            <a:fillRef idx="0">
+              <a:schemeClr val="accent1"/>
+            </a:fillRef>
+            <a:effectRef idx="0">
+              <a:schemeClr val="accent1"/>
+            </a:effectRef>
+            <a:fontRef idx="minor">
+              <a:schemeClr val="tx1"/>
+            </a:fontRef>
+          </p:style>
+        </p:cxnSp>
+        <p:cxnSp>
+          <p:nvCxnSpPr>
+            <p:cNvPr id="66" name="Conector recto de flecha 28">
+              <a:extLst>
+                <a:ext uri="{FF2B5EF4-FFF2-40B4-BE49-F238E27FC236}">
+                  <a16:creationId xmlns:a16="http://schemas.microsoft.com/office/drawing/2014/main" id="{E3FA3043-814E-B05F-752A-4A65F06331A8}"/>
+                </a:ext>
+              </a:extLst>
+            </p:cNvPr>
+            <p:cNvCxnSpPr>
+              <a:cxnSpLocks/>
+              <a:stCxn id="55" idx="2"/>
+              <a:endCxn id="62" idx="1"/>
+            </p:cNvCxnSpPr>
+            <p:nvPr/>
+          </p:nvCxnSpPr>
+          <p:spPr>
+            <a:xfrm rot="16200000" flipH="1">
+              <a:off x="3944100" y="4175291"/>
+              <a:ext cx="1336468" cy="410930"/>
+            </a:xfrm>
+            <a:prstGeom prst="bentConnector2">
+              <a:avLst/>
+            </a:prstGeom>
+            <a:ln>
+              <a:solidFill>
+                <a:schemeClr val="tx1">
+                  <a:lumMod val="95000"/>
+                  <a:lumOff val="5000"/>
+                </a:schemeClr>
+              </a:solidFill>
+              <a:tailEnd type="triangle"/>
+            </a:ln>
+          </p:spPr>
+          <p:style>
+            <a:lnRef idx="1">
+              <a:schemeClr val="accent1"/>
+            </a:lnRef>
+            <a:fillRef idx="0">
+              <a:schemeClr val="accent1"/>
+            </a:fillRef>
+            <a:effectRef idx="0">
+              <a:schemeClr val="accent1"/>
+            </a:effectRef>
+            <a:fontRef idx="minor">
+              <a:schemeClr val="tx1"/>
+            </a:fontRef>
+          </p:style>
+        </p:cxnSp>
+        <p:cxnSp>
+          <p:nvCxnSpPr>
+            <p:cNvPr id="69" name="Conector recto de flecha 28">
+              <a:extLst>
+                <a:ext uri="{FF2B5EF4-FFF2-40B4-BE49-F238E27FC236}">
+                  <a16:creationId xmlns:a16="http://schemas.microsoft.com/office/drawing/2014/main" id="{09857082-ECB3-0A50-4A78-8F58C1690072}"/>
+                </a:ext>
+              </a:extLst>
+            </p:cNvPr>
+            <p:cNvCxnSpPr>
+              <a:cxnSpLocks/>
+              <a:stCxn id="55" idx="2"/>
+              <a:endCxn id="59" idx="1"/>
+            </p:cNvCxnSpPr>
+            <p:nvPr/>
+          </p:nvCxnSpPr>
+          <p:spPr>
+            <a:xfrm rot="16200000" flipH="1">
+              <a:off x="4326757" y="3792634"/>
+              <a:ext cx="583612" cy="423388"/>
+            </a:xfrm>
+            <a:prstGeom prst="bentConnector2">
+              <a:avLst/>
+            </a:prstGeom>
+            <a:ln>
+              <a:solidFill>
+                <a:schemeClr val="tx1">
+                  <a:lumMod val="95000"/>
+                  <a:lumOff val="5000"/>
+                </a:schemeClr>
+              </a:solidFill>
+              <a:tailEnd type="triangle"/>
+            </a:ln>
+          </p:spPr>
+          <p:style>
+            <a:lnRef idx="1">
+              <a:schemeClr val="accent1"/>
+            </a:lnRef>
+            <a:fillRef idx="0">
+              <a:schemeClr val="accent1"/>
+            </a:fillRef>
+            <a:effectRef idx="0">
+              <a:schemeClr val="accent1"/>
+            </a:effectRef>
+            <a:fontRef idx="minor">
+              <a:schemeClr val="tx1"/>
+            </a:fontRef>
+          </p:style>
+        </p:cxnSp>
+        <p:sp>
+          <p:nvSpPr>
+            <p:cNvPr id="73" name="CuadroTexto 72">
+              <a:extLst>
+                <a:ext uri="{FF2B5EF4-FFF2-40B4-BE49-F238E27FC236}">
+                  <a16:creationId xmlns:a16="http://schemas.microsoft.com/office/drawing/2014/main" id="{12E00CF5-9E1A-CE16-B573-773F93414939}"/>
+                </a:ext>
+              </a:extLst>
+            </p:cNvPr>
+            <p:cNvSpPr txBox="1"/>
+            <p:nvPr/>
+          </p:nvSpPr>
+          <p:spPr>
+            <a:xfrm>
+              <a:off x="5201662" y="2562187"/>
+              <a:ext cx="1253911" cy="215444"/>
+            </a:xfrm>
+            <a:prstGeom prst="rect">
+              <a:avLst/>
+            </a:prstGeom>
+            <a:noFill/>
+          </p:spPr>
+          <p:txBody>
+            <a:bodyPr wrap="square" rtlCol="0">
+              <a:spAutoFit/>
+            </a:bodyPr>
+            <a:lstStyle/>
+            <a:p>
+              <a:r>
+                <a:rPr lang="es-ES" sz="800" b="1" dirty="0" err="1">
+                  <a:solidFill>
+                    <a:schemeClr val="bg1"/>
+                  </a:solidFill>
+                  <a:latin typeface="Montserrat" panose="00000500000000000000" pitchFamily="2" charset="0"/>
+                </a:rPr>
+                <a:t>Metastore</a:t>
+              </a:r>
+              <a:r>
+                <a:rPr lang="es-ES" sz="800" b="1" dirty="0">
+                  <a:solidFill>
+                    <a:schemeClr val="bg1"/>
+                  </a:solidFill>
+                  <a:latin typeface="Montserrat" panose="00000500000000000000" pitchFamily="2" charset="0"/>
+                </a:rPr>
+                <a:t> </a:t>
+              </a:r>
+              <a:r>
+                <a:rPr lang="es-ES" sz="800" b="1" dirty="0" err="1">
+                  <a:solidFill>
+                    <a:schemeClr val="bg1"/>
+                  </a:solidFill>
+                  <a:latin typeface="Montserrat" panose="00000500000000000000" pitchFamily="2" charset="0"/>
+                </a:rPr>
+                <a:t>Admin</a:t>
+              </a:r>
+              <a:endParaRPr lang="es-ES" sz="800" b="1" dirty="0">
+                <a:solidFill>
+                  <a:schemeClr val="bg1"/>
+                </a:solidFill>
+                <a:latin typeface="Montserrat" panose="00000500000000000000" pitchFamily="2" charset="0"/>
+              </a:endParaRPr>
+            </a:p>
+          </p:txBody>
+        </p:sp>
+        <p:sp>
+          <p:nvSpPr>
+            <p:cNvPr id="74" name="Rectángulo 73">
+              <a:extLst>
+                <a:ext uri="{FF2B5EF4-FFF2-40B4-BE49-F238E27FC236}">
+                  <a16:creationId xmlns:a16="http://schemas.microsoft.com/office/drawing/2014/main" id="{E12C7E6E-BA33-0C95-35C6-34BD6DAB85DE}"/>
+                </a:ext>
+              </a:extLst>
+            </p:cNvPr>
+            <p:cNvSpPr/>
+            <p:nvPr/>
+          </p:nvSpPr>
+          <p:spPr>
+            <a:xfrm>
+              <a:off x="1068831" y="3313112"/>
+              <a:ext cx="2278585" cy="2132112"/>
+            </a:xfrm>
+            <a:prstGeom prst="rect">
+              <a:avLst/>
+            </a:prstGeom>
+            <a:noFill/>
+            <a:ln>
+              <a:solidFill>
+                <a:srgbClr val="FFFF00"/>
+              </a:solidFill>
+              <a:prstDash val="dash"/>
+            </a:ln>
+          </p:spPr>
+          <p:style>
+            <a:lnRef idx="2">
+              <a:schemeClr val="accent1">
+                <a:shade val="15000"/>
+              </a:schemeClr>
+            </a:lnRef>
+            <a:fillRef idx="1">
+              <a:schemeClr val="accent1"/>
+            </a:fillRef>
+            <a:effectRef idx="0">
+              <a:schemeClr val="accent1"/>
+            </a:effectRef>
+            <a:fontRef idx="minor">
+              <a:schemeClr val="lt1"/>
+            </a:fontRef>
+          </p:style>
+          <p:txBody>
+            <a:bodyPr rtlCol="0" anchor="ctr"/>
+            <a:lstStyle/>
+            <a:p>
+              <a:pPr algn="ctr"/>
+              <a:endParaRPr lang="es-ES" dirty="0">
+                <a:highlight>
+                  <a:srgbClr val="FFFF00"/>
+                </a:highlight>
+              </a:endParaRPr>
+            </a:p>
+          </p:txBody>
+        </p:sp>
+        <p:sp>
+          <p:nvSpPr>
+            <p:cNvPr id="75" name="CuadroTexto 74">
+              <a:extLst>
+                <a:ext uri="{FF2B5EF4-FFF2-40B4-BE49-F238E27FC236}">
+                  <a16:creationId xmlns:a16="http://schemas.microsoft.com/office/drawing/2014/main" id="{61993BFA-449C-70A3-DBCD-D34324CEEF03}"/>
+                </a:ext>
+              </a:extLst>
+            </p:cNvPr>
+            <p:cNvSpPr txBox="1"/>
+            <p:nvPr/>
+          </p:nvSpPr>
+          <p:spPr>
+            <a:xfrm>
+              <a:off x="1106711" y="5168972"/>
+              <a:ext cx="1054897" cy="215444"/>
+            </a:xfrm>
+            <a:prstGeom prst="rect">
+              <a:avLst/>
+            </a:prstGeom>
+            <a:noFill/>
+          </p:spPr>
+          <p:txBody>
+            <a:bodyPr wrap="square" rtlCol="0">
+              <a:spAutoFit/>
+            </a:bodyPr>
+            <a:lstStyle/>
+            <a:p>
+              <a:r>
+                <a:rPr lang="es-ES" sz="800" b="1" dirty="0" err="1">
+                  <a:solidFill>
+                    <a:srgbClr val="FFFF00"/>
+                  </a:solidFill>
+                  <a:latin typeface="Montserrat" panose="00000500000000000000" pitchFamily="2" charset="0"/>
+                </a:rPr>
+                <a:t>Catalog</a:t>
+              </a:r>
+              <a:r>
+                <a:rPr lang="es-ES" sz="800" b="1" dirty="0">
+                  <a:solidFill>
+                    <a:srgbClr val="FFFF00"/>
+                  </a:solidFill>
+                  <a:latin typeface="Montserrat" panose="00000500000000000000" pitchFamily="2" charset="0"/>
+                </a:rPr>
+                <a:t> </a:t>
+              </a:r>
+              <a:r>
+                <a:rPr lang="es-ES" sz="800" b="1" dirty="0" err="1">
+                  <a:solidFill>
+                    <a:srgbClr val="FFFF00"/>
+                  </a:solidFill>
+                  <a:latin typeface="Montserrat" panose="00000500000000000000" pitchFamily="2" charset="0"/>
+                </a:rPr>
+                <a:t>Admin</a:t>
+              </a:r>
+              <a:endParaRPr lang="es-ES" sz="800" b="1" dirty="0">
+                <a:solidFill>
+                  <a:srgbClr val="FFFF00"/>
+                </a:solidFill>
+                <a:latin typeface="Montserrat" panose="00000500000000000000" pitchFamily="2" charset="0"/>
+              </a:endParaRPr>
+            </a:p>
+          </p:txBody>
+        </p:sp>
+        <p:grpSp>
+          <p:nvGrpSpPr>
+            <p:cNvPr id="76" name="Grupo 75">
+              <a:extLst>
+                <a:ext uri="{FF2B5EF4-FFF2-40B4-BE49-F238E27FC236}">
+                  <a16:creationId xmlns:a16="http://schemas.microsoft.com/office/drawing/2014/main" id="{49BFB6C0-8F26-3920-1DD1-F782C6AAEFFB}"/>
+                </a:ext>
+              </a:extLst>
+            </p:cNvPr>
+            <p:cNvGrpSpPr/>
+            <p:nvPr/>
+          </p:nvGrpSpPr>
+          <p:grpSpPr>
+            <a:xfrm>
+              <a:off x="2411312" y="1830521"/>
+              <a:ext cx="1872208" cy="360040"/>
+              <a:chOff x="2953967" y="1988840"/>
+              <a:chExt cx="896578" cy="507668"/>
+            </a:xfrm>
+          </p:grpSpPr>
+          <p:sp>
+            <p:nvSpPr>
+              <p:cNvPr id="77" name="Google Shape;2204;p106">
+                <a:extLst>
+                  <a:ext uri="{FF2B5EF4-FFF2-40B4-BE49-F238E27FC236}">
+                    <a16:creationId xmlns:a16="http://schemas.microsoft.com/office/drawing/2014/main" id="{81087DFE-87BB-61DC-CBDB-C8B4A2CF12FC}"/>
+                  </a:ext>
+                </a:extLst>
+              </p:cNvPr>
+              <p:cNvSpPr/>
+              <p:nvPr/>
+            </p:nvSpPr>
+            <p:spPr>
+              <a:xfrm>
+                <a:off x="2991325" y="1988840"/>
+                <a:ext cx="821863" cy="507668"/>
+              </a:xfrm>
+              <a:prstGeom prst="rect">
+                <a:avLst/>
+              </a:prstGeom>
+              <a:solidFill>
+                <a:srgbClr val="203864"/>
+              </a:solidFill>
+              <a:ln>
+                <a:noFill/>
+              </a:ln>
+            </p:spPr>
+            <p:txBody>
+              <a:bodyPr spcFirstLastPara="1" wrap="square" lIns="91425" tIns="38100" rIns="1097275" bIns="38100" anchor="ctr" anchorCtr="0">
+                <a:noAutofit/>
+              </a:bodyPr>
+              <a:lstStyle/>
+              <a:p>
+                <a:pPr marL="0" marR="0" lvl="0" indent="0" algn="ctr" rtl="0">
+                  <a:spcBef>
+                    <a:spcPts val="0"/>
+                  </a:spcBef>
+                  <a:spcAft>
+                    <a:spcPts val="0"/>
+                  </a:spcAft>
+                  <a:buNone/>
+                </a:pPr>
+                <a:endParaRPr sz="800" dirty="0">
+                  <a:latin typeface="Montserrat"/>
+                  <a:ea typeface="Montserrat"/>
+                  <a:cs typeface="Montserrat"/>
+                  <a:sym typeface="Montserrat"/>
+                </a:endParaRPr>
+              </a:p>
+            </p:txBody>
+          </p:sp>
+          <p:sp>
+            <p:nvSpPr>
+              <p:cNvPr id="78" name="CuadroTexto 77">
+                <a:extLst>
+                  <a:ext uri="{FF2B5EF4-FFF2-40B4-BE49-F238E27FC236}">
+                    <a16:creationId xmlns:a16="http://schemas.microsoft.com/office/drawing/2014/main" id="{15C2E9AC-1F8D-7D57-A3A5-C3F547EE9548}"/>
+                  </a:ext>
+                </a:extLst>
+              </p:cNvPr>
+              <p:cNvSpPr txBox="1"/>
+              <p:nvPr/>
+            </p:nvSpPr>
+            <p:spPr>
+              <a:xfrm>
+                <a:off x="2953967" y="2085668"/>
+                <a:ext cx="896578" cy="303783"/>
+              </a:xfrm>
+              <a:prstGeom prst="rect">
+                <a:avLst/>
+              </a:prstGeom>
+              <a:noFill/>
+            </p:spPr>
+            <p:txBody>
+              <a:bodyPr wrap="square">
+                <a:spAutoFit/>
+              </a:bodyPr>
+              <a:lstStyle/>
+              <a:p>
+                <a:pPr algn="ctr"/>
+                <a:r>
+                  <a:rPr lang="es-ES" sz="800" b="1" i="0" dirty="0">
+                    <a:solidFill>
+                      <a:schemeClr val="bg1"/>
+                    </a:solidFill>
+                    <a:effectLst/>
+                    <a:latin typeface="Montserrat" panose="00000500000000000000" pitchFamily="2" charset="0"/>
+                  </a:rPr>
+                  <a:t>Unity </a:t>
+                </a:r>
+                <a:r>
+                  <a:rPr lang="es-ES" sz="800" b="1" i="0" dirty="0" err="1">
+                    <a:solidFill>
+                      <a:schemeClr val="bg1"/>
+                    </a:solidFill>
+                    <a:effectLst/>
+                    <a:latin typeface="Montserrat" panose="00000500000000000000" pitchFamily="2" charset="0"/>
+                  </a:rPr>
+                  <a:t>Catalog</a:t>
+                </a:r>
+                <a:endParaRPr lang="es-ES" sz="800" b="1" dirty="0">
+                  <a:solidFill>
+                    <a:schemeClr val="bg1"/>
+                  </a:solidFill>
+                  <a:latin typeface="Montserrat" panose="00000500000000000000" pitchFamily="2" charset="0"/>
+                </a:endParaRPr>
+              </a:p>
+            </p:txBody>
+          </p:sp>
+        </p:grpSp>
+        <p:cxnSp>
+          <p:nvCxnSpPr>
+            <p:cNvPr id="79" name="Conector recto de flecha 27">
+              <a:extLst>
+                <a:ext uri="{FF2B5EF4-FFF2-40B4-BE49-F238E27FC236}">
+                  <a16:creationId xmlns:a16="http://schemas.microsoft.com/office/drawing/2014/main" id="{A7AB87B4-1A0E-3FE9-73E4-5622DB979351}"/>
+                </a:ext>
+              </a:extLst>
+            </p:cNvPr>
+            <p:cNvCxnSpPr>
+              <a:cxnSpLocks/>
+              <a:stCxn id="77" idx="2"/>
+              <a:endCxn id="5" idx="0"/>
+            </p:cNvCxnSpPr>
+            <p:nvPr/>
+          </p:nvCxnSpPr>
+          <p:spPr>
+            <a:xfrm rot="5400000">
+              <a:off x="3107904" y="2430074"/>
+              <a:ext cx="479027" cy="12700"/>
+            </a:xfrm>
+            <a:prstGeom prst="bentConnector3">
+              <a:avLst>
+                <a:gd name="adj1" fmla="val 50000"/>
+              </a:avLst>
+            </a:prstGeom>
+            <a:ln>
+              <a:solidFill>
+                <a:schemeClr val="tx1">
+                  <a:lumMod val="95000"/>
+                  <a:lumOff val="5000"/>
+                </a:schemeClr>
+              </a:solidFill>
+              <a:tailEnd type="triangle"/>
+            </a:ln>
+          </p:spPr>
+          <p:style>
+            <a:lnRef idx="1">
+              <a:schemeClr val="accent1"/>
+            </a:lnRef>
+            <a:fillRef idx="0">
+              <a:schemeClr val="accent1"/>
+            </a:fillRef>
+            <a:effectRef idx="0">
+              <a:schemeClr val="accent1"/>
+            </a:effectRef>
+            <a:fontRef idx="minor">
+              <a:schemeClr val="tx1"/>
+            </a:fontRef>
+          </p:style>
+        </p:cxnSp>
+        <p:cxnSp>
+          <p:nvCxnSpPr>
+            <p:cNvPr id="84" name="Conector recto 83">
+              <a:extLst>
+                <a:ext uri="{FF2B5EF4-FFF2-40B4-BE49-F238E27FC236}">
+                  <a16:creationId xmlns:a16="http://schemas.microsoft.com/office/drawing/2014/main" id="{CC0EAC93-8EA2-2B9A-170A-AD530BD82821}"/>
+                </a:ext>
+              </a:extLst>
+            </p:cNvPr>
+            <p:cNvCxnSpPr/>
+            <p:nvPr/>
+          </p:nvCxnSpPr>
+          <p:spPr>
+            <a:xfrm flipV="1">
+              <a:off x="5796136" y="2114636"/>
+              <a:ext cx="1008112" cy="447551"/>
+            </a:xfrm>
+            <a:prstGeom prst="line">
+              <a:avLst/>
+            </a:prstGeom>
+            <a:ln>
+              <a:solidFill>
+                <a:schemeClr val="tx1">
+                  <a:lumMod val="95000"/>
+                  <a:lumOff val="5000"/>
+                </a:schemeClr>
+              </a:solidFill>
+            </a:ln>
+          </p:spPr>
+          <p:style>
+            <a:lnRef idx="1">
+              <a:schemeClr val="accent1"/>
+            </a:lnRef>
+            <a:fillRef idx="0">
+              <a:schemeClr val="accent1"/>
+            </a:fillRef>
+            <a:effectRef idx="0">
+              <a:schemeClr val="accent1"/>
+            </a:effectRef>
+            <a:fontRef idx="minor">
+              <a:schemeClr val="tx1"/>
+            </a:fontRef>
+          </p:style>
+        </p:cxnSp>
+      </p:grpSp>
+      <p:sp>
+        <p:nvSpPr>
+          <p:cNvPr id="86" name="CuadroTexto 85">
+            <a:extLst>
+              <a:ext uri="{FF2B5EF4-FFF2-40B4-BE49-F238E27FC236}">
+                <a16:creationId xmlns:a16="http://schemas.microsoft.com/office/drawing/2014/main" id="{6E17ADA6-9748-3334-9472-AC3D527B062F}"/>
+              </a:ext>
+            </a:extLst>
+          </p:cNvPr>
+          <p:cNvSpPr txBox="1"/>
+          <p:nvPr/>
+        </p:nvSpPr>
+        <p:spPr>
+          <a:xfrm>
+            <a:off x="7092280" y="1610654"/>
+            <a:ext cx="1625474" cy="461665"/>
+          </a:xfrm>
+          <a:prstGeom prst="rect">
+            <a:avLst/>
+          </a:prstGeom>
+          <a:noFill/>
+        </p:spPr>
+        <p:txBody>
+          <a:bodyPr wrap="square" rtlCol="0">
+            <a:spAutoFit/>
+          </a:bodyPr>
+          <a:lstStyle/>
+          <a:p>
+            <a:r>
+              <a:rPr lang="es-ES" sz="800" dirty="0">
+                <a:latin typeface="Montserrat" panose="00000500000000000000" pitchFamily="2" charset="0"/>
+              </a:rPr>
+              <a:t>Tiene Full Access sobre el </a:t>
+            </a:r>
+            <a:r>
+              <a:rPr lang="es-ES" sz="800" dirty="0" err="1">
+                <a:latin typeface="Montserrat" panose="00000500000000000000" pitchFamily="2" charset="0"/>
+              </a:rPr>
+              <a:t>Metastore</a:t>
+            </a:r>
+            <a:r>
+              <a:rPr lang="es-ES" sz="800" dirty="0">
+                <a:latin typeface="Montserrat" panose="00000500000000000000" pitchFamily="2" charset="0"/>
+              </a:rPr>
+              <a:t>, pero no acceso sobre datos salvo se le dé.</a:t>
+            </a:r>
+          </a:p>
+        </p:txBody>
+      </p:sp>
+      <p:sp>
+        <p:nvSpPr>
+          <p:cNvPr id="87" name="CuadroTexto 86">
+            <a:extLst>
+              <a:ext uri="{FF2B5EF4-FFF2-40B4-BE49-F238E27FC236}">
+                <a16:creationId xmlns:a16="http://schemas.microsoft.com/office/drawing/2014/main" id="{090D1674-BC9B-1564-58B1-96D6941BEEF7}"/>
+              </a:ext>
+            </a:extLst>
+          </p:cNvPr>
+          <p:cNvSpPr txBox="1"/>
+          <p:nvPr/>
+        </p:nvSpPr>
+        <p:spPr>
+          <a:xfrm>
+            <a:off x="265685" y="4637342"/>
+            <a:ext cx="1625474" cy="461665"/>
+          </a:xfrm>
+          <a:prstGeom prst="rect">
+            <a:avLst/>
+          </a:prstGeom>
+          <a:noFill/>
+        </p:spPr>
+        <p:txBody>
+          <a:bodyPr wrap="square" rtlCol="0">
+            <a:spAutoFit/>
+          </a:bodyPr>
+          <a:lstStyle/>
+          <a:p>
+            <a:r>
+              <a:rPr lang="es-ES" sz="800" dirty="0">
+                <a:latin typeface="Montserrat" panose="00000500000000000000" pitchFamily="2" charset="0"/>
+              </a:rPr>
+              <a:t>Puede crear </a:t>
+            </a:r>
+            <a:r>
+              <a:rPr lang="es-ES" sz="800" dirty="0" err="1">
+                <a:latin typeface="Montserrat" panose="00000500000000000000" pitchFamily="2" charset="0"/>
+              </a:rPr>
+              <a:t>schemas</a:t>
+            </a:r>
+            <a:r>
+              <a:rPr lang="es-ES" sz="800" dirty="0">
+                <a:latin typeface="Montserrat" panose="00000500000000000000" pitchFamily="2" charset="0"/>
+              </a:rPr>
+              <a:t> y manejar los accesos en Catalogo1 </a:t>
+            </a:r>
+          </a:p>
+        </p:txBody>
+      </p:sp>
+      <p:cxnSp>
+        <p:nvCxnSpPr>
+          <p:cNvPr id="89" name="Conector recto 88">
+            <a:extLst>
+              <a:ext uri="{FF2B5EF4-FFF2-40B4-BE49-F238E27FC236}">
+                <a16:creationId xmlns:a16="http://schemas.microsoft.com/office/drawing/2014/main" id="{DE0A6BC5-D6EF-962C-A999-3DE369EA97D3}"/>
+              </a:ext>
+            </a:extLst>
+          </p:cNvPr>
+          <p:cNvCxnSpPr>
+            <a:cxnSpLocks/>
+            <a:stCxn id="87" idx="2"/>
+          </p:cNvCxnSpPr>
+          <p:nvPr/>
+        </p:nvCxnSpPr>
+        <p:spPr>
+          <a:xfrm>
+            <a:off x="1078422" y="5099007"/>
+            <a:ext cx="981654" cy="126140"/>
+          </a:xfrm>
+          <a:prstGeom prst="line">
+            <a:avLst/>
+          </a:prstGeom>
+          <a:ln>
+            <a:solidFill>
+              <a:schemeClr val="tx1">
+                <a:lumMod val="95000"/>
+                <a:lumOff val="5000"/>
+              </a:schemeClr>
+            </a:solidFill>
+          </a:ln>
+        </p:spPr>
+        <p:style>
+          <a:lnRef idx="1">
+            <a:schemeClr val="accent1"/>
+          </a:lnRef>
+          <a:fillRef idx="0">
+            <a:schemeClr val="accent1"/>
+          </a:fillRef>
+          <a:effectRef idx="0">
+            <a:schemeClr val="accent1"/>
+          </a:effectRef>
+          <a:fontRef idx="minor">
+            <a:schemeClr val="tx1"/>
+          </a:fontRef>
+        </p:style>
+      </p:cxnSp>
+      <p:sp>
+        <p:nvSpPr>
+          <p:cNvPr id="93" name="Rectángulo: esquinas redondeadas 92">
+            <a:extLst>
+              <a:ext uri="{FF2B5EF4-FFF2-40B4-BE49-F238E27FC236}">
+                <a16:creationId xmlns:a16="http://schemas.microsoft.com/office/drawing/2014/main" id="{AA7B30A2-DACD-5E4B-2369-BAA827300FFE}"/>
+              </a:ext>
+            </a:extLst>
+          </p:cNvPr>
+          <p:cNvSpPr/>
+          <p:nvPr/>
+        </p:nvSpPr>
+        <p:spPr>
+          <a:xfrm>
+            <a:off x="260131" y="1268761"/>
+            <a:ext cx="2727693" cy="621996"/>
+          </a:xfrm>
+          <a:prstGeom prst="roundRect">
+            <a:avLst/>
+          </a:prstGeom>
+          <a:solidFill>
+            <a:schemeClr val="accent6">
+              <a:lumMod val="20000"/>
+              <a:lumOff val="80000"/>
+            </a:schemeClr>
+          </a:solidFill>
+          <a:ln>
+            <a:solidFill>
+              <a:schemeClr val="bg1">
+                <a:lumMod val="85000"/>
+              </a:schemeClr>
+            </a:solidFill>
+          </a:ln>
+        </p:spPr>
+        <p:style>
+          <a:lnRef idx="2">
+            <a:schemeClr val="accent1">
+              <a:shade val="15000"/>
+            </a:schemeClr>
+          </a:lnRef>
+          <a:fillRef idx="1">
+            <a:schemeClr val="accent1"/>
+          </a:fillRef>
+          <a:effectRef idx="0">
+            <a:schemeClr val="accent1"/>
+          </a:effectRef>
+          <a:fontRef idx="minor">
+            <a:schemeClr val="lt1"/>
+          </a:fontRef>
+        </p:style>
+        <p:txBody>
+          <a:bodyPr rtlCol="0" anchor="ctr"/>
+          <a:lstStyle/>
+          <a:p>
+            <a:pPr algn="ctr"/>
+            <a:endParaRPr lang="es-ES" sz="1050" dirty="0">
+              <a:solidFill>
+                <a:schemeClr val="tx1"/>
+              </a:solidFill>
+            </a:endParaRPr>
+          </a:p>
+        </p:txBody>
+      </p:sp>
+      <p:pic>
+        <p:nvPicPr>
+          <p:cNvPr id="95" name="Gráfico 94" descr="Estrella con relleno sólido">
+            <a:extLst>
+              <a:ext uri="{FF2B5EF4-FFF2-40B4-BE49-F238E27FC236}">
+                <a16:creationId xmlns:a16="http://schemas.microsoft.com/office/drawing/2014/main" id="{2B790DAD-0612-6360-7EAB-1714BF2FF85D}"/>
+              </a:ext>
+            </a:extLst>
+          </p:cNvPr>
+          <p:cNvPicPr>
+            <a:picLocks noChangeAspect="1"/>
+          </p:cNvPicPr>
+          <p:nvPr/>
+        </p:nvPicPr>
+        <p:blipFill>
+          <a:blip r:embed="rId3">
+            <a:extLst>
+              <a:ext uri="{96DAC541-7B7A-43D3-8B79-37D633B846F1}">
+                <asvg:svgBlip xmlns:asvg="http://schemas.microsoft.com/office/drawing/2016/SVG/main" r:embed="rId4"/>
+              </a:ext>
+            </a:extLst>
+          </a:blip>
+          <a:stretch>
+            <a:fillRect/>
+          </a:stretch>
+        </p:blipFill>
+        <p:spPr>
+          <a:xfrm>
+            <a:off x="330673" y="1446110"/>
+            <a:ext cx="93876" cy="91302"/>
+          </a:xfrm>
+          <a:prstGeom prst="rect">
+            <a:avLst/>
+          </a:prstGeom>
+        </p:spPr>
+      </p:pic>
+      <p:sp>
+        <p:nvSpPr>
+          <p:cNvPr id="96" name="CuadroTexto 95">
+            <a:extLst>
+              <a:ext uri="{FF2B5EF4-FFF2-40B4-BE49-F238E27FC236}">
+                <a16:creationId xmlns:a16="http://schemas.microsoft.com/office/drawing/2014/main" id="{E3C176E9-E3FC-C324-FC55-9836E142422D}"/>
+              </a:ext>
+            </a:extLst>
+          </p:cNvPr>
+          <p:cNvSpPr txBox="1"/>
+          <p:nvPr/>
+        </p:nvSpPr>
+        <p:spPr>
+          <a:xfrm>
+            <a:off x="361384" y="1251222"/>
+            <a:ext cx="2626440" cy="600164"/>
+          </a:xfrm>
+          <a:prstGeom prst="rect">
+            <a:avLst/>
+          </a:prstGeom>
+          <a:noFill/>
+        </p:spPr>
+        <p:txBody>
+          <a:bodyPr wrap="square" rtlCol="0">
+            <a:spAutoFit/>
+          </a:bodyPr>
+          <a:lstStyle/>
+          <a:p>
+            <a:pPr algn="ctr"/>
+            <a:r>
+              <a:rPr lang="es-ES" sz="900" b="1" dirty="0" err="1">
+                <a:latin typeface="Montserrat" panose="00000500000000000000" pitchFamily="2" charset="0"/>
+              </a:rPr>
+              <a:t>Best</a:t>
+            </a:r>
+            <a:r>
+              <a:rPr lang="es-ES" sz="900" b="1" dirty="0">
+                <a:latin typeface="Montserrat" panose="00000500000000000000" pitchFamily="2" charset="0"/>
+              </a:rPr>
+              <a:t> </a:t>
+            </a:r>
+            <a:r>
+              <a:rPr lang="es-ES" sz="900" b="1" dirty="0" err="1">
+                <a:latin typeface="Montserrat" panose="00000500000000000000" pitchFamily="2" charset="0"/>
+              </a:rPr>
+              <a:t>Practise</a:t>
+            </a:r>
+            <a:r>
+              <a:rPr lang="es-ES" sz="900" b="1" dirty="0">
+                <a:latin typeface="Montserrat" panose="00000500000000000000" pitchFamily="2" charset="0"/>
+              </a:rPr>
+              <a:t>!</a:t>
+            </a:r>
+          </a:p>
+          <a:p>
+            <a:r>
+              <a:rPr lang="es-ES" sz="800" dirty="0">
+                <a:latin typeface="Montserrat" panose="00000500000000000000" pitchFamily="2" charset="0"/>
+              </a:rPr>
+              <a:t>Asignar Roles a grupos</a:t>
+            </a:r>
+          </a:p>
+          <a:p>
+            <a:r>
+              <a:rPr lang="es-ES" sz="800" dirty="0">
+                <a:latin typeface="Montserrat" panose="00000500000000000000" pitchFamily="2" charset="0"/>
+              </a:rPr>
+              <a:t>Alinear la asignación de roles con el enfoque de la organización en gobernanza</a:t>
+            </a:r>
+          </a:p>
+        </p:txBody>
+      </p:sp>
+      <p:pic>
+        <p:nvPicPr>
+          <p:cNvPr id="97" name="Gráfico 96" descr="Estrella con relleno sólido">
+            <a:extLst>
+              <a:ext uri="{FF2B5EF4-FFF2-40B4-BE49-F238E27FC236}">
+                <a16:creationId xmlns:a16="http://schemas.microsoft.com/office/drawing/2014/main" id="{D79F3992-34AB-04A2-7FBE-529C8DFEEECB}"/>
+              </a:ext>
+            </a:extLst>
+          </p:cNvPr>
+          <p:cNvPicPr>
+            <a:picLocks noChangeAspect="1"/>
+          </p:cNvPicPr>
+          <p:nvPr/>
+        </p:nvPicPr>
+        <p:blipFill>
+          <a:blip r:embed="rId3">
+            <a:extLst>
+              <a:ext uri="{96DAC541-7B7A-43D3-8B79-37D633B846F1}">
+                <asvg:svgBlip xmlns:asvg="http://schemas.microsoft.com/office/drawing/2016/SVG/main" r:embed="rId4"/>
+              </a:ext>
+            </a:extLst>
+          </a:blip>
+          <a:stretch>
+            <a:fillRect/>
+          </a:stretch>
+        </p:blipFill>
+        <p:spPr>
+          <a:xfrm>
+            <a:off x="330673" y="1573778"/>
+            <a:ext cx="93876" cy="91302"/>
+          </a:xfrm>
+          <a:prstGeom prst="rect">
+            <a:avLst/>
+          </a:prstGeom>
+        </p:spPr>
+      </p:pic>
+    </p:spTree>
+    <p:extLst>
+      <p:ext uri="{BB962C8B-B14F-4D97-AF65-F5344CB8AC3E}">
+        <p14:creationId xmlns:p14="http://schemas.microsoft.com/office/powerpoint/2010/main" val="559974352"/>
+      </p:ext>
+    </p:extLst>
+  </p:cSld>
+  <p:clrMapOvr>
+    <a:masterClrMapping/>
+  </p:clrMapOvr>
+</p:sld>
+</file>
+
+<file path=ppt/slides/slide12.xml><?xml version="1.0" encoding="utf-8"?>
+<p:sld xmlns:a="http://schemas.openxmlformats.org/drawingml/2006/main" xmlns:r="http://schemas.openxmlformats.org/officeDocument/2006/relationships" xmlns:p="http://schemas.openxmlformats.org/presentationml/2006/main">
+  <p:cSld>
+    <p:spTree>
+      <p:nvGrpSpPr>
+        <p:cNvPr id="1" name=""/>
+        <p:cNvGrpSpPr/>
+        <p:nvPr/>
+      </p:nvGrpSpPr>
+      <p:grpSpPr>
+        <a:xfrm>
+          <a:off x="0" y="0"/>
+          <a:ext cx="0" cy="0"/>
+          <a:chOff x="0" y="0"/>
+          <a:chExt cx="0" cy="0"/>
+        </a:xfrm>
+      </p:grpSpPr>
       <p:sp>
         <p:nvSpPr>
           <p:cNvPr id="2" name="Título 1">
@@ -5302,7 +10836,7 @@
 </p:sld>
 </file>
 
-<file path=ppt/slides/slide11.xml><?xml version="1.0" encoding="utf-8"?>
+<file path=ppt/slides/slide13.xml><?xml version="1.0" encoding="utf-8"?>
 <p:sld xmlns:a="http://schemas.openxmlformats.org/drawingml/2006/main" xmlns:r="http://schemas.openxmlformats.org/officeDocument/2006/relationships" xmlns:p="http://schemas.openxmlformats.org/presentationml/2006/main">
   <p:cSld>
     <p:bg>
@@ -10556,7 +16090,7 @@
         </p:nvGrpSpPr>
         <p:grpSpPr>
           <a:xfrm>
-            <a:off x="4716016" y="1817846"/>
+            <a:off x="4644008" y="1772816"/>
             <a:ext cx="3960440" cy="3241721"/>
             <a:chOff x="395001" y="2473527"/>
             <a:chExt cx="3816959" cy="2224149"/>
@@ -12852,6 +18386,15 @@
 </file>
 
 <file path=customXml/item1.xml><?xml version="1.0" encoding="utf-8"?>
+<?mso-contentType ?>
+<FormTemplates xmlns="http://schemas.microsoft.com/sharepoint/v3/contenttype/forms">
+  <Display>DocumentLibraryForm</Display>
+  <Edit>DocumentLibraryForm</Edit>
+  <New>DocumentLibraryForm</New>
+</FormTemplates>
+</file>
+
+<file path=customXml/item2.xml><?xml version="1.0" encoding="utf-8"?>
 <ct:contentTypeSchema xmlns:ct="http://schemas.microsoft.com/office/2006/metadata/contentType" xmlns:ma="http://schemas.microsoft.com/office/2006/metadata/properties/metaAttributes" ct:_="" ma:_="" ma:contentTypeName="Documento" ma:contentTypeID="0x010100D61D317CF2309C4E8DA448EE42D88B65" ma:contentTypeVersion="14" ma:contentTypeDescription="Crear nuevo documento." ma:contentTypeScope="" ma:versionID="499295a40b32042ffc1aa18e52107fb2">
   <xsd:schema xmlns:xsd="http://www.w3.org/2001/XMLSchema" xmlns:xs="http://www.w3.org/2001/XMLSchema" xmlns:p="http://schemas.microsoft.com/office/2006/metadata/properties" xmlns:ns2="e24c3f89-b1e2-4b5c-81e1-9b07710f5189" xmlns:ns3="ce845bb0-6f82-4cf9-8b02-3916bb6268df" targetNamespace="http://schemas.microsoft.com/office/2006/metadata/properties" ma:root="true" ma:fieldsID="cacbbaa88dffef174e809ab62d2fa790" ns2:_="" ns3:_="">
     <xsd:import namespace="e24c3f89-b1e2-4b5c-81e1-9b07710f5189"/>
@@ -13080,15 +18623,6 @@
 </ct:contentTypeSchema>
 </file>
 
-<file path=customXml/item2.xml><?xml version="1.0" encoding="utf-8"?>
-<?mso-contentType ?>
-<FormTemplates xmlns="http://schemas.microsoft.com/sharepoint/v3/contenttype/forms">
-  <Display>DocumentLibraryForm</Display>
-  <Edit>DocumentLibraryForm</Edit>
-  <New>DocumentLibraryForm</New>
-</FormTemplates>
-</file>
-
 <file path=customXml/item3.xml><?xml version="1.0" encoding="utf-8"?>
 <p:properties xmlns:p="http://schemas.microsoft.com/office/2006/metadata/properties" xmlns:xsi="http://www.w3.org/2001/XMLSchema-instance" xmlns:pc="http://schemas.microsoft.com/office/infopath/2007/PartnerControls">
   <documentManagement>
@@ -13101,6 +18635,14 @@
 </file>
 
 <file path=customXml/itemProps1.xml><?xml version="1.0" encoding="utf-8"?>
+<ds:datastoreItem xmlns:ds="http://schemas.openxmlformats.org/officeDocument/2006/customXml" ds:itemID="{6FDDB250-E753-47E4-8ED1-CAC7AD183E6C}">
+  <ds:schemaRefs>
+    <ds:schemaRef ds:uri="http://schemas.microsoft.com/sharepoint/v3/contenttype/forms"/>
+  </ds:schemaRefs>
+</ds:datastoreItem>
+</file>
+
+<file path=customXml/itemProps2.xml><?xml version="1.0" encoding="utf-8"?>
 <ds:datastoreItem xmlns:ds="http://schemas.openxmlformats.org/officeDocument/2006/customXml" ds:itemID="{D57BF0C9-4CDD-43A3-8A95-A49D62C2F2E1}">
   <ds:schemaRefs>
     <ds:schemaRef ds:uri="http://schemas.microsoft.com/office/2006/metadata/contentType"/>
@@ -13119,14 +18661,6 @@
 </ds:datastoreItem>
 </file>
 
-<file path=customXml/itemProps2.xml><?xml version="1.0" encoding="utf-8"?>
-<ds:datastoreItem xmlns:ds="http://schemas.openxmlformats.org/officeDocument/2006/customXml" ds:itemID="{6FDDB250-E753-47E4-8ED1-CAC7AD183E6C}">
-  <ds:schemaRefs>
-    <ds:schemaRef ds:uri="http://schemas.microsoft.com/sharepoint/v3/contenttype/forms"/>
-  </ds:schemaRefs>
-</ds:datastoreItem>
-</file>
-
 <file path=customXml/itemProps3.xml><?xml version="1.0" encoding="utf-8"?>
 <ds:datastoreItem xmlns:ds="http://schemas.openxmlformats.org/officeDocument/2006/customXml" ds:itemID="{4A79858A-5E67-489D-9BB4-CD604D981F2A}">
   <ds:schemaRefs>

--- a/UC_Course_Sesion2/UCDatabrick - Sesion 2.pptx
+++ b/UC_Course_Sesion2/UCDatabrick - Sesion 2.pptx
@@ -5,10 +5,10 @@
     <p:sldMasterId id="2147483653" r:id="rId4"/>
   </p:sldMasterIdLst>
   <p:notesMasterIdLst>
-    <p:notesMasterId r:id="rId18"/>
+    <p:notesMasterId r:id="rId17"/>
   </p:notesMasterIdLst>
   <p:handoutMasterIdLst>
-    <p:handoutMasterId r:id="rId19"/>
+    <p:handoutMasterId r:id="rId18"/>
   </p:handoutMasterIdLst>
   <p:sldIdLst>
     <p:sldId id="295" r:id="rId5"/>
@@ -22,8 +22,7 @@
     <p:sldId id="2147474058" r:id="rId13"/>
     <p:sldId id="2147474069" r:id="rId14"/>
     <p:sldId id="2147474068" r:id="rId15"/>
-    <p:sldId id="2147474061" r:id="rId16"/>
-    <p:sldId id="257" r:id="rId17"/>
+    <p:sldId id="257" r:id="rId16"/>
   </p:sldIdLst>
   <p:sldSz cx="9144000" cy="6858000" type="screen4x3"/>
   <p:notesSz cx="6797675" cy="9926638"/>
@@ -138,7 +137,6 @@
             <p14:sldId id="2147474058"/>
             <p14:sldId id="2147474069"/>
             <p14:sldId id="2147474068"/>
-            <p14:sldId id="2147474061"/>
           </p14:sldIdLst>
         </p14:section>
         <p14:section name="Fin" id="{9CF3C226-B334-4E16-8AF2-95D0DE59AB66}">
@@ -253,7 +251,7 @@
           <a:p>
             <a:fld id="{8B4B7E6F-32B6-4D71-B377-734A03E6F81B}" type="datetimeFigureOut">
               <a:rPr lang="es-ES" smtClean="0"/>
-              <a:t>25/10/2025</a:t>
+              <a:t>27/10/2025</a:t>
             </a:fld>
             <a:endParaRPr lang="es-ES"/>
           </a:p>
@@ -418,7 +416,7 @@
           <a:p>
             <a:fld id="{2B86DFC6-7D9C-4B63-B8DE-A4BEF9511721}" type="datetimeFigureOut">
               <a:rPr lang="en-US" smtClean="0"/>
-              <a:t>10/25/2025</a:t>
+              <a:t>10/27/2025</a:t>
             </a:fld>
             <a:endParaRPr lang="en-US"/>
           </a:p>
@@ -880,6 +878,24 @@
               <a:t>Posteriormente de manera practica nos centraremos en UC con foco en seguridad, es decir control de accesos, tipos de permisos y ocultación y enmascaramiento</a:t>
             </a:r>
           </a:p>
+          <a:p>
+            <a:pPr marL="0" lvl="0" indent="0">
+              <a:buFont typeface="+mj-lt"/>
+              <a:buNone/>
+            </a:pPr>
+            <a:endParaRPr lang="es-ES" sz="1400" u="none" dirty="0">
+              <a:latin typeface="Montserrat" panose="00000500000000000000" pitchFamily="2" charset="0"/>
+            </a:endParaRPr>
+          </a:p>
+          <a:p>
+            <a:pPr marL="0" lvl="0" indent="0">
+              <a:buFont typeface="+mj-lt"/>
+              <a:buNone/>
+            </a:pPr>
+            <a:endParaRPr lang="es-ES" sz="1400" u="none" dirty="0">
+              <a:latin typeface="Montserrat" panose="00000500000000000000" pitchFamily="2" charset="0"/>
+            </a:endParaRPr>
+          </a:p>
         </p:txBody>
       </p:sp>
       <p:sp>
@@ -1586,7 +1602,7 @@
           <a:p>
             <a:fld id="{AAF8B64C-EDD0-41C9-AB7F-26F0E93D38A9}" type="slidenum">
               <a:rPr lang="en-US" smtClean="0"/>
-              <a:t>13</a:t>
+              <a:t>12</a:t>
             </a:fld>
             <a:endParaRPr lang="en-US"/>
           </a:p>
@@ -1784,7 +1800,33 @@
               </a:rPr>
               <a:t> de costes con las tablas de sistemas</a:t>
             </a:r>
-            <a:endParaRPr lang="es-ES" dirty="0"/>
+          </a:p>
+          <a:p>
+            <a:pPr marL="0" lvl="0" indent="0">
+              <a:buFont typeface="+mj-lt"/>
+              <a:buNone/>
+            </a:pPr>
+            <a:endParaRPr lang="es-ES" dirty="0">
+              <a:latin typeface="Montserrat" panose="00000500000000000000" pitchFamily="2" charset="0"/>
+            </a:endParaRPr>
+          </a:p>
+          <a:p>
+            <a:pPr marL="0" lvl="0" indent="0">
+              <a:buFont typeface="+mj-lt"/>
+              <a:buNone/>
+            </a:pPr>
+            <a:r>
+              <a:rPr lang="es-ES" b="1" dirty="0"/>
+              <a:t>Si vamos muy rápido en la sesion2, veremos el </a:t>
+            </a:r>
+            <a:r>
+              <a:rPr lang="es-ES" b="1" dirty="0" err="1"/>
+              <a:t>Lineage</a:t>
+            </a:r>
+            <a:r>
+              <a:rPr lang="es-ES" b="1" dirty="0"/>
+              <a:t> al final de la sesion2</a:t>
+            </a:r>
           </a:p>
         </p:txBody>
       </p:sp>
@@ -2686,7 +2728,7 @@
           <a:p>
             <a:r>
               <a:rPr lang="es-ES" b="1" dirty="0"/>
-              <a:t>Definir la gobernanza es complicado y no hay una definición única pero podemos entenderla como:</a:t>
+              <a:t>Definir la gobernanza es complicado y no hay una definición única, pero podemos entenderla como:</a:t>
             </a:r>
           </a:p>
           <a:p>
@@ -2722,7 +2764,13 @@
           <a:p>
             <a:r>
               <a:rPr lang="es-ES" b="1" dirty="0"/>
-              <a:t>🎯Los Objetivos clave de la Gobernanza de Datos</a:t>
+              <a:t>🎯Los Objetivos clave de la Gobernanza de Datos y problemas que encontramos más comunes:</a:t>
+            </a:r>
+          </a:p>
+          <a:p>
+            <a:r>
+              <a:rPr lang="es-ES" b="1" u="sng" dirty="0"/>
+              <a:t>ACCESIBLES-SEGUROS:</a:t>
             </a:r>
           </a:p>
           <a:p>
@@ -2736,8 +2784,87 @@
             </a:r>
             <a:r>
               <a:rPr lang="es-ES" dirty="0"/>
-              <a:t> → Asegurar que cada usuario vea solo lo que debe ver</a:t>
-            </a:r>
+              <a:t> → Asegurar que cada usuario vea solo lo que debe ver. </a:t>
+            </a:r>
+            <a:r>
+              <a:rPr lang="es-ES" sz="1200" b="0" kern="1200" dirty="0">
+                <a:solidFill>
+                  <a:schemeClr val="tx1"/>
+                </a:solidFill>
+                <a:effectLst/>
+                <a:latin typeface="+mn-lt"/>
+                <a:ea typeface="+mn-ea"/>
+                <a:cs typeface="+mn-cs"/>
+              </a:rPr>
+              <a:t> </a:t>
+            </a:r>
+          </a:p>
+          <a:p>
+            <a:r>
+              <a:rPr lang="es-ES" sz="1200" b="0" kern="1200" dirty="0">
+                <a:solidFill>
+                  <a:schemeClr val="tx1"/>
+                </a:solidFill>
+                <a:effectLst/>
+                <a:latin typeface="+mn-lt"/>
+                <a:ea typeface="+mn-ea"/>
+                <a:cs typeface="+mn-cs"/>
+              </a:rPr>
+              <a:t>En entornos tradicionales, cada sistema (HDFS, bases de datos, </a:t>
+            </a:r>
+            <a:r>
+              <a:rPr lang="es-ES" sz="1200" b="0" kern="1200" dirty="0" err="1">
+                <a:solidFill>
+                  <a:schemeClr val="tx1"/>
+                </a:solidFill>
+                <a:effectLst/>
+                <a:latin typeface="+mn-lt"/>
+                <a:ea typeface="+mn-ea"/>
+                <a:cs typeface="+mn-cs"/>
+              </a:rPr>
+              <a:t>clusters</a:t>
+            </a:r>
+            <a:r>
+              <a:rPr lang="es-ES" sz="1200" b="0" kern="1200" dirty="0">
+                <a:solidFill>
+                  <a:schemeClr val="tx1"/>
+                </a:solidFill>
+                <a:effectLst/>
+                <a:latin typeface="+mn-lt"/>
+                <a:ea typeface="+mn-ea"/>
+                <a:cs typeface="+mn-cs"/>
+              </a:rPr>
+              <a:t> Spark, aplicaciones BI) tiene su propio mecanismo de permisos.</a:t>
+            </a:r>
+          </a:p>
+          <a:p>
+            <a:r>
+              <a:rPr lang="es-ES" sz="1200" b="0" kern="1200" dirty="0">
+                <a:solidFill>
+                  <a:schemeClr val="tx1"/>
+                </a:solidFill>
+                <a:effectLst/>
+                <a:latin typeface="+mn-lt"/>
+                <a:ea typeface="+mn-ea"/>
+                <a:cs typeface="+mn-cs"/>
+              </a:rPr>
+              <a:t>    - Los roles y usuarios deben configurarse varias veces → duplicación de esfuerzos.</a:t>
+            </a:r>
+          </a:p>
+          <a:p>
+            <a:r>
+              <a:rPr lang="es-ES" sz="1200" b="0" kern="1200" dirty="0">
+                <a:solidFill>
+                  <a:schemeClr val="tx1"/>
+                </a:solidFill>
+                <a:effectLst/>
+                <a:latin typeface="+mn-lt"/>
+                <a:ea typeface="+mn-ea"/>
+                <a:cs typeface="+mn-cs"/>
+              </a:rPr>
+              <a:t>    - No hay forma unificada de aplicar el principio de mínimo privilegio.</a:t>
+            </a:r>
+            <a:endParaRPr lang="es-ES" dirty="0"/>
           </a:p>
           <a:p>
             <a:pPr marL="0" marR="0" lvl="0" indent="0" algn="l" defTabSz="914400" rtl="0" eaLnBrk="1" fontAlgn="auto" latinLnBrk="0" hangingPunct="1">
@@ -2775,21 +2902,28 @@
               <a:rPr lang="es-ES" dirty="0"/>
             </a:br>
             <a:r>
-              <a:rPr lang="es-ES" dirty="0"/>
-              <a:t>✅ </a:t>
-            </a:r>
-            <a:r>
-              <a:rPr lang="es-ES" b="1" dirty="0"/>
-              <a:t>Seguridad y cumplimiento</a:t>
-            </a:r>
-            <a:r>
-              <a:rPr lang="es-ES" dirty="0"/>
-              <a:t> → Proteger datos sensibles (como PII) y cumplir con normativas (GDPR, HIPAA...)</a:t>
+              <a:rPr lang="es-ES" b="1" u="sng" dirty="0"/>
+              <a:t>SEGUROS-CONECTADOS</a:t>
             </a:r>
             <a:br>
               <a:rPr lang="es-ES" dirty="0"/>
             </a:br>
             <a:r>
+              <a:rPr lang="es-ES" dirty="0"/>
+              <a:t>✅ </a:t>
+            </a:r>
+            <a:r>
+              <a:rPr lang="es-ES" b="1" dirty="0"/>
+              <a:t>Seguridad y cumplimiento</a:t>
+            </a:r>
+            <a:r>
+              <a:rPr lang="es-ES" dirty="0"/>
+              <a:t> → Proteger datos sensibles (como PII) y cumplir con normativas (GDPR, HIPAA...)</a:t>
+            </a:r>
+            <a:br>
+              <a:rPr lang="es-ES" dirty="0"/>
+            </a:br>
+            <a:r>
               <a:rPr lang="es-ES" b="1" dirty="0"/>
               <a:t>✅ Visibilidad y control sobre entornos distribuidos </a:t>
             </a:r>
@@ -2797,6 +2931,124 @@
               <a:rPr lang="es-ES" dirty="0"/>
               <a:t>Garantizar seguridad y trazabilidad incluso cuando los datos residen en múltiples plataformas, nubes o catálogos federados.</a:t>
             </a:r>
+            <a:br>
+              <a:rPr lang="es-ES" dirty="0"/>
+            </a:br>
+            <a:r>
+              <a:rPr lang="es-ES" sz="1200" b="0" kern="1200" dirty="0">
+                <a:solidFill>
+                  <a:schemeClr val="tx1"/>
+                </a:solidFill>
+                <a:effectLst/>
+                <a:latin typeface="+mn-lt"/>
+                <a:ea typeface="+mn-ea"/>
+                <a:cs typeface="+mn-cs"/>
+              </a:rPr>
+              <a:t>    - Compartir datos con otros equipos/</a:t>
+            </a:r>
+            <a:r>
+              <a:rPr lang="es-ES" sz="1200" b="0" kern="1200" dirty="0" err="1">
+                <a:solidFill>
+                  <a:schemeClr val="tx1"/>
+                </a:solidFill>
+                <a:effectLst/>
+                <a:latin typeface="+mn-lt"/>
+                <a:ea typeface="+mn-ea"/>
+                <a:cs typeface="+mn-cs"/>
+              </a:rPr>
+              <a:t>partners</a:t>
+            </a:r>
+            <a:r>
+              <a:rPr lang="es-ES" sz="1200" b="0" kern="1200" dirty="0">
+                <a:solidFill>
+                  <a:schemeClr val="tx1"/>
+                </a:solidFill>
+                <a:effectLst/>
+                <a:latin typeface="+mn-lt"/>
+                <a:ea typeface="+mn-ea"/>
+                <a:cs typeface="+mn-cs"/>
+              </a:rPr>
+              <a:t> suele implicar mover copias físicas (CSV, Excel, </a:t>
+            </a:r>
+            <a:r>
+              <a:rPr lang="es-ES" sz="1200" b="0" kern="1200" dirty="0" err="1">
+                <a:solidFill>
+                  <a:schemeClr val="tx1"/>
+                </a:solidFill>
+                <a:effectLst/>
+                <a:latin typeface="+mn-lt"/>
+                <a:ea typeface="+mn-ea"/>
+                <a:cs typeface="+mn-cs"/>
+              </a:rPr>
+              <a:t>dumps</a:t>
+            </a:r>
+            <a:r>
+              <a:rPr lang="es-ES" sz="1200" b="0" kern="1200" dirty="0">
+                <a:solidFill>
+                  <a:schemeClr val="tx1"/>
+                </a:solidFill>
+                <a:effectLst/>
+                <a:latin typeface="+mn-lt"/>
+                <a:ea typeface="+mn-ea"/>
+                <a:cs typeface="+mn-cs"/>
+              </a:rPr>
+              <a:t>).</a:t>
+            </a:r>
+          </a:p>
+          <a:p>
+            <a:r>
+              <a:rPr lang="es-ES" sz="1200" b="0" kern="1200" dirty="0">
+                <a:solidFill>
+                  <a:schemeClr val="tx1"/>
+                </a:solidFill>
+                <a:effectLst/>
+                <a:latin typeface="+mn-lt"/>
+                <a:ea typeface="+mn-ea"/>
+                <a:cs typeface="+mn-cs"/>
+              </a:rPr>
+              <a:t>    - Esto genera riesgos de fuga y pérdida de control: una vez enviado el archivo, no se puede revocar.</a:t>
+            </a:r>
+          </a:p>
+          <a:p>
+            <a:r>
+              <a:rPr lang="es-ES" sz="1200" b="0" kern="1200" dirty="0">
+                <a:solidFill>
+                  <a:schemeClr val="tx1"/>
+                </a:solidFill>
+                <a:effectLst/>
+                <a:latin typeface="+mn-lt"/>
+                <a:ea typeface="+mn-ea"/>
+                <a:cs typeface="+mn-cs"/>
+              </a:rPr>
+              <a:t>    - Es difícil garantizar que todos trabajan con la misma versión del </a:t>
+            </a:r>
+            <a:r>
+              <a:rPr lang="es-ES" sz="1200" b="0" kern="1200" dirty="0" err="1">
+                <a:solidFill>
+                  <a:schemeClr val="tx1"/>
+                </a:solidFill>
+                <a:effectLst/>
+                <a:latin typeface="+mn-lt"/>
+                <a:ea typeface="+mn-ea"/>
+                <a:cs typeface="+mn-cs"/>
+              </a:rPr>
+              <a:t>dataset</a:t>
+            </a:r>
+            <a:r>
+              <a:rPr lang="es-ES" sz="1200" b="0" kern="1200" dirty="0">
+                <a:solidFill>
+                  <a:schemeClr val="tx1"/>
+                </a:solidFill>
+                <a:effectLst/>
+                <a:latin typeface="+mn-lt"/>
+                <a:ea typeface="+mn-ea"/>
+                <a:cs typeface="+mn-cs"/>
+              </a:rPr>
+              <a:t>.</a:t>
+            </a:r>
+          </a:p>
+          <a:p>
+            <a:endParaRPr lang="es-ES" dirty="0"/>
           </a:p>
           <a:p>
             <a:pPr marL="0" marR="0" lvl="0" indent="0" algn="l" defTabSz="914400" rtl="0" eaLnBrk="1" fontAlgn="auto" latinLnBrk="0" hangingPunct="1">
@@ -2816,6 +3068,10 @@
               <a:tabLst/>
               <a:defRPr/>
             </a:pPr>
+            <a:r>
+              <a:rPr lang="es-ES" b="1" u="sng" dirty="0"/>
+              <a:t>CONECTADOS-CONFIABLES</a:t>
+            </a:r>
             <a:br>
               <a:rPr lang="es-ES" dirty="0"/>
             </a:br>
@@ -2848,10 +3104,65 @@
             <a:br>
               <a:rPr lang="es-ES" dirty="0"/>
             </a:br>
+            <a:r>
+              <a:rPr lang="es-ES" dirty="0"/>
+              <a:t>En otros entornos….</a:t>
+            </a:r>
+          </a:p>
+          <a:p>
+            <a:r>
+              <a:rPr lang="es-ES" sz="1200" b="0" kern="1200" dirty="0">
+                <a:solidFill>
+                  <a:schemeClr val="tx1"/>
+                </a:solidFill>
+                <a:effectLst/>
+                <a:latin typeface="+mn-lt"/>
+                <a:ea typeface="+mn-ea"/>
+                <a:cs typeface="+mn-cs"/>
+              </a:rPr>
+              <a:t>    - No existe un mapa claro de linaje: no sabemos de dónde viene un dato ni cómo se ha transformado.</a:t>
+            </a:r>
+          </a:p>
+          <a:p>
+            <a:r>
+              <a:rPr lang="es-ES" sz="1200" b="0" kern="1200" dirty="0">
+                <a:solidFill>
+                  <a:schemeClr val="tx1"/>
+                </a:solidFill>
+                <a:effectLst/>
+                <a:latin typeface="+mn-lt"/>
+                <a:ea typeface="+mn-ea"/>
+                <a:cs typeface="+mn-cs"/>
+              </a:rPr>
+              <a:t>    - Esto dificulta auditorías (ej. cumplimiento GDPR, SOX).</a:t>
+            </a:r>
+          </a:p>
+          <a:p>
+            <a:r>
+              <a:rPr lang="es-ES" sz="1200" b="0" kern="1200" dirty="0">
+                <a:solidFill>
+                  <a:schemeClr val="tx1"/>
+                </a:solidFill>
+                <a:effectLst/>
+                <a:latin typeface="+mn-lt"/>
+                <a:ea typeface="+mn-ea"/>
+                <a:cs typeface="+mn-cs"/>
+              </a:rPr>
+              <a:t>    - Si un KPI está mal calculado, es difícil saber en qué paso del pipeline se introdujo el error</a:t>
+            </a:r>
+          </a:p>
+          <a:p>
             <a:br>
               <a:rPr lang="es-ES" dirty="0"/>
             </a:br>
             <a:r>
+              <a:rPr lang="es-ES" b="1" u="sng" dirty="0"/>
+              <a:t>CONFIABLES-ACCESIBLES</a:t>
+            </a:r>
+            <a:br>
+              <a:rPr lang="es-ES" dirty="0"/>
+            </a:br>
+            <a:r>
               <a:rPr lang="es-ES" b="1" dirty="0"/>
               <a:t>✅ Versionado y trazabilidad histórica </a:t>
             </a:r>
@@ -2873,6 +3184,113 @@
               <a:rPr lang="es-ES" dirty="0"/>
               <a:t> → Alinear términos clave y métricas en toda la organización</a:t>
             </a:r>
+          </a:p>
+          <a:p>
+            <a:r>
+              <a:rPr lang="es-ES" sz="1200" b="0" kern="1200" dirty="0">
+                <a:solidFill>
+                  <a:schemeClr val="tx1"/>
+                </a:solidFill>
+                <a:effectLst/>
+                <a:latin typeface="+mn-lt"/>
+                <a:ea typeface="+mn-ea"/>
+                <a:cs typeface="+mn-cs"/>
+              </a:rPr>
+              <a:t>- Información aislada en sistemas/departamentos, sin un repositorio central.  </a:t>
+            </a:r>
+          </a:p>
+          <a:p>
+            <a:r>
+              <a:rPr lang="es-ES" sz="1200" b="0" kern="1200" dirty="0">
+                <a:solidFill>
+                  <a:schemeClr val="tx1"/>
+                </a:solidFill>
+                <a:effectLst/>
+                <a:latin typeface="+mn-lt"/>
+                <a:ea typeface="+mn-ea"/>
+                <a:cs typeface="+mn-cs"/>
+              </a:rPr>
+              <a:t>   - Consecuencias: duplicidad, incoherencia, falta de colaboración.</a:t>
+            </a:r>
+          </a:p>
+          <a:p>
+            <a:r>
+              <a:rPr lang="es-ES" sz="1200" b="0" kern="1200" dirty="0">
+                <a:solidFill>
+                  <a:schemeClr val="tx1"/>
+                </a:solidFill>
+                <a:effectLst/>
+                <a:latin typeface="+mn-lt"/>
+                <a:ea typeface="+mn-ea"/>
+                <a:cs typeface="+mn-cs"/>
+              </a:rPr>
+              <a:t>   - Ejemplo sencillo:</a:t>
+            </a:r>
+          </a:p>
+          <a:p>
+            <a:r>
+              <a:rPr lang="es-ES" sz="1200" b="0" kern="1200" dirty="0">
+                <a:solidFill>
+                  <a:schemeClr val="tx1"/>
+                </a:solidFill>
+                <a:effectLst/>
+                <a:latin typeface="+mn-lt"/>
+                <a:ea typeface="+mn-ea"/>
+                <a:cs typeface="+mn-cs"/>
+              </a:rPr>
+              <a:t>    Marketing tiene su base de clientes en un </a:t>
+            </a:r>
+            <a:r>
+              <a:rPr lang="es-ES" sz="1200" b="0" kern="1200" dirty="0" err="1">
+                <a:solidFill>
+                  <a:schemeClr val="tx1"/>
+                </a:solidFill>
+                <a:effectLst/>
+                <a:latin typeface="+mn-lt"/>
+                <a:ea typeface="+mn-ea"/>
+                <a:cs typeface="+mn-cs"/>
+              </a:rPr>
+              <a:t>CRM.Ventas</a:t>
+            </a:r>
+            <a:r>
+              <a:rPr lang="es-ES" sz="1200" b="0" kern="1200" dirty="0">
+                <a:solidFill>
+                  <a:schemeClr val="tx1"/>
+                </a:solidFill>
+                <a:effectLst/>
+                <a:latin typeface="+mn-lt"/>
+                <a:ea typeface="+mn-ea"/>
+                <a:cs typeface="+mn-cs"/>
+              </a:rPr>
+              <a:t> usa otra lista de clientes en un </a:t>
+            </a:r>
+            <a:r>
+              <a:rPr lang="es-ES" sz="1200" b="0" kern="1200" dirty="0" err="1">
+                <a:solidFill>
+                  <a:schemeClr val="tx1"/>
+                </a:solidFill>
+                <a:effectLst/>
+                <a:latin typeface="+mn-lt"/>
+                <a:ea typeface="+mn-ea"/>
+                <a:cs typeface="+mn-cs"/>
+              </a:rPr>
+              <a:t>Excel.Finanzas</a:t>
+            </a:r>
+            <a:r>
+              <a:rPr lang="es-ES" sz="1200" b="0" kern="1200" dirty="0">
+                <a:solidFill>
+                  <a:schemeClr val="tx1"/>
+                </a:solidFill>
+                <a:effectLst/>
+                <a:latin typeface="+mn-lt"/>
+                <a:ea typeface="+mn-ea"/>
+                <a:cs typeface="+mn-cs"/>
+              </a:rPr>
+              <a:t> usa aún otra versión en su ERP.</a:t>
+            </a:r>
+          </a:p>
+          <a:p>
+            <a:endParaRPr lang="es-ES" dirty="0"/>
           </a:p>
           <a:p>
             <a:endParaRPr lang="es-ES" dirty="0"/>
@@ -3828,6 +4246,210 @@
           </a:p>
           <a:p>
             <a:pPr rtl="0"/>
+            <a:endParaRPr lang="es-ES" sz="1200" b="1" i="0" u="none" strike="noStrike" kern="1200" dirty="0">
+              <a:solidFill>
+                <a:schemeClr val="tx1"/>
+              </a:solidFill>
+              <a:effectLst/>
+              <a:latin typeface="+mn-lt"/>
+              <a:ea typeface="+mn-ea"/>
+              <a:cs typeface="+mn-cs"/>
+            </a:endParaRPr>
+          </a:p>
+          <a:p>
+            <a:pPr rtl="0"/>
+            <a:r>
+              <a:rPr lang="es-ES" sz="1200" b="1" i="0" u="none" strike="noStrike" kern="1200" dirty="0">
+                <a:solidFill>
+                  <a:schemeClr val="tx1"/>
+                </a:solidFill>
+                <a:effectLst/>
+                <a:latin typeface="+mn-lt"/>
+                <a:ea typeface="+mn-ea"/>
+                <a:cs typeface="+mn-cs"/>
+              </a:rPr>
+              <a:t>ESPECTRO DE GOBERNANZA EN LAS ORGANIZACIONES</a:t>
+            </a:r>
+            <a:endParaRPr lang="es-ES" b="1" dirty="0">
+              <a:effectLst/>
+            </a:endParaRPr>
+          </a:p>
+          <a:p>
+            <a:pPr rtl="0"/>
+            <a:r>
+              <a:rPr lang="es-ES" sz="1200" b="0" i="0" u="none" strike="noStrike" kern="1200" dirty="0">
+                <a:solidFill>
+                  <a:schemeClr val="tx1"/>
+                </a:solidFill>
+                <a:effectLst/>
+                <a:latin typeface="+mn-lt"/>
+                <a:ea typeface="+mn-ea"/>
+                <a:cs typeface="+mn-cs"/>
+              </a:rPr>
+              <a:t>Hay empresas con enfoque centralizado, donde un equipo es responsable y realiza la gobernanza para toda la compañía.</a:t>
+            </a:r>
+          </a:p>
+          <a:p>
+            <a:pPr rtl="0"/>
+            <a:endParaRPr lang="es-ES" b="0" dirty="0">
+              <a:effectLst/>
+            </a:endParaRPr>
+          </a:p>
+          <a:p>
+            <a:pPr rtl="0"/>
+            <a:r>
+              <a:rPr lang="es-ES" sz="1200" b="0" i="0" u="none" strike="noStrike" kern="1200" dirty="0">
+                <a:solidFill>
+                  <a:schemeClr val="tx1"/>
+                </a:solidFill>
+                <a:effectLst/>
+                <a:latin typeface="+mn-lt"/>
+                <a:ea typeface="+mn-ea"/>
+                <a:cs typeface="+mn-cs"/>
+              </a:rPr>
+              <a:t>En el otro lado del espectro son los </a:t>
+            </a:r>
+            <a:r>
+              <a:rPr lang="es-ES" sz="1200" b="0" i="0" u="none" strike="noStrike" kern="1200" dirty="0" err="1">
+                <a:solidFill>
+                  <a:schemeClr val="tx1"/>
+                </a:solidFill>
+                <a:effectLst/>
+                <a:latin typeface="+mn-lt"/>
+                <a:ea typeface="+mn-ea"/>
+                <a:cs typeface="+mn-cs"/>
+              </a:rPr>
+              <a:t>domain</a:t>
+            </a:r>
+            <a:r>
+              <a:rPr lang="es-ES" sz="1200" b="0" i="0" u="none" strike="noStrike" kern="1200" dirty="0">
+                <a:solidFill>
+                  <a:schemeClr val="tx1"/>
+                </a:solidFill>
+                <a:effectLst/>
+                <a:latin typeface="+mn-lt"/>
+                <a:ea typeface="+mn-ea"/>
+                <a:cs typeface="+mn-cs"/>
+              </a:rPr>
+              <a:t> </a:t>
+            </a:r>
+            <a:r>
+              <a:rPr lang="es-ES" sz="1200" b="0" i="0" u="none" strike="noStrike" kern="1200" dirty="0" err="1">
+                <a:solidFill>
+                  <a:schemeClr val="tx1"/>
+                </a:solidFill>
+                <a:effectLst/>
+                <a:latin typeface="+mn-lt"/>
+                <a:ea typeface="+mn-ea"/>
+                <a:cs typeface="+mn-cs"/>
+              </a:rPr>
+              <a:t>experts</a:t>
+            </a:r>
+            <a:r>
+              <a:rPr lang="es-ES" sz="1200" b="0" i="0" u="none" strike="noStrike" kern="1200" dirty="0">
+                <a:solidFill>
+                  <a:schemeClr val="tx1"/>
+                </a:solidFill>
+                <a:effectLst/>
+                <a:latin typeface="+mn-lt"/>
+                <a:ea typeface="+mn-ea"/>
+                <a:cs typeface="+mn-cs"/>
+              </a:rPr>
+              <a:t> los que crean los </a:t>
+            </a:r>
+            <a:r>
+              <a:rPr lang="es-ES" sz="1200" b="0" i="0" u="none" strike="noStrike" kern="1200" dirty="0" err="1">
+                <a:solidFill>
+                  <a:schemeClr val="tx1"/>
+                </a:solidFill>
+                <a:effectLst/>
+                <a:latin typeface="+mn-lt"/>
+                <a:ea typeface="+mn-ea"/>
+                <a:cs typeface="+mn-cs"/>
+              </a:rPr>
+              <a:t>asstes</a:t>
+            </a:r>
+            <a:r>
+              <a:rPr lang="es-ES" sz="1200" b="0" i="0" u="none" strike="noStrike" kern="1200" dirty="0">
+                <a:solidFill>
+                  <a:schemeClr val="tx1"/>
+                </a:solidFill>
+                <a:effectLst/>
+                <a:latin typeface="+mn-lt"/>
+                <a:ea typeface="+mn-ea"/>
+                <a:cs typeface="+mn-cs"/>
+              </a:rPr>
+              <a:t> y </a:t>
+            </a:r>
+            <a:r>
+              <a:rPr lang="es-ES" sz="1200" b="0" i="0" u="none" strike="noStrike" kern="1200" dirty="0" err="1">
+                <a:solidFill>
+                  <a:schemeClr val="tx1"/>
+                </a:solidFill>
+                <a:effectLst/>
+                <a:latin typeface="+mn-lt"/>
+                <a:ea typeface="+mn-ea"/>
+                <a:cs typeface="+mn-cs"/>
+              </a:rPr>
+              <a:t>ademas</a:t>
+            </a:r>
+            <a:r>
+              <a:rPr lang="es-ES" sz="1200" b="0" i="0" u="none" strike="noStrike" kern="1200" dirty="0">
+                <a:solidFill>
+                  <a:schemeClr val="tx1"/>
+                </a:solidFill>
+                <a:effectLst/>
+                <a:latin typeface="+mn-lt"/>
+                <a:ea typeface="+mn-ea"/>
+                <a:cs typeface="+mn-cs"/>
+              </a:rPr>
+              <a:t> los gobiernan a nivel de gobernanza.</a:t>
+            </a:r>
+            <a:endParaRPr lang="es-ES" b="0" dirty="0">
+              <a:effectLst/>
+            </a:endParaRPr>
+          </a:p>
+          <a:p>
+            <a:pPr rtl="0"/>
+            <a:r>
+              <a:rPr lang="es-ES" sz="1200" b="0" i="0" u="none" strike="noStrike" kern="1200" dirty="0">
+                <a:solidFill>
+                  <a:schemeClr val="tx1"/>
+                </a:solidFill>
+                <a:effectLst/>
+                <a:latin typeface="+mn-lt"/>
+                <a:ea typeface="+mn-ea"/>
+                <a:cs typeface="+mn-cs"/>
+              </a:rPr>
+              <a:t>Y por supuesto hay </a:t>
+            </a:r>
+            <a:r>
+              <a:rPr lang="es-ES" sz="1200" b="0" i="0" u="none" strike="noStrike" kern="1200" dirty="0" err="1">
+                <a:solidFill>
+                  <a:schemeClr val="tx1"/>
+                </a:solidFill>
+                <a:effectLst/>
+                <a:latin typeface="+mn-lt"/>
+                <a:ea typeface="+mn-ea"/>
+                <a:cs typeface="+mn-cs"/>
+              </a:rPr>
+              <a:t>compañias</a:t>
+            </a:r>
+            <a:r>
+              <a:rPr lang="es-ES" sz="1200" b="0" i="0" u="none" strike="noStrike" kern="1200" dirty="0">
+                <a:solidFill>
+                  <a:schemeClr val="tx1"/>
+                </a:solidFill>
+                <a:effectLst/>
+                <a:latin typeface="+mn-lt"/>
+                <a:ea typeface="+mn-ea"/>
+                <a:cs typeface="+mn-cs"/>
+              </a:rPr>
+              <a:t> que se colocan en el medio.</a:t>
+            </a:r>
+          </a:p>
+          <a:p>
+            <a:pPr rtl="0"/>
             <a:endParaRPr lang="es-ES" sz="1200" b="0" i="0" u="none" strike="noStrike" kern="1200" dirty="0">
               <a:solidFill>
                 <a:schemeClr val="tx1"/>
@@ -3850,208 +4472,7 @@
                 <a:ea typeface="+mn-ea"/>
                 <a:cs typeface="+mn-cs"/>
               </a:rPr>
-              <a:t>ESPECTRO DE GOBERNANZA EN LAS ORGANIZACIONES</a:t>
-            </a:r>
-            <a:endParaRPr lang="es-ES" b="0" dirty="0">
-              <a:effectLst/>
-            </a:endParaRPr>
-          </a:p>
-          <a:p>
-            <a:pPr rtl="0"/>
-            <a:r>
-              <a:rPr lang="es-ES" sz="1200" b="0" i="0" u="none" strike="noStrike" kern="1200" dirty="0">
-                <a:solidFill>
-                  <a:schemeClr val="tx1"/>
-                </a:solidFill>
-                <a:effectLst/>
-                <a:latin typeface="+mn-lt"/>
-                <a:ea typeface="+mn-ea"/>
-                <a:cs typeface="+mn-cs"/>
-              </a:rPr>
-              <a:t>Hay empresas con enfoque centralizado, donde un equipo es responsable y realiza la gobernanza para toda la </a:t>
-            </a:r>
-            <a:r>
-              <a:rPr lang="es-ES" sz="1200" b="0" i="0" u="none" strike="noStrike" kern="1200" dirty="0" err="1">
-                <a:solidFill>
-                  <a:schemeClr val="tx1"/>
-                </a:solidFill>
-                <a:effectLst/>
-                <a:latin typeface="+mn-lt"/>
-                <a:ea typeface="+mn-ea"/>
-                <a:cs typeface="+mn-cs"/>
-              </a:rPr>
-              <a:t>compañia</a:t>
-            </a:r>
-            <a:r>
-              <a:rPr lang="es-ES" sz="1200" b="0" i="0" u="none" strike="noStrike" kern="1200" dirty="0">
-                <a:solidFill>
-                  <a:schemeClr val="tx1"/>
-                </a:solidFill>
-                <a:effectLst/>
-                <a:latin typeface="+mn-lt"/>
-                <a:ea typeface="+mn-ea"/>
-                <a:cs typeface="+mn-cs"/>
-              </a:rPr>
-              <a:t>.</a:t>
-            </a:r>
-          </a:p>
-          <a:p>
-            <a:pPr rtl="0"/>
-            <a:endParaRPr lang="es-ES" b="0" dirty="0">
-              <a:effectLst/>
-            </a:endParaRPr>
-          </a:p>
-          <a:p>
-            <a:pPr rtl="0"/>
-            <a:r>
-              <a:rPr lang="es-ES" sz="1200" b="0" i="0" u="none" strike="noStrike" kern="1200" dirty="0">
-                <a:solidFill>
-                  <a:schemeClr val="tx1"/>
-                </a:solidFill>
-                <a:effectLst/>
-                <a:latin typeface="+mn-lt"/>
-                <a:ea typeface="+mn-ea"/>
-                <a:cs typeface="+mn-cs"/>
-              </a:rPr>
-              <a:t>En el otro lado del espectro son los </a:t>
-            </a:r>
-            <a:r>
-              <a:rPr lang="es-ES" sz="1200" b="0" i="0" u="none" strike="noStrike" kern="1200" dirty="0" err="1">
-                <a:solidFill>
-                  <a:schemeClr val="tx1"/>
-                </a:solidFill>
-                <a:effectLst/>
-                <a:latin typeface="+mn-lt"/>
-                <a:ea typeface="+mn-ea"/>
-                <a:cs typeface="+mn-cs"/>
-              </a:rPr>
-              <a:t>domain</a:t>
-            </a:r>
-            <a:r>
-              <a:rPr lang="es-ES" sz="1200" b="0" i="0" u="none" strike="noStrike" kern="1200" dirty="0">
-                <a:solidFill>
-                  <a:schemeClr val="tx1"/>
-                </a:solidFill>
-                <a:effectLst/>
-                <a:latin typeface="+mn-lt"/>
-                <a:ea typeface="+mn-ea"/>
-                <a:cs typeface="+mn-cs"/>
-              </a:rPr>
-              <a:t> </a:t>
-            </a:r>
-            <a:r>
-              <a:rPr lang="es-ES" sz="1200" b="0" i="0" u="none" strike="noStrike" kern="1200" dirty="0" err="1">
-                <a:solidFill>
-                  <a:schemeClr val="tx1"/>
-                </a:solidFill>
-                <a:effectLst/>
-                <a:latin typeface="+mn-lt"/>
-                <a:ea typeface="+mn-ea"/>
-                <a:cs typeface="+mn-cs"/>
-              </a:rPr>
-              <a:t>experts</a:t>
-            </a:r>
-            <a:r>
-              <a:rPr lang="es-ES" sz="1200" b="0" i="0" u="none" strike="noStrike" kern="1200" dirty="0">
-                <a:solidFill>
-                  <a:schemeClr val="tx1"/>
-                </a:solidFill>
-                <a:effectLst/>
-                <a:latin typeface="+mn-lt"/>
-                <a:ea typeface="+mn-ea"/>
-                <a:cs typeface="+mn-cs"/>
-              </a:rPr>
-              <a:t> los que crean los </a:t>
-            </a:r>
-            <a:r>
-              <a:rPr lang="es-ES" sz="1200" b="0" i="0" u="none" strike="noStrike" kern="1200" dirty="0" err="1">
-                <a:solidFill>
-                  <a:schemeClr val="tx1"/>
-                </a:solidFill>
-                <a:effectLst/>
-                <a:latin typeface="+mn-lt"/>
-                <a:ea typeface="+mn-ea"/>
-                <a:cs typeface="+mn-cs"/>
-              </a:rPr>
-              <a:t>asstes</a:t>
-            </a:r>
-            <a:r>
-              <a:rPr lang="es-ES" sz="1200" b="0" i="0" u="none" strike="noStrike" kern="1200" dirty="0">
-                <a:solidFill>
-                  <a:schemeClr val="tx1"/>
-                </a:solidFill>
-                <a:effectLst/>
-                <a:latin typeface="+mn-lt"/>
-                <a:ea typeface="+mn-ea"/>
-                <a:cs typeface="+mn-cs"/>
-              </a:rPr>
-              <a:t> y </a:t>
-            </a:r>
-            <a:r>
-              <a:rPr lang="es-ES" sz="1200" b="0" i="0" u="none" strike="noStrike" kern="1200" dirty="0" err="1">
-                <a:solidFill>
-                  <a:schemeClr val="tx1"/>
-                </a:solidFill>
-                <a:effectLst/>
-                <a:latin typeface="+mn-lt"/>
-                <a:ea typeface="+mn-ea"/>
-                <a:cs typeface="+mn-cs"/>
-              </a:rPr>
-              <a:t>ademas</a:t>
-            </a:r>
-            <a:r>
-              <a:rPr lang="es-ES" sz="1200" b="0" i="0" u="none" strike="noStrike" kern="1200" dirty="0">
-                <a:solidFill>
-                  <a:schemeClr val="tx1"/>
-                </a:solidFill>
-                <a:effectLst/>
-                <a:latin typeface="+mn-lt"/>
-                <a:ea typeface="+mn-ea"/>
-                <a:cs typeface="+mn-cs"/>
-              </a:rPr>
-              <a:t> los gobiernan a nivel de gobernanza</a:t>
-            </a:r>
-            <a:endParaRPr lang="es-ES" b="0" dirty="0">
-              <a:effectLst/>
-            </a:endParaRPr>
-          </a:p>
-          <a:p>
-            <a:pPr rtl="0"/>
-            <a:r>
-              <a:rPr lang="es-ES" sz="1200" b="0" i="0" u="none" strike="noStrike" kern="1200" dirty="0">
-                <a:solidFill>
-                  <a:schemeClr val="tx1"/>
-                </a:solidFill>
-                <a:effectLst/>
-                <a:latin typeface="+mn-lt"/>
-                <a:ea typeface="+mn-ea"/>
-                <a:cs typeface="+mn-cs"/>
-              </a:rPr>
-              <a:t>Y por supuesto hay </a:t>
-            </a:r>
-            <a:r>
-              <a:rPr lang="es-ES" sz="1200" b="0" i="0" u="none" strike="noStrike" kern="1200" dirty="0" err="1">
-                <a:solidFill>
-                  <a:schemeClr val="tx1"/>
-                </a:solidFill>
-                <a:effectLst/>
-                <a:latin typeface="+mn-lt"/>
-                <a:ea typeface="+mn-ea"/>
-                <a:cs typeface="+mn-cs"/>
-              </a:rPr>
-              <a:t>compañias</a:t>
-            </a:r>
-            <a:r>
-              <a:rPr lang="es-ES" sz="1200" b="0" i="0" u="none" strike="noStrike" kern="1200" dirty="0">
-                <a:solidFill>
-                  <a:schemeClr val="tx1"/>
-                </a:solidFill>
-                <a:effectLst/>
-                <a:latin typeface="+mn-lt"/>
-                <a:ea typeface="+mn-ea"/>
-                <a:cs typeface="+mn-cs"/>
-              </a:rPr>
-              <a:t> que se colocan en el medio.</a:t>
+              <a:t>=&gt; ¿Dónde creéis que se coloca vuestra empresa?</a:t>
             </a:r>
             <a:endParaRPr lang="es-ES" b="0" dirty="0">
               <a:effectLst/>
@@ -8255,7 +8676,7 @@
         </p:nvSpPr>
         <p:spPr>
           <a:xfrm>
-            <a:off x="5382681" y="1594191"/>
+            <a:off x="5972575" y="1682500"/>
             <a:ext cx="2480425" cy="372409"/>
           </a:xfrm>
           <a:prstGeom prst="rect">
@@ -8294,7 +8715,7 @@
         </p:nvCxnSpPr>
         <p:spPr>
           <a:xfrm flipH="1">
-            <a:off x="5615285" y="2059385"/>
+            <a:off x="6238681" y="2156504"/>
             <a:ext cx="543259" cy="799209"/>
           </a:xfrm>
           <a:prstGeom prst="line">
@@ -10661,184 +11082,6 @@
 <file path=ppt/slides/slide12.xml><?xml version="1.0" encoding="utf-8"?>
 <p:sld xmlns:a="http://schemas.openxmlformats.org/drawingml/2006/main" xmlns:r="http://schemas.openxmlformats.org/officeDocument/2006/relationships" xmlns:p="http://schemas.openxmlformats.org/presentationml/2006/main">
   <p:cSld>
-    <p:spTree>
-      <p:nvGrpSpPr>
-        <p:cNvPr id="1" name=""/>
-        <p:cNvGrpSpPr/>
-        <p:nvPr/>
-      </p:nvGrpSpPr>
-      <p:grpSpPr>
-        <a:xfrm>
-          <a:off x="0" y="0"/>
-          <a:ext cx="0" cy="0"/>
-          <a:chOff x="0" y="0"/>
-          <a:chExt cx="0" cy="0"/>
-        </a:xfrm>
-      </p:grpSpPr>
-      <p:sp>
-        <p:nvSpPr>
-          <p:cNvPr id="2" name="Título 1">
-            <a:extLst>
-              <a:ext uri="{FF2B5EF4-FFF2-40B4-BE49-F238E27FC236}">
-                <a16:creationId xmlns:a16="http://schemas.microsoft.com/office/drawing/2014/main" id="{BA684C62-5313-0C52-6805-7A9FAFB95282}"/>
-              </a:ext>
-            </a:extLst>
-          </p:cNvPr>
-          <p:cNvSpPr>
-            <a:spLocks noGrp="1"/>
-          </p:cNvSpPr>
-          <p:nvPr>
-            <p:ph type="title"/>
-          </p:nvPr>
-        </p:nvSpPr>
-        <p:spPr/>
-        <p:txBody>
-          <a:bodyPr/>
-          <a:lstStyle/>
-          <a:p>
-            <a:endParaRPr lang="es-ES" dirty="0"/>
-          </a:p>
-        </p:txBody>
-      </p:sp>
-      <p:sp>
-        <p:nvSpPr>
-          <p:cNvPr id="3" name="Marcador de contenido 2">
-            <a:extLst>
-              <a:ext uri="{FF2B5EF4-FFF2-40B4-BE49-F238E27FC236}">
-                <a16:creationId xmlns:a16="http://schemas.microsoft.com/office/drawing/2014/main" id="{2B6D4FDD-CD25-472E-D91B-A35BE5FAD894}"/>
-              </a:ext>
-            </a:extLst>
-          </p:cNvPr>
-          <p:cNvSpPr>
-            <a:spLocks noGrp="1"/>
-          </p:cNvSpPr>
-          <p:nvPr>
-            <p:ph sz="half" idx="1"/>
-          </p:nvPr>
-        </p:nvSpPr>
-        <p:spPr/>
-        <p:txBody>
-          <a:bodyPr/>
-          <a:lstStyle/>
-          <a:p>
-            <a:r>
-              <a:rPr lang="es-ES" dirty="0"/>
-              <a:t>Un objetivo importante de las compañías es:</a:t>
-            </a:r>
-          </a:p>
-          <a:p>
-            <a:endParaRPr lang="es-ES" dirty="0"/>
-          </a:p>
-          <a:p>
-            <a:r>
-              <a:rPr lang="es-ES" dirty="0"/>
-              <a:t>“</a:t>
-            </a:r>
-            <a:r>
-              <a:rPr lang="es-ES" dirty="0" err="1"/>
-              <a:t>Make</a:t>
-            </a:r>
-            <a:r>
-              <a:rPr lang="es-ES" dirty="0"/>
-              <a:t> </a:t>
-            </a:r>
-            <a:r>
-              <a:rPr lang="es-ES" dirty="0" err="1"/>
-              <a:t>Metadata</a:t>
-            </a:r>
-            <a:r>
-              <a:rPr lang="es-ES" dirty="0"/>
-              <a:t> </a:t>
-            </a:r>
-            <a:r>
-              <a:rPr lang="es-ES" dirty="0" err="1"/>
-              <a:t>Actionable</a:t>
-            </a:r>
-            <a:r>
-              <a:rPr lang="es-ES" dirty="0"/>
-              <a:t>”</a:t>
-            </a:r>
-          </a:p>
-        </p:txBody>
-      </p:sp>
-      <p:pic>
-        <p:nvPicPr>
-          <p:cNvPr id="6" name="Marcador de contenido 5">
-            <a:extLst>
-              <a:ext uri="{FF2B5EF4-FFF2-40B4-BE49-F238E27FC236}">
-                <a16:creationId xmlns:a16="http://schemas.microsoft.com/office/drawing/2014/main" id="{31AD1F7B-2E31-9681-74DB-C4CF8126B81E}"/>
-              </a:ext>
-            </a:extLst>
-          </p:cNvPr>
-          <p:cNvPicPr>
-            <a:picLocks noGrp="1" noChangeAspect="1"/>
-          </p:cNvPicPr>
-          <p:nvPr>
-            <p:ph sz="half" idx="2"/>
-          </p:nvPr>
-        </p:nvPicPr>
-        <p:blipFill>
-          <a:blip r:embed="rId2"/>
-          <a:stretch>
-            <a:fillRect/>
-          </a:stretch>
-        </p:blipFill>
-        <p:spPr>
-          <a:xfrm>
-            <a:off x="4648200" y="2500883"/>
-            <a:ext cx="3867150" cy="1743522"/>
-          </a:xfrm>
-          <a:prstGeom prst="rect">
-            <a:avLst/>
-          </a:prstGeom>
-        </p:spPr>
-      </p:pic>
-      <p:pic>
-        <p:nvPicPr>
-          <p:cNvPr id="8" name="Imagen 7">
-            <a:extLst>
-              <a:ext uri="{FF2B5EF4-FFF2-40B4-BE49-F238E27FC236}">
-                <a16:creationId xmlns:a16="http://schemas.microsoft.com/office/drawing/2014/main" id="{1F573C3D-34CC-3A35-C569-2A32F3049F7C}"/>
-              </a:ext>
-            </a:extLst>
-          </p:cNvPr>
-          <p:cNvPicPr>
-            <a:picLocks noChangeAspect="1"/>
-          </p:cNvPicPr>
-          <p:nvPr/>
-        </p:nvPicPr>
-        <p:blipFill>
-          <a:blip r:embed="rId3"/>
-          <a:stretch>
-            <a:fillRect/>
-          </a:stretch>
-        </p:blipFill>
-        <p:spPr>
-          <a:xfrm>
-            <a:off x="-899983" y="1510783"/>
-            <a:ext cx="10057655" cy="4150465"/>
-          </a:xfrm>
-          <a:prstGeom prst="rect">
-            <a:avLst/>
-          </a:prstGeom>
-        </p:spPr>
-      </p:pic>
-    </p:spTree>
-    <p:extLst>
-      <p:ext uri="{BB962C8B-B14F-4D97-AF65-F5344CB8AC3E}">
-        <p14:creationId xmlns:p14="http://schemas.microsoft.com/office/powerpoint/2010/main" val="56174501"/>
-      </p:ext>
-    </p:extLst>
-  </p:cSld>
-  <p:clrMapOvr>
-    <a:masterClrMapping/>
-  </p:clrMapOvr>
-</p:sld>
-</file>
-
-<file path=ppt/slides/slide13.xml><?xml version="1.0" encoding="utf-8"?>
-<p:sld xmlns:a="http://schemas.openxmlformats.org/drawingml/2006/main" xmlns:r="http://schemas.openxmlformats.org/officeDocument/2006/relationships" xmlns:p="http://schemas.openxmlformats.org/presentationml/2006/main">
-  <p:cSld>
     <p:bg>
       <p:bgPr>
         <a:solidFill>
@@ -11164,7 +11407,7 @@
               <a:rPr lang="es-ES" sz="1400" dirty="0">
                 <a:latin typeface="Montserrat" panose="00000500000000000000" pitchFamily="2" charset="0"/>
               </a:rPr>
-              <a:t>: Foco en Seguridad</a:t>
+              <a:t>:</a:t>
             </a:r>
           </a:p>
           <a:p>
@@ -11188,7 +11431,7 @@
               <a:rPr lang="es-ES" sz="1400" dirty="0">
                 <a:latin typeface="Montserrat" panose="00000500000000000000" pitchFamily="2" charset="0"/>
               </a:rPr>
-              <a:t>Control y tipo de Permiso</a:t>
+              <a:t>Tipo de Permiso</a:t>
             </a:r>
           </a:p>
           <a:p>
@@ -13771,8 +14014,8 @@
           <a:prstGeom prst="blockArc">
             <a:avLst>
               <a:gd name="adj1" fmla="val 10800000"/>
-              <a:gd name="adj2" fmla="val 16096744"/>
-              <a:gd name="adj3" fmla="val 24214"/>
+              <a:gd name="adj2" fmla="val 16099579"/>
+              <a:gd name="adj3" fmla="val 23486"/>
             </a:avLst>
           </a:prstGeom>
           <a:gradFill flip="none" rotWithShape="1">
@@ -13851,8 +14094,8 @@
           <a:prstGeom prst="blockArc">
             <a:avLst>
               <a:gd name="adj1" fmla="val 16176085"/>
-              <a:gd name="adj2" fmla="val 1"/>
-              <a:gd name="adj3" fmla="val 23933"/>
+              <a:gd name="adj2" fmla="val 21576799"/>
+              <a:gd name="adj3" fmla="val 23022"/>
             </a:avLst>
           </a:prstGeom>
           <a:gradFill flip="none" rotWithShape="1">
@@ -13934,8 +14177,8 @@
           <a:prstGeom prst="blockArc">
             <a:avLst>
               <a:gd name="adj1" fmla="val 10791155"/>
-              <a:gd name="adj2" fmla="val 16110333"/>
-              <a:gd name="adj3" fmla="val 23818"/>
+              <a:gd name="adj2" fmla="val 16112166"/>
+              <a:gd name="adj3" fmla="val 23272"/>
             </a:avLst>
           </a:prstGeom>
           <a:gradFill flip="none" rotWithShape="1">
@@ -14012,8 +14255,8 @@
           <a:prstGeom prst="blockArc">
             <a:avLst>
               <a:gd name="adj1" fmla="val 16098041"/>
-              <a:gd name="adj2" fmla="val 67170"/>
-              <a:gd name="adj3" fmla="val 23439"/>
+              <a:gd name="adj2" fmla="val 43016"/>
+              <a:gd name="adj3" fmla="val 23078"/>
             </a:avLst>
           </a:prstGeom>
           <a:gradFill flip="none" rotWithShape="1">
@@ -14206,7 +14449,7 @@
         </p:nvGrpSpPr>
         <p:grpSpPr>
           <a:xfrm>
-            <a:off x="1915324" y="3182757"/>
+            <a:off x="1811814" y="3182757"/>
             <a:ext cx="1213979" cy="1213979"/>
             <a:chOff x="2195736" y="4125844"/>
             <a:chExt cx="1322432" cy="1322432"/>
@@ -14409,7 +14652,7 @@
         </p:nvGrpSpPr>
         <p:grpSpPr>
           <a:xfrm>
-            <a:off x="3585830" y="1470484"/>
+            <a:off x="3585830" y="1358190"/>
             <a:ext cx="1213979" cy="1213979"/>
             <a:chOff x="3491880" y="1769393"/>
             <a:chExt cx="1322432" cy="1322432"/>
@@ -14579,7 +14822,7 @@
         </p:nvGrpSpPr>
         <p:grpSpPr>
           <a:xfrm>
-            <a:off x="5310735" y="3151125"/>
+            <a:off x="5407194" y="3151125"/>
             <a:ext cx="1228975" cy="1213979"/>
             <a:chOff x="4914920" y="4089421"/>
             <a:chExt cx="1338768" cy="1322432"/>
@@ -14736,7 +14979,7 @@
         </p:nvGrpSpPr>
         <p:grpSpPr>
           <a:xfrm>
-            <a:off x="3601017" y="4928369"/>
+            <a:off x="3601017" y="4968474"/>
             <a:ext cx="1284108" cy="1213979"/>
             <a:chOff x="3536226" y="4681520"/>
             <a:chExt cx="1398826" cy="1322432"/>
@@ -15039,7 +15282,7 @@
         </p:nvSpPr>
         <p:spPr>
           <a:xfrm>
-            <a:off x="5033919" y="4426556"/>
+            <a:off x="5055423" y="2645995"/>
             <a:ext cx="1207063" cy="338554"/>
           </a:xfrm>
           <a:prstGeom prst="rect">
@@ -15082,8 +15325,8 @@
         </p:nvSpPr>
         <p:spPr>
           <a:xfrm>
-            <a:off x="4690974" y="2140865"/>
-            <a:ext cx="1325375" cy="338554"/>
+            <a:off x="4431328" y="2140865"/>
+            <a:ext cx="1595587" cy="461665"/>
           </a:xfrm>
           <a:prstGeom prst="rect">
             <a:avLst/>
@@ -15106,21 +15349,7 @@
                 </a:solidFill>
                 <a:latin typeface="Montserrat" panose="00000500000000000000" pitchFamily="2" charset="0"/>
               </a:rPr>
-              <a:t>Consistencia</a:t>
-            </a:r>
-          </a:p>
-          <a:p>
-            <a:pPr algn="ctr"/>
-            <a:r>
-              <a:rPr lang="es-ES" sz="800" b="1" i="1" dirty="0">
-                <a:solidFill>
-                  <a:schemeClr val="bg1">
-                    <a:lumMod val="50000"/>
-                  </a:schemeClr>
-                </a:solidFill>
-                <a:latin typeface="Montserrat" panose="00000500000000000000" pitchFamily="2" charset="0"/>
-              </a:rPr>
-              <a:t>En definiciones</a:t>
+              <a:t>Silos de datos Consistencia en definiciones</a:t>
             </a:r>
           </a:p>
         </p:txBody>
@@ -15196,7 +15425,7 @@
         </p:nvSpPr>
         <p:spPr>
           <a:xfrm>
-            <a:off x="4974762" y="2645995"/>
+            <a:off x="5006217" y="4394267"/>
             <a:ext cx="1325375" cy="338554"/>
           </a:xfrm>
           <a:prstGeom prst="rect">
@@ -18386,15 +18615,6 @@
 </file>
 
 <file path=customXml/item1.xml><?xml version="1.0" encoding="utf-8"?>
-<?mso-contentType ?>
-<FormTemplates xmlns="http://schemas.microsoft.com/sharepoint/v3/contenttype/forms">
-  <Display>DocumentLibraryForm</Display>
-  <Edit>DocumentLibraryForm</Edit>
-  <New>DocumentLibraryForm</New>
-</FormTemplates>
-</file>
-
-<file path=customXml/item2.xml><?xml version="1.0" encoding="utf-8"?>
 <ct:contentTypeSchema xmlns:ct="http://schemas.microsoft.com/office/2006/metadata/contentType" xmlns:ma="http://schemas.microsoft.com/office/2006/metadata/properties/metaAttributes" ct:_="" ma:_="" ma:contentTypeName="Documento" ma:contentTypeID="0x010100D61D317CF2309C4E8DA448EE42D88B65" ma:contentTypeVersion="14" ma:contentTypeDescription="Crear nuevo documento." ma:contentTypeScope="" ma:versionID="499295a40b32042ffc1aa18e52107fb2">
   <xsd:schema xmlns:xsd="http://www.w3.org/2001/XMLSchema" xmlns:xs="http://www.w3.org/2001/XMLSchema" xmlns:p="http://schemas.microsoft.com/office/2006/metadata/properties" xmlns:ns2="e24c3f89-b1e2-4b5c-81e1-9b07710f5189" xmlns:ns3="ce845bb0-6f82-4cf9-8b02-3916bb6268df" targetNamespace="http://schemas.microsoft.com/office/2006/metadata/properties" ma:root="true" ma:fieldsID="cacbbaa88dffef174e809ab62d2fa790" ns2:_="" ns3:_="">
     <xsd:import namespace="e24c3f89-b1e2-4b5c-81e1-9b07710f5189"/>
@@ -18623,6 +18843,15 @@
 </ct:contentTypeSchema>
 </file>
 
+<file path=customXml/item2.xml><?xml version="1.0" encoding="utf-8"?>
+<?mso-contentType ?>
+<FormTemplates xmlns="http://schemas.microsoft.com/sharepoint/v3/contenttype/forms">
+  <Display>DocumentLibraryForm</Display>
+  <Edit>DocumentLibraryForm</Edit>
+  <New>DocumentLibraryForm</New>
+</FormTemplates>
+</file>
+
 <file path=customXml/item3.xml><?xml version="1.0" encoding="utf-8"?>
 <p:properties xmlns:p="http://schemas.microsoft.com/office/2006/metadata/properties" xmlns:xsi="http://www.w3.org/2001/XMLSchema-instance" xmlns:pc="http://schemas.microsoft.com/office/infopath/2007/PartnerControls">
   <documentManagement>
@@ -18635,14 +18864,6 @@
 </file>
 
 <file path=customXml/itemProps1.xml><?xml version="1.0" encoding="utf-8"?>
-<ds:datastoreItem xmlns:ds="http://schemas.openxmlformats.org/officeDocument/2006/customXml" ds:itemID="{6FDDB250-E753-47E4-8ED1-CAC7AD183E6C}">
-  <ds:schemaRefs>
-    <ds:schemaRef ds:uri="http://schemas.microsoft.com/sharepoint/v3/contenttype/forms"/>
-  </ds:schemaRefs>
-</ds:datastoreItem>
-</file>
-
-<file path=customXml/itemProps2.xml><?xml version="1.0" encoding="utf-8"?>
 <ds:datastoreItem xmlns:ds="http://schemas.openxmlformats.org/officeDocument/2006/customXml" ds:itemID="{D57BF0C9-4CDD-43A3-8A95-A49D62C2F2E1}">
   <ds:schemaRefs>
     <ds:schemaRef ds:uri="http://schemas.microsoft.com/office/2006/metadata/contentType"/>
@@ -18661,6 +18882,14 @@
 </ds:datastoreItem>
 </file>
 
+<file path=customXml/itemProps2.xml><?xml version="1.0" encoding="utf-8"?>
+<ds:datastoreItem xmlns:ds="http://schemas.openxmlformats.org/officeDocument/2006/customXml" ds:itemID="{6FDDB250-E753-47E4-8ED1-CAC7AD183E6C}">
+  <ds:schemaRefs>
+    <ds:schemaRef ds:uri="http://schemas.microsoft.com/sharepoint/v3/contenttype/forms"/>
+  </ds:schemaRefs>
+</ds:datastoreItem>
+</file>
+
 <file path=customXml/itemProps3.xml><?xml version="1.0" encoding="utf-8"?>
 <ds:datastoreItem xmlns:ds="http://schemas.openxmlformats.org/officeDocument/2006/customXml" ds:itemID="{4A79858A-5E67-489D-9BB4-CD604D981F2A}">
   <ds:schemaRefs>
